--- a/presentation/디자인.pptx
+++ b/presentation/디자인.pptx
@@ -2,21 +2,21 @@
 <file path=ppt/presentation.xml><?xml version="1.0" encoding="utf-8"?>
 <p:presentation xmlns:a="http://schemas.openxmlformats.org/drawingml/2006/main" xmlns:r="http://schemas.openxmlformats.org/officeDocument/2006/relationships" xmlns:p="http://schemas.openxmlformats.org/presentationml/2006/main" saveSubsetFonts="1" autoCompressPictures="0">
   <p:sldMasterIdLst>
-    <p:sldMasterId id="2147483660" r:id="rId1"/>
+    <p:sldMasterId id="2147483672" r:id="rId1"/>
   </p:sldMasterIdLst>
   <p:sldIdLst>
     <p:sldId id="256" r:id="rId2"/>
     <p:sldId id="258" r:id="rId3"/>
     <p:sldId id="257" r:id="rId4"/>
   </p:sldIdLst>
-  <p:sldSz cx="6858000" cy="9906000" type="A4"/>
+  <p:sldSz cx="5143500" cy="9144000" type="screen16x9"/>
   <p:notesSz cx="6858000" cy="9144000"/>
   <p:defaultTextStyle>
     <a:defPPr>
       <a:defRPr lang="en-US"/>
     </a:defPPr>
-    <a:lvl1pPr marL="0" algn="l" defTabSz="457200" rtl="0" eaLnBrk="1" latinLnBrk="0" hangingPunct="1">
-      <a:defRPr sz="1800" kern="1200">
+    <a:lvl1pPr marL="0" algn="l" defTabSz="389626" rtl="0" eaLnBrk="1" latinLnBrk="0" hangingPunct="1">
+      <a:defRPr sz="1534" kern="1200">
         <a:solidFill>
           <a:schemeClr val="tx1"/>
         </a:solidFill>
@@ -25,8 +25,8 @@
         <a:cs typeface="+mn-cs"/>
       </a:defRPr>
     </a:lvl1pPr>
-    <a:lvl2pPr marL="457200" algn="l" defTabSz="457200" rtl="0" eaLnBrk="1" latinLnBrk="0" hangingPunct="1">
-      <a:defRPr sz="1800" kern="1200">
+    <a:lvl2pPr marL="389626" algn="l" defTabSz="389626" rtl="0" eaLnBrk="1" latinLnBrk="0" hangingPunct="1">
+      <a:defRPr sz="1534" kern="1200">
         <a:solidFill>
           <a:schemeClr val="tx1"/>
         </a:solidFill>
@@ -35,8 +35,8 @@
         <a:cs typeface="+mn-cs"/>
       </a:defRPr>
     </a:lvl2pPr>
-    <a:lvl3pPr marL="914400" algn="l" defTabSz="457200" rtl="0" eaLnBrk="1" latinLnBrk="0" hangingPunct="1">
-      <a:defRPr sz="1800" kern="1200">
+    <a:lvl3pPr marL="779252" algn="l" defTabSz="389626" rtl="0" eaLnBrk="1" latinLnBrk="0" hangingPunct="1">
+      <a:defRPr sz="1534" kern="1200">
         <a:solidFill>
           <a:schemeClr val="tx1"/>
         </a:solidFill>
@@ -45,8 +45,8 @@
         <a:cs typeface="+mn-cs"/>
       </a:defRPr>
     </a:lvl3pPr>
-    <a:lvl4pPr marL="1371600" algn="l" defTabSz="457200" rtl="0" eaLnBrk="1" latinLnBrk="0" hangingPunct="1">
-      <a:defRPr sz="1800" kern="1200">
+    <a:lvl4pPr marL="1168878" algn="l" defTabSz="389626" rtl="0" eaLnBrk="1" latinLnBrk="0" hangingPunct="1">
+      <a:defRPr sz="1534" kern="1200">
         <a:solidFill>
           <a:schemeClr val="tx1"/>
         </a:solidFill>
@@ -55,8 +55,8 @@
         <a:cs typeface="+mn-cs"/>
       </a:defRPr>
     </a:lvl4pPr>
-    <a:lvl5pPr marL="1828800" algn="l" defTabSz="457200" rtl="0" eaLnBrk="1" latinLnBrk="0" hangingPunct="1">
-      <a:defRPr sz="1800" kern="1200">
+    <a:lvl5pPr marL="1558503" algn="l" defTabSz="389626" rtl="0" eaLnBrk="1" latinLnBrk="0" hangingPunct="1">
+      <a:defRPr sz="1534" kern="1200">
         <a:solidFill>
           <a:schemeClr val="tx1"/>
         </a:solidFill>
@@ -65,8 +65,8 @@
         <a:cs typeface="+mn-cs"/>
       </a:defRPr>
     </a:lvl5pPr>
-    <a:lvl6pPr marL="2286000" algn="l" defTabSz="457200" rtl="0" eaLnBrk="1" latinLnBrk="0" hangingPunct="1">
-      <a:defRPr sz="1800" kern="1200">
+    <a:lvl6pPr marL="1948129" algn="l" defTabSz="389626" rtl="0" eaLnBrk="1" latinLnBrk="0" hangingPunct="1">
+      <a:defRPr sz="1534" kern="1200">
         <a:solidFill>
           <a:schemeClr val="tx1"/>
         </a:solidFill>
@@ -75,8 +75,8 @@
         <a:cs typeface="+mn-cs"/>
       </a:defRPr>
     </a:lvl6pPr>
-    <a:lvl7pPr marL="2743200" algn="l" defTabSz="457200" rtl="0" eaLnBrk="1" latinLnBrk="0" hangingPunct="1">
-      <a:defRPr sz="1800" kern="1200">
+    <a:lvl7pPr marL="2337755" algn="l" defTabSz="389626" rtl="0" eaLnBrk="1" latinLnBrk="0" hangingPunct="1">
+      <a:defRPr sz="1534" kern="1200">
         <a:solidFill>
           <a:schemeClr val="tx1"/>
         </a:solidFill>
@@ -85,8 +85,8 @@
         <a:cs typeface="+mn-cs"/>
       </a:defRPr>
     </a:lvl7pPr>
-    <a:lvl8pPr marL="3200400" algn="l" defTabSz="457200" rtl="0" eaLnBrk="1" latinLnBrk="0" hangingPunct="1">
-      <a:defRPr sz="1800" kern="1200">
+    <a:lvl8pPr marL="2727381" algn="l" defTabSz="389626" rtl="0" eaLnBrk="1" latinLnBrk="0" hangingPunct="1">
+      <a:defRPr sz="1534" kern="1200">
         <a:solidFill>
           <a:schemeClr val="tx1"/>
         </a:solidFill>
@@ -95,8 +95,8 @@
         <a:cs typeface="+mn-cs"/>
       </a:defRPr>
     </a:lvl8pPr>
-    <a:lvl9pPr marL="3657600" algn="l" defTabSz="457200" rtl="0" eaLnBrk="1" latinLnBrk="0" hangingPunct="1">
-      <a:defRPr sz="1800" kern="1200">
+    <a:lvl9pPr marL="3117007" algn="l" defTabSz="389626" rtl="0" eaLnBrk="1" latinLnBrk="0" hangingPunct="1">
+      <a:defRPr sz="1534" kern="1200">
         <a:solidFill>
           <a:schemeClr val="tx1"/>
         </a:solidFill>
@@ -108,7 +108,18 @@
   </p:defaultTextStyle>
   <p:extLst>
     <p:ext uri="{EFAFB233-063F-42B5-8137-9DF3F51BA10A}">
-      <p15:sldGuideLst xmlns:p15="http://schemas.microsoft.com/office/powerpoint/2012/main"/>
+      <p15:sldGuideLst xmlns:p15="http://schemas.microsoft.com/office/powerpoint/2012/main">
+        <p15:guide id="1" orient="horz" pos="2857" userDrawn="1">
+          <p15:clr>
+            <a:srgbClr val="A4A3A4"/>
+          </p15:clr>
+        </p15:guide>
+        <p15:guide id="2" pos="1620" userDrawn="1">
+          <p15:clr>
+            <a:srgbClr val="A4A3A4"/>
+          </p15:clr>
+        </p15:guide>
+      </p15:sldGuideLst>
     </p:ext>
   </p:extLst>
 </p:presentation>
@@ -143,20 +154,20 @@
         </p:nvSpPr>
         <p:spPr>
           <a:xfrm>
-            <a:off x="514350" y="1621191"/>
-            <a:ext cx="5829300" cy="3448756"/>
+            <a:off x="385763" y="1496484"/>
+            <a:ext cx="4371975" cy="3183467"/>
           </a:xfrm>
         </p:spPr>
         <p:txBody>
           <a:bodyPr anchor="b"/>
           <a:lstStyle>
             <a:lvl1pPr algn="ctr">
-              <a:defRPr sz="4500"/>
+              <a:defRPr sz="3375"/>
             </a:lvl1pPr>
           </a:lstStyle>
           <a:p>
             <a:r>
-              <a:rPr lang="ko-KR" altLang="en-US"/>
+              <a:rPr lang="ko-KR" altLang="en-US" smtClean="0"/>
               <a:t>마스터 제목 스타일 편집</a:t>
             </a:r>
             <a:endParaRPr lang="en-US" dirty="0"/>
@@ -175,8 +186,8 @@
         </p:nvSpPr>
         <p:spPr>
           <a:xfrm>
-            <a:off x="857250" y="5202944"/>
-            <a:ext cx="5143500" cy="2391656"/>
+            <a:off x="642938" y="4802717"/>
+            <a:ext cx="3857625" cy="2207683"/>
           </a:xfrm>
         </p:spPr>
         <p:txBody>
@@ -184,44 +195,44 @@
           <a:lstStyle>
             <a:lvl1pPr marL="0" indent="0" algn="ctr">
               <a:buNone/>
-              <a:defRPr sz="1800"/>
+              <a:defRPr sz="1350"/>
             </a:lvl1pPr>
-            <a:lvl2pPr marL="342900" indent="0" algn="ctr">
+            <a:lvl2pPr marL="257175" indent="0" algn="ctr">
               <a:buNone/>
-              <a:defRPr sz="1500"/>
+              <a:defRPr sz="1125"/>
             </a:lvl2pPr>
-            <a:lvl3pPr marL="685800" indent="0" algn="ctr">
+            <a:lvl3pPr marL="514350" indent="0" algn="ctr">
               <a:buNone/>
-              <a:defRPr sz="1350"/>
+              <a:defRPr sz="1013"/>
             </a:lvl3pPr>
-            <a:lvl4pPr marL="1028700" indent="0" algn="ctr">
+            <a:lvl4pPr marL="771525" indent="0" algn="ctr">
               <a:buNone/>
-              <a:defRPr sz="1200"/>
+              <a:defRPr sz="900"/>
             </a:lvl4pPr>
-            <a:lvl5pPr marL="1371600" indent="0" algn="ctr">
+            <a:lvl5pPr marL="1028700" indent="0" algn="ctr">
               <a:buNone/>
-              <a:defRPr sz="1200"/>
+              <a:defRPr sz="900"/>
             </a:lvl5pPr>
-            <a:lvl6pPr marL="1714500" indent="0" algn="ctr">
+            <a:lvl6pPr marL="1285875" indent="0" algn="ctr">
               <a:buNone/>
-              <a:defRPr sz="1200"/>
+              <a:defRPr sz="900"/>
             </a:lvl6pPr>
-            <a:lvl7pPr marL="2057400" indent="0" algn="ctr">
+            <a:lvl7pPr marL="1543050" indent="0" algn="ctr">
               <a:buNone/>
-              <a:defRPr sz="1200"/>
+              <a:defRPr sz="900"/>
             </a:lvl7pPr>
-            <a:lvl8pPr marL="2400300" indent="0" algn="ctr">
+            <a:lvl8pPr marL="1800225" indent="0" algn="ctr">
               <a:buNone/>
-              <a:defRPr sz="1200"/>
+              <a:defRPr sz="900"/>
             </a:lvl8pPr>
-            <a:lvl9pPr marL="2743200" indent="0" algn="ctr">
+            <a:lvl9pPr marL="2057400" indent="0" algn="ctr">
               <a:buNone/>
-              <a:defRPr sz="1200"/>
+              <a:defRPr sz="900"/>
             </a:lvl9pPr>
           </a:lstStyle>
           <a:p>
             <a:r>
-              <a:rPr lang="ko-KR" altLang="en-US"/>
+              <a:rPr lang="ko-KR" altLang="en-US" smtClean="0"/>
               <a:t>클릭하여 마스터 부제목 스타일 편집</a:t>
             </a:r>
             <a:endParaRPr lang="en-US" dirty="0"/>
@@ -245,7 +256,7 @@
           <a:p>
             <a:fld id="{C55B58C6-6CBA-A54D-AA55-A3B23B286DE4}" type="datetimeFigureOut">
               <a:rPr kumimoji="1" lang="ko-KR" altLang="en-US" smtClean="0"/>
-              <a:t>2023. 4. 8.</a:t>
+              <a:t>2023-04-10</a:t>
             </a:fld>
             <a:endParaRPr kumimoji="1" lang="ko-KR" altLang="en-US" dirty="0"/>
           </a:p>
@@ -296,7 +307,7 @@
     </p:spTree>
     <p:extLst>
       <p:ext uri="{BB962C8B-B14F-4D97-AF65-F5344CB8AC3E}">
-        <p14:creationId xmlns:p14="http://schemas.microsoft.com/office/powerpoint/2010/main" val="1257997638"/>
+        <p14:creationId xmlns:p14="http://schemas.microsoft.com/office/powerpoint/2010/main" val="1824498537"/>
       </p:ext>
     </p:extLst>
   </p:cSld>
@@ -339,7 +350,7 @@
           <a:lstStyle/>
           <a:p>
             <a:r>
-              <a:rPr lang="ko-KR" altLang="en-US"/>
+              <a:rPr lang="ko-KR" altLang="en-US" smtClean="0"/>
               <a:t>마스터 제목 스타일 편집</a:t>
             </a:r>
             <a:endParaRPr lang="en-US" dirty="0"/>
@@ -363,36 +374,36 @@
           <a:p>
             <a:pPr lvl="0"/>
             <a:r>
-              <a:rPr lang="ko-KR" altLang="en-US"/>
-              <a:t>마스터 텍스트 스타일을 편집하려면 클릭</a:t>
+              <a:rPr lang="ko-KR" altLang="en-US" smtClean="0"/>
+              <a:t>마스터 텍스트 스타일 편집</a:t>
             </a:r>
           </a:p>
           <a:p>
             <a:pPr lvl="1"/>
             <a:r>
-              <a:rPr lang="ko-KR" altLang="en-US"/>
-              <a:t>두 번째 수준</a:t>
+              <a:rPr lang="ko-KR" altLang="en-US" smtClean="0"/>
+              <a:t>둘째 수준</a:t>
             </a:r>
           </a:p>
           <a:p>
             <a:pPr lvl="2"/>
             <a:r>
-              <a:rPr lang="ko-KR" altLang="en-US"/>
-              <a:t>세 번째 수준</a:t>
+              <a:rPr lang="ko-KR" altLang="en-US" smtClean="0"/>
+              <a:t>셋째 수준</a:t>
             </a:r>
           </a:p>
           <a:p>
             <a:pPr lvl="3"/>
             <a:r>
-              <a:rPr lang="ko-KR" altLang="en-US"/>
-              <a:t>네 번째 수준</a:t>
+              <a:rPr lang="ko-KR" altLang="en-US" smtClean="0"/>
+              <a:t>넷째 수준</a:t>
             </a:r>
           </a:p>
           <a:p>
             <a:pPr lvl="4"/>
             <a:r>
-              <a:rPr lang="ko-KR" altLang="en-US"/>
-              <a:t>다섯 번째 수준</a:t>
+              <a:rPr lang="ko-KR" altLang="en-US" smtClean="0"/>
+              <a:t>다섯째 수준</a:t>
             </a:r>
             <a:endParaRPr lang="en-US" dirty="0"/>
           </a:p>
@@ -415,7 +426,7 @@
           <a:p>
             <a:fld id="{C55B58C6-6CBA-A54D-AA55-A3B23B286DE4}" type="datetimeFigureOut">
               <a:rPr kumimoji="1" lang="ko-KR" altLang="en-US" smtClean="0"/>
-              <a:t>2023. 4. 8.</a:t>
+              <a:t>2023-04-10</a:t>
             </a:fld>
             <a:endParaRPr kumimoji="1" lang="ko-KR" altLang="en-US" dirty="0"/>
           </a:p>
@@ -466,7 +477,7 @@
     </p:spTree>
     <p:extLst>
       <p:ext uri="{BB962C8B-B14F-4D97-AF65-F5344CB8AC3E}">
-        <p14:creationId xmlns:p14="http://schemas.microsoft.com/office/powerpoint/2010/main" val="3514250765"/>
+        <p14:creationId xmlns:p14="http://schemas.microsoft.com/office/powerpoint/2010/main" val="2735314219"/>
       </p:ext>
     </p:extLst>
   </p:cSld>
@@ -505,8 +516,8 @@
         </p:nvSpPr>
         <p:spPr>
           <a:xfrm>
-            <a:off x="4907757" y="527403"/>
-            <a:ext cx="1478756" cy="8394877"/>
+            <a:off x="3680818" y="486834"/>
+            <a:ext cx="1109067" cy="7749117"/>
           </a:xfrm>
         </p:spPr>
         <p:txBody>
@@ -514,7 +525,7 @@
           <a:lstStyle/>
           <a:p>
             <a:r>
-              <a:rPr lang="ko-KR" altLang="en-US"/>
+              <a:rPr lang="ko-KR" altLang="en-US" smtClean="0"/>
               <a:t>마스터 제목 스타일 편집</a:t>
             </a:r>
             <a:endParaRPr lang="en-US" dirty="0"/>
@@ -533,8 +544,8 @@
         </p:nvSpPr>
         <p:spPr>
           <a:xfrm>
-            <a:off x="471488" y="527403"/>
-            <a:ext cx="4350544" cy="8394877"/>
+            <a:off x="353616" y="486834"/>
+            <a:ext cx="3262908" cy="7749117"/>
           </a:xfrm>
         </p:spPr>
         <p:txBody>
@@ -543,36 +554,36 @@
           <a:p>
             <a:pPr lvl="0"/>
             <a:r>
-              <a:rPr lang="ko-KR" altLang="en-US"/>
-              <a:t>마스터 텍스트 스타일을 편집하려면 클릭</a:t>
+              <a:rPr lang="ko-KR" altLang="en-US" smtClean="0"/>
+              <a:t>마스터 텍스트 스타일 편집</a:t>
             </a:r>
           </a:p>
           <a:p>
             <a:pPr lvl="1"/>
             <a:r>
-              <a:rPr lang="ko-KR" altLang="en-US"/>
-              <a:t>두 번째 수준</a:t>
+              <a:rPr lang="ko-KR" altLang="en-US" smtClean="0"/>
+              <a:t>둘째 수준</a:t>
             </a:r>
           </a:p>
           <a:p>
             <a:pPr lvl="2"/>
             <a:r>
-              <a:rPr lang="ko-KR" altLang="en-US"/>
-              <a:t>세 번째 수준</a:t>
+              <a:rPr lang="ko-KR" altLang="en-US" smtClean="0"/>
+              <a:t>셋째 수준</a:t>
             </a:r>
           </a:p>
           <a:p>
             <a:pPr lvl="3"/>
             <a:r>
-              <a:rPr lang="ko-KR" altLang="en-US"/>
-              <a:t>네 번째 수준</a:t>
+              <a:rPr lang="ko-KR" altLang="en-US" smtClean="0"/>
+              <a:t>넷째 수준</a:t>
             </a:r>
           </a:p>
           <a:p>
             <a:pPr lvl="4"/>
             <a:r>
-              <a:rPr lang="ko-KR" altLang="en-US"/>
-              <a:t>다섯 번째 수준</a:t>
+              <a:rPr lang="ko-KR" altLang="en-US" smtClean="0"/>
+              <a:t>다섯째 수준</a:t>
             </a:r>
             <a:endParaRPr lang="en-US" dirty="0"/>
           </a:p>
@@ -595,7 +606,7 @@
           <a:p>
             <a:fld id="{C55B58C6-6CBA-A54D-AA55-A3B23B286DE4}" type="datetimeFigureOut">
               <a:rPr kumimoji="1" lang="ko-KR" altLang="en-US" smtClean="0"/>
-              <a:t>2023. 4. 8.</a:t>
+              <a:t>2023-04-10</a:t>
             </a:fld>
             <a:endParaRPr kumimoji="1" lang="ko-KR" altLang="en-US" dirty="0"/>
           </a:p>
@@ -646,7 +657,7 @@
     </p:spTree>
     <p:extLst>
       <p:ext uri="{BB962C8B-B14F-4D97-AF65-F5344CB8AC3E}">
-        <p14:creationId xmlns:p14="http://schemas.microsoft.com/office/powerpoint/2010/main" val="3964083458"/>
+        <p14:creationId xmlns:p14="http://schemas.microsoft.com/office/powerpoint/2010/main" val="633329086"/>
       </p:ext>
     </p:extLst>
   </p:cSld>
@@ -689,7 +700,7 @@
           <a:lstStyle/>
           <a:p>
             <a:r>
-              <a:rPr lang="ko-KR" altLang="en-US"/>
+              <a:rPr lang="ko-KR" altLang="en-US" smtClean="0"/>
               <a:t>마스터 제목 스타일 편집</a:t>
             </a:r>
             <a:endParaRPr lang="en-US" dirty="0"/>
@@ -713,36 +724,36 @@
           <a:p>
             <a:pPr lvl="0"/>
             <a:r>
-              <a:rPr lang="ko-KR" altLang="en-US"/>
-              <a:t>마스터 텍스트 스타일을 편집하려면 클릭</a:t>
+              <a:rPr lang="ko-KR" altLang="en-US" smtClean="0"/>
+              <a:t>마스터 텍스트 스타일 편집</a:t>
             </a:r>
           </a:p>
           <a:p>
             <a:pPr lvl="1"/>
             <a:r>
-              <a:rPr lang="ko-KR" altLang="en-US"/>
-              <a:t>두 번째 수준</a:t>
+              <a:rPr lang="ko-KR" altLang="en-US" smtClean="0"/>
+              <a:t>둘째 수준</a:t>
             </a:r>
           </a:p>
           <a:p>
             <a:pPr lvl="2"/>
             <a:r>
-              <a:rPr lang="ko-KR" altLang="en-US"/>
-              <a:t>세 번째 수준</a:t>
+              <a:rPr lang="ko-KR" altLang="en-US" smtClean="0"/>
+              <a:t>셋째 수준</a:t>
             </a:r>
           </a:p>
           <a:p>
             <a:pPr lvl="3"/>
             <a:r>
-              <a:rPr lang="ko-KR" altLang="en-US"/>
-              <a:t>네 번째 수준</a:t>
+              <a:rPr lang="ko-KR" altLang="en-US" smtClean="0"/>
+              <a:t>넷째 수준</a:t>
             </a:r>
           </a:p>
           <a:p>
             <a:pPr lvl="4"/>
             <a:r>
-              <a:rPr lang="ko-KR" altLang="en-US"/>
-              <a:t>다섯 번째 수준</a:t>
+              <a:rPr lang="ko-KR" altLang="en-US" smtClean="0"/>
+              <a:t>다섯째 수준</a:t>
             </a:r>
             <a:endParaRPr lang="en-US" dirty="0"/>
           </a:p>
@@ -765,7 +776,7 @@
           <a:p>
             <a:fld id="{C55B58C6-6CBA-A54D-AA55-A3B23B286DE4}" type="datetimeFigureOut">
               <a:rPr kumimoji="1" lang="ko-KR" altLang="en-US" smtClean="0"/>
-              <a:t>2023. 4. 8.</a:t>
+              <a:t>2023-04-10</a:t>
             </a:fld>
             <a:endParaRPr kumimoji="1" lang="ko-KR" altLang="en-US" dirty="0"/>
           </a:p>
@@ -816,7 +827,7 @@
     </p:spTree>
     <p:extLst>
       <p:ext uri="{BB962C8B-B14F-4D97-AF65-F5344CB8AC3E}">
-        <p14:creationId xmlns:p14="http://schemas.microsoft.com/office/powerpoint/2010/main" val="2783412324"/>
+        <p14:creationId xmlns:p14="http://schemas.microsoft.com/office/powerpoint/2010/main" val="3534890216"/>
       </p:ext>
     </p:extLst>
   </p:cSld>
@@ -855,20 +866,20 @@
         </p:nvSpPr>
         <p:spPr>
           <a:xfrm>
-            <a:off x="467916" y="2469624"/>
-            <a:ext cx="5915025" cy="4120620"/>
+            <a:off x="350937" y="2279653"/>
+            <a:ext cx="4436269" cy="3803649"/>
           </a:xfrm>
         </p:spPr>
         <p:txBody>
           <a:bodyPr anchor="b"/>
           <a:lstStyle>
             <a:lvl1pPr>
-              <a:defRPr sz="4500"/>
+              <a:defRPr sz="3375"/>
             </a:lvl1pPr>
           </a:lstStyle>
           <a:p>
             <a:r>
-              <a:rPr lang="ko-KR" altLang="en-US"/>
+              <a:rPr lang="ko-KR" altLang="en-US" smtClean="0"/>
               <a:t>마스터 제목 스타일 편집</a:t>
             </a:r>
             <a:endParaRPr lang="en-US" dirty="0"/>
@@ -887,8 +898,8 @@
         </p:nvSpPr>
         <p:spPr>
           <a:xfrm>
-            <a:off x="467916" y="6629226"/>
-            <a:ext cx="5915025" cy="2166937"/>
+            <a:off x="350937" y="6119286"/>
+            <a:ext cx="4436269" cy="2000249"/>
           </a:xfrm>
         </p:spPr>
         <p:txBody>
@@ -896,15 +907,15 @@
           <a:lstStyle>
             <a:lvl1pPr marL="0" indent="0">
               <a:buNone/>
-              <a:defRPr sz="1800">
+              <a:defRPr sz="1350">
                 <a:solidFill>
                   <a:schemeClr val="tx1"/>
                 </a:solidFill>
               </a:defRPr>
             </a:lvl1pPr>
-            <a:lvl2pPr marL="342900" indent="0">
+            <a:lvl2pPr marL="257175" indent="0">
               <a:buNone/>
-              <a:defRPr sz="1500">
+              <a:defRPr sz="1125">
                 <a:solidFill>
                   <a:schemeClr val="tx1">
                     <a:tint val="75000"/>
@@ -912,9 +923,9 @@
                 </a:solidFill>
               </a:defRPr>
             </a:lvl2pPr>
-            <a:lvl3pPr marL="685800" indent="0">
+            <a:lvl3pPr marL="514350" indent="0">
               <a:buNone/>
-              <a:defRPr sz="1350">
+              <a:defRPr sz="1013">
                 <a:solidFill>
                   <a:schemeClr val="tx1">
                     <a:tint val="75000"/>
@@ -922,9 +933,9 @@
                 </a:solidFill>
               </a:defRPr>
             </a:lvl3pPr>
-            <a:lvl4pPr marL="1028700" indent="0">
+            <a:lvl4pPr marL="771525" indent="0">
               <a:buNone/>
-              <a:defRPr sz="1200">
+              <a:defRPr sz="900">
                 <a:solidFill>
                   <a:schemeClr val="tx1">
                     <a:tint val="75000"/>
@@ -932,9 +943,9 @@
                 </a:solidFill>
               </a:defRPr>
             </a:lvl4pPr>
-            <a:lvl5pPr marL="1371600" indent="0">
+            <a:lvl5pPr marL="1028700" indent="0">
               <a:buNone/>
-              <a:defRPr sz="1200">
+              <a:defRPr sz="900">
                 <a:solidFill>
                   <a:schemeClr val="tx1">
                     <a:tint val="75000"/>
@@ -942,9 +953,9 @@
                 </a:solidFill>
               </a:defRPr>
             </a:lvl5pPr>
-            <a:lvl6pPr marL="1714500" indent="0">
+            <a:lvl6pPr marL="1285875" indent="0">
               <a:buNone/>
-              <a:defRPr sz="1200">
+              <a:defRPr sz="900">
                 <a:solidFill>
                   <a:schemeClr val="tx1">
                     <a:tint val="75000"/>
@@ -952,9 +963,9 @@
                 </a:solidFill>
               </a:defRPr>
             </a:lvl6pPr>
-            <a:lvl7pPr marL="2057400" indent="0">
+            <a:lvl7pPr marL="1543050" indent="0">
               <a:buNone/>
-              <a:defRPr sz="1200">
+              <a:defRPr sz="900">
                 <a:solidFill>
                   <a:schemeClr val="tx1">
                     <a:tint val="75000"/>
@@ -962,9 +973,9 @@
                 </a:solidFill>
               </a:defRPr>
             </a:lvl7pPr>
-            <a:lvl8pPr marL="2400300" indent="0">
+            <a:lvl8pPr marL="1800225" indent="0">
               <a:buNone/>
-              <a:defRPr sz="1200">
+              <a:defRPr sz="900">
                 <a:solidFill>
                   <a:schemeClr val="tx1">
                     <a:tint val="75000"/>
@@ -972,9 +983,9 @@
                 </a:solidFill>
               </a:defRPr>
             </a:lvl8pPr>
-            <a:lvl9pPr marL="2743200" indent="0">
+            <a:lvl9pPr marL="2057400" indent="0">
               <a:buNone/>
-              <a:defRPr sz="1200">
+              <a:defRPr sz="900">
                 <a:solidFill>
                   <a:schemeClr val="tx1">
                     <a:tint val="75000"/>
@@ -986,8 +997,8 @@
           <a:p>
             <a:pPr lvl="0"/>
             <a:r>
-              <a:rPr lang="ko-KR" altLang="en-US"/>
-              <a:t>마스터 텍스트 스타일을 편집하려면 클릭</a:t>
+              <a:rPr lang="ko-KR" altLang="en-US" smtClean="0"/>
+              <a:t>마스터 텍스트 스타일 편집</a:t>
             </a:r>
           </a:p>
         </p:txBody>
@@ -1009,7 +1020,7 @@
           <a:p>
             <a:fld id="{C55B58C6-6CBA-A54D-AA55-A3B23B286DE4}" type="datetimeFigureOut">
               <a:rPr kumimoji="1" lang="ko-KR" altLang="en-US" smtClean="0"/>
-              <a:t>2023. 4. 8.</a:t>
+              <a:t>2023-04-10</a:t>
             </a:fld>
             <a:endParaRPr kumimoji="1" lang="ko-KR" altLang="en-US" dirty="0"/>
           </a:p>
@@ -1060,7 +1071,7 @@
     </p:spTree>
     <p:extLst>
       <p:ext uri="{BB962C8B-B14F-4D97-AF65-F5344CB8AC3E}">
-        <p14:creationId xmlns:p14="http://schemas.microsoft.com/office/powerpoint/2010/main" val="3485368947"/>
+        <p14:creationId xmlns:p14="http://schemas.microsoft.com/office/powerpoint/2010/main" val="3034115723"/>
       </p:ext>
     </p:extLst>
   </p:cSld>
@@ -1103,7 +1114,7 @@
           <a:lstStyle/>
           <a:p>
             <a:r>
-              <a:rPr lang="ko-KR" altLang="en-US"/>
+              <a:rPr lang="ko-KR" altLang="en-US" smtClean="0"/>
               <a:t>마스터 제목 스타일 편집</a:t>
             </a:r>
             <a:endParaRPr lang="en-US" dirty="0"/>
@@ -1122,8 +1133,8 @@
         </p:nvSpPr>
         <p:spPr>
           <a:xfrm>
-            <a:off x="471488" y="2637014"/>
-            <a:ext cx="2914650" cy="6285266"/>
+            <a:off x="353615" y="2434167"/>
+            <a:ext cx="2185988" cy="5801784"/>
           </a:xfrm>
         </p:spPr>
         <p:txBody>
@@ -1132,36 +1143,36 @@
           <a:p>
             <a:pPr lvl="0"/>
             <a:r>
-              <a:rPr lang="ko-KR" altLang="en-US"/>
-              <a:t>마스터 텍스트 스타일을 편집하려면 클릭</a:t>
+              <a:rPr lang="ko-KR" altLang="en-US" smtClean="0"/>
+              <a:t>마스터 텍스트 스타일 편집</a:t>
             </a:r>
           </a:p>
           <a:p>
             <a:pPr lvl="1"/>
             <a:r>
-              <a:rPr lang="ko-KR" altLang="en-US"/>
-              <a:t>두 번째 수준</a:t>
+              <a:rPr lang="ko-KR" altLang="en-US" smtClean="0"/>
+              <a:t>둘째 수준</a:t>
             </a:r>
           </a:p>
           <a:p>
             <a:pPr lvl="2"/>
             <a:r>
-              <a:rPr lang="ko-KR" altLang="en-US"/>
-              <a:t>세 번째 수준</a:t>
+              <a:rPr lang="ko-KR" altLang="en-US" smtClean="0"/>
+              <a:t>셋째 수준</a:t>
             </a:r>
           </a:p>
           <a:p>
             <a:pPr lvl="3"/>
             <a:r>
-              <a:rPr lang="ko-KR" altLang="en-US"/>
-              <a:t>네 번째 수준</a:t>
+              <a:rPr lang="ko-KR" altLang="en-US" smtClean="0"/>
+              <a:t>넷째 수준</a:t>
             </a:r>
           </a:p>
           <a:p>
             <a:pPr lvl="4"/>
             <a:r>
-              <a:rPr lang="ko-KR" altLang="en-US"/>
-              <a:t>다섯 번째 수준</a:t>
+              <a:rPr lang="ko-KR" altLang="en-US" smtClean="0"/>
+              <a:t>다섯째 수준</a:t>
             </a:r>
             <a:endParaRPr lang="en-US" dirty="0"/>
           </a:p>
@@ -1179,8 +1190,8 @@
         </p:nvSpPr>
         <p:spPr>
           <a:xfrm>
-            <a:off x="3471863" y="2637014"/>
-            <a:ext cx="2914650" cy="6285266"/>
+            <a:off x="2603897" y="2434167"/>
+            <a:ext cx="2185988" cy="5801784"/>
           </a:xfrm>
         </p:spPr>
         <p:txBody>
@@ -1189,36 +1200,36 @@
           <a:p>
             <a:pPr lvl="0"/>
             <a:r>
-              <a:rPr lang="ko-KR" altLang="en-US"/>
-              <a:t>마스터 텍스트 스타일을 편집하려면 클릭</a:t>
+              <a:rPr lang="ko-KR" altLang="en-US" smtClean="0"/>
+              <a:t>마스터 텍스트 스타일 편집</a:t>
             </a:r>
           </a:p>
           <a:p>
             <a:pPr lvl="1"/>
             <a:r>
-              <a:rPr lang="ko-KR" altLang="en-US"/>
-              <a:t>두 번째 수준</a:t>
+              <a:rPr lang="ko-KR" altLang="en-US" smtClean="0"/>
+              <a:t>둘째 수준</a:t>
             </a:r>
           </a:p>
           <a:p>
             <a:pPr lvl="2"/>
             <a:r>
-              <a:rPr lang="ko-KR" altLang="en-US"/>
-              <a:t>세 번째 수준</a:t>
+              <a:rPr lang="ko-KR" altLang="en-US" smtClean="0"/>
+              <a:t>셋째 수준</a:t>
             </a:r>
           </a:p>
           <a:p>
             <a:pPr lvl="3"/>
             <a:r>
-              <a:rPr lang="ko-KR" altLang="en-US"/>
-              <a:t>네 번째 수준</a:t>
+              <a:rPr lang="ko-KR" altLang="en-US" smtClean="0"/>
+              <a:t>넷째 수준</a:t>
             </a:r>
           </a:p>
           <a:p>
             <a:pPr lvl="4"/>
             <a:r>
-              <a:rPr lang="ko-KR" altLang="en-US"/>
-              <a:t>다섯 번째 수준</a:t>
+              <a:rPr lang="ko-KR" altLang="en-US" smtClean="0"/>
+              <a:t>다섯째 수준</a:t>
             </a:r>
             <a:endParaRPr lang="en-US" dirty="0"/>
           </a:p>
@@ -1241,7 +1252,7 @@
           <a:p>
             <a:fld id="{C55B58C6-6CBA-A54D-AA55-A3B23B286DE4}" type="datetimeFigureOut">
               <a:rPr kumimoji="1" lang="ko-KR" altLang="en-US" smtClean="0"/>
-              <a:t>2023. 4. 8.</a:t>
+              <a:t>2023-04-10</a:t>
             </a:fld>
             <a:endParaRPr kumimoji="1" lang="ko-KR" altLang="en-US" dirty="0"/>
           </a:p>
@@ -1292,7 +1303,7 @@
     </p:spTree>
     <p:extLst>
       <p:ext uri="{BB962C8B-B14F-4D97-AF65-F5344CB8AC3E}">
-        <p14:creationId xmlns:p14="http://schemas.microsoft.com/office/powerpoint/2010/main" val="3395393822"/>
+        <p14:creationId xmlns:p14="http://schemas.microsoft.com/office/powerpoint/2010/main" val="4292000009"/>
       </p:ext>
     </p:extLst>
   </p:cSld>
@@ -1331,8 +1342,8 @@
         </p:nvSpPr>
         <p:spPr>
           <a:xfrm>
-            <a:off x="472381" y="527405"/>
-            <a:ext cx="5915025" cy="1914702"/>
+            <a:off x="354285" y="486836"/>
+            <a:ext cx="4436269" cy="1767417"/>
           </a:xfrm>
         </p:spPr>
         <p:txBody>
@@ -1340,7 +1351,7 @@
           <a:lstStyle/>
           <a:p>
             <a:r>
-              <a:rPr lang="ko-KR" altLang="en-US"/>
+              <a:rPr lang="ko-KR" altLang="en-US" smtClean="0"/>
               <a:t>마스터 제목 스타일 편집</a:t>
             </a:r>
             <a:endParaRPr lang="en-US" dirty="0"/>
@@ -1359,8 +1370,8 @@
         </p:nvSpPr>
         <p:spPr>
           <a:xfrm>
-            <a:off x="472381" y="2428347"/>
-            <a:ext cx="2901255" cy="1190095"/>
+            <a:off x="354286" y="2241551"/>
+            <a:ext cx="2175941" cy="1098549"/>
           </a:xfrm>
         </p:spPr>
         <p:txBody>
@@ -1368,46 +1379,46 @@
           <a:lstStyle>
             <a:lvl1pPr marL="0" indent="0">
               <a:buNone/>
-              <a:defRPr sz="1800" b="1"/>
+              <a:defRPr sz="1350" b="1"/>
             </a:lvl1pPr>
-            <a:lvl2pPr marL="342900" indent="0">
+            <a:lvl2pPr marL="257175" indent="0">
               <a:buNone/>
-              <a:defRPr sz="1500" b="1"/>
+              <a:defRPr sz="1125" b="1"/>
             </a:lvl2pPr>
-            <a:lvl3pPr marL="685800" indent="0">
+            <a:lvl3pPr marL="514350" indent="0">
               <a:buNone/>
-              <a:defRPr sz="1350" b="1"/>
+              <a:defRPr sz="1013" b="1"/>
             </a:lvl3pPr>
-            <a:lvl4pPr marL="1028700" indent="0">
+            <a:lvl4pPr marL="771525" indent="0">
               <a:buNone/>
-              <a:defRPr sz="1200" b="1"/>
+              <a:defRPr sz="900" b="1"/>
             </a:lvl4pPr>
-            <a:lvl5pPr marL="1371600" indent="0">
+            <a:lvl5pPr marL="1028700" indent="0">
               <a:buNone/>
-              <a:defRPr sz="1200" b="1"/>
+              <a:defRPr sz="900" b="1"/>
             </a:lvl5pPr>
-            <a:lvl6pPr marL="1714500" indent="0">
+            <a:lvl6pPr marL="1285875" indent="0">
               <a:buNone/>
-              <a:defRPr sz="1200" b="1"/>
+              <a:defRPr sz="900" b="1"/>
             </a:lvl6pPr>
-            <a:lvl7pPr marL="2057400" indent="0">
+            <a:lvl7pPr marL="1543050" indent="0">
               <a:buNone/>
-              <a:defRPr sz="1200" b="1"/>
+              <a:defRPr sz="900" b="1"/>
             </a:lvl7pPr>
-            <a:lvl8pPr marL="2400300" indent="0">
+            <a:lvl8pPr marL="1800225" indent="0">
               <a:buNone/>
-              <a:defRPr sz="1200" b="1"/>
+              <a:defRPr sz="900" b="1"/>
             </a:lvl8pPr>
-            <a:lvl9pPr marL="2743200" indent="0">
+            <a:lvl9pPr marL="2057400" indent="0">
               <a:buNone/>
-              <a:defRPr sz="1200" b="1"/>
+              <a:defRPr sz="900" b="1"/>
             </a:lvl9pPr>
           </a:lstStyle>
           <a:p>
             <a:pPr lvl="0"/>
             <a:r>
-              <a:rPr lang="ko-KR" altLang="en-US"/>
-              <a:t>마스터 텍스트 스타일을 편집하려면 클릭</a:t>
+              <a:rPr lang="ko-KR" altLang="en-US" smtClean="0"/>
+              <a:t>마스터 텍스트 스타일 편집</a:t>
             </a:r>
           </a:p>
         </p:txBody>
@@ -1424,8 +1435,8 @@
         </p:nvSpPr>
         <p:spPr>
           <a:xfrm>
-            <a:off x="472381" y="3618442"/>
-            <a:ext cx="2901255" cy="5322183"/>
+            <a:off x="354286" y="3340100"/>
+            <a:ext cx="2175941" cy="4912784"/>
           </a:xfrm>
         </p:spPr>
         <p:txBody>
@@ -1434,36 +1445,36 @@
           <a:p>
             <a:pPr lvl="0"/>
             <a:r>
-              <a:rPr lang="ko-KR" altLang="en-US"/>
-              <a:t>마스터 텍스트 스타일을 편집하려면 클릭</a:t>
+              <a:rPr lang="ko-KR" altLang="en-US" smtClean="0"/>
+              <a:t>마스터 텍스트 스타일 편집</a:t>
             </a:r>
           </a:p>
           <a:p>
             <a:pPr lvl="1"/>
             <a:r>
-              <a:rPr lang="ko-KR" altLang="en-US"/>
-              <a:t>두 번째 수준</a:t>
+              <a:rPr lang="ko-KR" altLang="en-US" smtClean="0"/>
+              <a:t>둘째 수준</a:t>
             </a:r>
           </a:p>
           <a:p>
             <a:pPr lvl="2"/>
             <a:r>
-              <a:rPr lang="ko-KR" altLang="en-US"/>
-              <a:t>세 번째 수준</a:t>
+              <a:rPr lang="ko-KR" altLang="en-US" smtClean="0"/>
+              <a:t>셋째 수준</a:t>
             </a:r>
           </a:p>
           <a:p>
             <a:pPr lvl="3"/>
             <a:r>
-              <a:rPr lang="ko-KR" altLang="en-US"/>
-              <a:t>네 번째 수준</a:t>
+              <a:rPr lang="ko-KR" altLang="en-US" smtClean="0"/>
+              <a:t>넷째 수준</a:t>
             </a:r>
           </a:p>
           <a:p>
             <a:pPr lvl="4"/>
             <a:r>
-              <a:rPr lang="ko-KR" altLang="en-US"/>
-              <a:t>다섯 번째 수준</a:t>
+              <a:rPr lang="ko-KR" altLang="en-US" smtClean="0"/>
+              <a:t>다섯째 수준</a:t>
             </a:r>
             <a:endParaRPr lang="en-US" dirty="0"/>
           </a:p>
@@ -1481,8 +1492,8 @@
         </p:nvSpPr>
         <p:spPr>
           <a:xfrm>
-            <a:off x="3471863" y="2428347"/>
-            <a:ext cx="2915543" cy="1190095"/>
+            <a:off x="2603897" y="2241551"/>
+            <a:ext cx="2186657" cy="1098549"/>
           </a:xfrm>
         </p:spPr>
         <p:txBody>
@@ -1490,46 +1501,46 @@
           <a:lstStyle>
             <a:lvl1pPr marL="0" indent="0">
               <a:buNone/>
-              <a:defRPr sz="1800" b="1"/>
+              <a:defRPr sz="1350" b="1"/>
             </a:lvl1pPr>
-            <a:lvl2pPr marL="342900" indent="0">
+            <a:lvl2pPr marL="257175" indent="0">
               <a:buNone/>
-              <a:defRPr sz="1500" b="1"/>
+              <a:defRPr sz="1125" b="1"/>
             </a:lvl2pPr>
-            <a:lvl3pPr marL="685800" indent="0">
+            <a:lvl3pPr marL="514350" indent="0">
               <a:buNone/>
-              <a:defRPr sz="1350" b="1"/>
+              <a:defRPr sz="1013" b="1"/>
             </a:lvl3pPr>
-            <a:lvl4pPr marL="1028700" indent="0">
+            <a:lvl4pPr marL="771525" indent="0">
               <a:buNone/>
-              <a:defRPr sz="1200" b="1"/>
+              <a:defRPr sz="900" b="1"/>
             </a:lvl4pPr>
-            <a:lvl5pPr marL="1371600" indent="0">
+            <a:lvl5pPr marL="1028700" indent="0">
               <a:buNone/>
-              <a:defRPr sz="1200" b="1"/>
+              <a:defRPr sz="900" b="1"/>
             </a:lvl5pPr>
-            <a:lvl6pPr marL="1714500" indent="0">
+            <a:lvl6pPr marL="1285875" indent="0">
               <a:buNone/>
-              <a:defRPr sz="1200" b="1"/>
+              <a:defRPr sz="900" b="1"/>
             </a:lvl6pPr>
-            <a:lvl7pPr marL="2057400" indent="0">
+            <a:lvl7pPr marL="1543050" indent="0">
               <a:buNone/>
-              <a:defRPr sz="1200" b="1"/>
+              <a:defRPr sz="900" b="1"/>
             </a:lvl7pPr>
-            <a:lvl8pPr marL="2400300" indent="0">
+            <a:lvl8pPr marL="1800225" indent="0">
               <a:buNone/>
-              <a:defRPr sz="1200" b="1"/>
+              <a:defRPr sz="900" b="1"/>
             </a:lvl8pPr>
-            <a:lvl9pPr marL="2743200" indent="0">
+            <a:lvl9pPr marL="2057400" indent="0">
               <a:buNone/>
-              <a:defRPr sz="1200" b="1"/>
+              <a:defRPr sz="900" b="1"/>
             </a:lvl9pPr>
           </a:lstStyle>
           <a:p>
             <a:pPr lvl="0"/>
             <a:r>
-              <a:rPr lang="ko-KR" altLang="en-US"/>
-              <a:t>마스터 텍스트 스타일을 편집하려면 클릭</a:t>
+              <a:rPr lang="ko-KR" altLang="en-US" smtClean="0"/>
+              <a:t>마스터 텍스트 스타일 편집</a:t>
             </a:r>
           </a:p>
         </p:txBody>
@@ -1546,8 +1557,8 @@
         </p:nvSpPr>
         <p:spPr>
           <a:xfrm>
-            <a:off x="3471863" y="3618442"/>
-            <a:ext cx="2915543" cy="5322183"/>
+            <a:off x="2603897" y="3340100"/>
+            <a:ext cx="2186657" cy="4912784"/>
           </a:xfrm>
         </p:spPr>
         <p:txBody>
@@ -1556,36 +1567,36 @@
           <a:p>
             <a:pPr lvl="0"/>
             <a:r>
-              <a:rPr lang="ko-KR" altLang="en-US"/>
-              <a:t>마스터 텍스트 스타일을 편집하려면 클릭</a:t>
+              <a:rPr lang="ko-KR" altLang="en-US" smtClean="0"/>
+              <a:t>마스터 텍스트 스타일 편집</a:t>
             </a:r>
           </a:p>
           <a:p>
             <a:pPr lvl="1"/>
             <a:r>
-              <a:rPr lang="ko-KR" altLang="en-US"/>
-              <a:t>두 번째 수준</a:t>
+              <a:rPr lang="ko-KR" altLang="en-US" smtClean="0"/>
+              <a:t>둘째 수준</a:t>
             </a:r>
           </a:p>
           <a:p>
             <a:pPr lvl="2"/>
             <a:r>
-              <a:rPr lang="ko-KR" altLang="en-US"/>
-              <a:t>세 번째 수준</a:t>
+              <a:rPr lang="ko-KR" altLang="en-US" smtClean="0"/>
+              <a:t>셋째 수준</a:t>
             </a:r>
           </a:p>
           <a:p>
             <a:pPr lvl="3"/>
             <a:r>
-              <a:rPr lang="ko-KR" altLang="en-US"/>
-              <a:t>네 번째 수준</a:t>
+              <a:rPr lang="ko-KR" altLang="en-US" smtClean="0"/>
+              <a:t>넷째 수준</a:t>
             </a:r>
           </a:p>
           <a:p>
             <a:pPr lvl="4"/>
             <a:r>
-              <a:rPr lang="ko-KR" altLang="en-US"/>
-              <a:t>다섯 번째 수준</a:t>
+              <a:rPr lang="ko-KR" altLang="en-US" smtClean="0"/>
+              <a:t>다섯째 수준</a:t>
             </a:r>
             <a:endParaRPr lang="en-US" dirty="0"/>
           </a:p>
@@ -1608,7 +1619,7 @@
           <a:p>
             <a:fld id="{C55B58C6-6CBA-A54D-AA55-A3B23B286DE4}" type="datetimeFigureOut">
               <a:rPr kumimoji="1" lang="ko-KR" altLang="en-US" smtClean="0"/>
-              <a:t>2023. 4. 8.</a:t>
+              <a:t>2023-04-10</a:t>
             </a:fld>
             <a:endParaRPr kumimoji="1" lang="ko-KR" altLang="en-US" dirty="0"/>
           </a:p>
@@ -1659,7 +1670,7 @@
     </p:spTree>
     <p:extLst>
       <p:ext uri="{BB962C8B-B14F-4D97-AF65-F5344CB8AC3E}">
-        <p14:creationId xmlns:p14="http://schemas.microsoft.com/office/powerpoint/2010/main" val="1405015819"/>
+        <p14:creationId xmlns:p14="http://schemas.microsoft.com/office/powerpoint/2010/main" val="3332667608"/>
       </p:ext>
     </p:extLst>
   </p:cSld>
@@ -1702,7 +1713,7 @@
           <a:lstStyle/>
           <a:p>
             <a:r>
-              <a:rPr lang="ko-KR" altLang="en-US"/>
+              <a:rPr lang="ko-KR" altLang="en-US" smtClean="0"/>
               <a:t>마스터 제목 스타일 편집</a:t>
             </a:r>
             <a:endParaRPr lang="en-US" dirty="0"/>
@@ -1726,7 +1737,7 @@
           <a:p>
             <a:fld id="{C55B58C6-6CBA-A54D-AA55-A3B23B286DE4}" type="datetimeFigureOut">
               <a:rPr kumimoji="1" lang="ko-KR" altLang="en-US" smtClean="0"/>
-              <a:t>2023. 4. 8.</a:t>
+              <a:t>2023-04-10</a:t>
             </a:fld>
             <a:endParaRPr kumimoji="1" lang="ko-KR" altLang="en-US" dirty="0"/>
           </a:p>
@@ -1777,7 +1788,7 @@
     </p:spTree>
     <p:extLst>
       <p:ext uri="{BB962C8B-B14F-4D97-AF65-F5344CB8AC3E}">
-        <p14:creationId xmlns:p14="http://schemas.microsoft.com/office/powerpoint/2010/main" val="1082159718"/>
+        <p14:creationId xmlns:p14="http://schemas.microsoft.com/office/powerpoint/2010/main" val="3125311575"/>
       </p:ext>
     </p:extLst>
   </p:cSld>
@@ -1821,7 +1832,7 @@
           <a:p>
             <a:fld id="{C55B58C6-6CBA-A54D-AA55-A3B23B286DE4}" type="datetimeFigureOut">
               <a:rPr kumimoji="1" lang="ko-KR" altLang="en-US" smtClean="0"/>
-              <a:t>2023. 4. 8.</a:t>
+              <a:t>2023-04-10</a:t>
             </a:fld>
             <a:endParaRPr kumimoji="1" lang="ko-KR" altLang="en-US" dirty="0"/>
           </a:p>
@@ -1872,7 +1883,7 @@
     </p:spTree>
     <p:extLst>
       <p:ext uri="{BB962C8B-B14F-4D97-AF65-F5344CB8AC3E}">
-        <p14:creationId xmlns:p14="http://schemas.microsoft.com/office/powerpoint/2010/main" val="318891682"/>
+        <p14:creationId xmlns:p14="http://schemas.microsoft.com/office/powerpoint/2010/main" val="1876759512"/>
       </p:ext>
     </p:extLst>
   </p:cSld>
@@ -1911,20 +1922,20 @@
         </p:nvSpPr>
         <p:spPr>
           <a:xfrm>
-            <a:off x="472381" y="660400"/>
-            <a:ext cx="2211884" cy="2311400"/>
+            <a:off x="354285" y="609600"/>
+            <a:ext cx="1658913" cy="2133600"/>
           </a:xfrm>
         </p:spPr>
         <p:txBody>
           <a:bodyPr anchor="b"/>
           <a:lstStyle>
             <a:lvl1pPr>
-              <a:defRPr sz="2400"/>
+              <a:defRPr sz="1800"/>
             </a:lvl1pPr>
           </a:lstStyle>
           <a:p>
             <a:r>
-              <a:rPr lang="ko-KR" altLang="en-US"/>
+              <a:rPr lang="ko-KR" altLang="en-US" smtClean="0"/>
               <a:t>마스터 제목 스타일 편집</a:t>
             </a:r>
             <a:endParaRPr lang="en-US" dirty="0"/>
@@ -1943,74 +1954,74 @@
         </p:nvSpPr>
         <p:spPr>
           <a:xfrm>
-            <a:off x="2915543" y="1426283"/>
-            <a:ext cx="3471863" cy="7039681"/>
+            <a:off x="2186657" y="1316569"/>
+            <a:ext cx="2603897" cy="6498167"/>
           </a:xfrm>
         </p:spPr>
         <p:txBody>
           <a:bodyPr/>
           <a:lstStyle>
             <a:lvl1pPr>
-              <a:defRPr sz="2400"/>
+              <a:defRPr sz="1800"/>
             </a:lvl1pPr>
             <a:lvl2pPr>
-              <a:defRPr sz="2100"/>
+              <a:defRPr sz="1575"/>
             </a:lvl2pPr>
             <a:lvl3pPr>
-              <a:defRPr sz="1800"/>
+              <a:defRPr sz="1350"/>
             </a:lvl3pPr>
             <a:lvl4pPr>
-              <a:defRPr sz="1500"/>
+              <a:defRPr sz="1125"/>
             </a:lvl4pPr>
             <a:lvl5pPr>
-              <a:defRPr sz="1500"/>
+              <a:defRPr sz="1125"/>
             </a:lvl5pPr>
             <a:lvl6pPr>
-              <a:defRPr sz="1500"/>
+              <a:defRPr sz="1125"/>
             </a:lvl6pPr>
             <a:lvl7pPr>
-              <a:defRPr sz="1500"/>
+              <a:defRPr sz="1125"/>
             </a:lvl7pPr>
             <a:lvl8pPr>
-              <a:defRPr sz="1500"/>
+              <a:defRPr sz="1125"/>
             </a:lvl8pPr>
             <a:lvl9pPr>
-              <a:defRPr sz="1500"/>
+              <a:defRPr sz="1125"/>
             </a:lvl9pPr>
           </a:lstStyle>
           <a:p>
             <a:pPr lvl="0"/>
             <a:r>
-              <a:rPr lang="ko-KR" altLang="en-US"/>
-              <a:t>마스터 텍스트 스타일을 편집하려면 클릭</a:t>
+              <a:rPr lang="ko-KR" altLang="en-US" smtClean="0"/>
+              <a:t>마스터 텍스트 스타일 편집</a:t>
             </a:r>
           </a:p>
           <a:p>
             <a:pPr lvl="1"/>
             <a:r>
-              <a:rPr lang="ko-KR" altLang="en-US"/>
-              <a:t>두 번째 수준</a:t>
+              <a:rPr lang="ko-KR" altLang="en-US" smtClean="0"/>
+              <a:t>둘째 수준</a:t>
             </a:r>
           </a:p>
           <a:p>
             <a:pPr lvl="2"/>
             <a:r>
-              <a:rPr lang="ko-KR" altLang="en-US"/>
-              <a:t>세 번째 수준</a:t>
+              <a:rPr lang="ko-KR" altLang="en-US" smtClean="0"/>
+              <a:t>셋째 수준</a:t>
             </a:r>
           </a:p>
           <a:p>
             <a:pPr lvl="3"/>
             <a:r>
-              <a:rPr lang="ko-KR" altLang="en-US"/>
-              <a:t>네 번째 수준</a:t>
+              <a:rPr lang="ko-KR" altLang="en-US" smtClean="0"/>
+              <a:t>넷째 수준</a:t>
             </a:r>
           </a:p>
           <a:p>
             <a:pPr lvl="4"/>
             <a:r>
-              <a:rPr lang="ko-KR" altLang="en-US"/>
-              <a:t>다섯 번째 수준</a:t>
+              <a:rPr lang="ko-KR" altLang="en-US" smtClean="0"/>
+              <a:t>다섯째 수준</a:t>
             </a:r>
             <a:endParaRPr lang="en-US" dirty="0"/>
           </a:p>
@@ -2028,8 +2039,8 @@
         </p:nvSpPr>
         <p:spPr>
           <a:xfrm>
-            <a:off x="472381" y="2971800"/>
-            <a:ext cx="2211884" cy="5505627"/>
+            <a:off x="354285" y="2743200"/>
+            <a:ext cx="1658913" cy="5082117"/>
           </a:xfrm>
         </p:spPr>
         <p:txBody>
@@ -2037,46 +2048,46 @@
           <a:lstStyle>
             <a:lvl1pPr marL="0" indent="0">
               <a:buNone/>
-              <a:defRPr sz="1200"/>
+              <a:defRPr sz="900"/>
             </a:lvl1pPr>
-            <a:lvl2pPr marL="342900" indent="0">
+            <a:lvl2pPr marL="257175" indent="0">
               <a:buNone/>
-              <a:defRPr sz="1050"/>
+              <a:defRPr sz="788"/>
             </a:lvl2pPr>
-            <a:lvl3pPr marL="685800" indent="0">
+            <a:lvl3pPr marL="514350" indent="0">
               <a:buNone/>
-              <a:defRPr sz="900"/>
+              <a:defRPr sz="675"/>
             </a:lvl3pPr>
-            <a:lvl4pPr marL="1028700" indent="0">
+            <a:lvl4pPr marL="771525" indent="0">
               <a:buNone/>
-              <a:defRPr sz="750"/>
+              <a:defRPr sz="563"/>
             </a:lvl4pPr>
-            <a:lvl5pPr marL="1371600" indent="0">
+            <a:lvl5pPr marL="1028700" indent="0">
               <a:buNone/>
-              <a:defRPr sz="750"/>
+              <a:defRPr sz="563"/>
             </a:lvl5pPr>
-            <a:lvl6pPr marL="1714500" indent="0">
+            <a:lvl6pPr marL="1285875" indent="0">
               <a:buNone/>
-              <a:defRPr sz="750"/>
+              <a:defRPr sz="563"/>
             </a:lvl6pPr>
-            <a:lvl7pPr marL="2057400" indent="0">
+            <a:lvl7pPr marL="1543050" indent="0">
               <a:buNone/>
-              <a:defRPr sz="750"/>
+              <a:defRPr sz="563"/>
             </a:lvl7pPr>
-            <a:lvl8pPr marL="2400300" indent="0">
+            <a:lvl8pPr marL="1800225" indent="0">
               <a:buNone/>
-              <a:defRPr sz="750"/>
+              <a:defRPr sz="563"/>
             </a:lvl8pPr>
-            <a:lvl9pPr marL="2743200" indent="0">
+            <a:lvl9pPr marL="2057400" indent="0">
               <a:buNone/>
-              <a:defRPr sz="750"/>
+              <a:defRPr sz="563"/>
             </a:lvl9pPr>
           </a:lstStyle>
           <a:p>
             <a:pPr lvl="0"/>
             <a:r>
-              <a:rPr lang="ko-KR" altLang="en-US"/>
-              <a:t>마스터 텍스트 스타일을 편집하려면 클릭</a:t>
+              <a:rPr lang="ko-KR" altLang="en-US" smtClean="0"/>
+              <a:t>마스터 텍스트 스타일 편집</a:t>
             </a:r>
           </a:p>
         </p:txBody>
@@ -2098,7 +2109,7 @@
           <a:p>
             <a:fld id="{C55B58C6-6CBA-A54D-AA55-A3B23B286DE4}" type="datetimeFigureOut">
               <a:rPr kumimoji="1" lang="ko-KR" altLang="en-US" smtClean="0"/>
-              <a:t>2023. 4. 8.</a:t>
+              <a:t>2023-04-10</a:t>
             </a:fld>
             <a:endParaRPr kumimoji="1" lang="ko-KR" altLang="en-US" dirty="0"/>
           </a:p>
@@ -2149,7 +2160,7 @@
     </p:spTree>
     <p:extLst>
       <p:ext uri="{BB962C8B-B14F-4D97-AF65-F5344CB8AC3E}">
-        <p14:creationId xmlns:p14="http://schemas.microsoft.com/office/powerpoint/2010/main" val="2187380502"/>
+        <p14:creationId xmlns:p14="http://schemas.microsoft.com/office/powerpoint/2010/main" val="1057544644"/>
       </p:ext>
     </p:extLst>
   </p:cSld>
@@ -2188,20 +2199,20 @@
         </p:nvSpPr>
         <p:spPr>
           <a:xfrm>
-            <a:off x="472381" y="660400"/>
-            <a:ext cx="2211884" cy="2311400"/>
+            <a:off x="354285" y="609600"/>
+            <a:ext cx="1658913" cy="2133600"/>
           </a:xfrm>
         </p:spPr>
         <p:txBody>
           <a:bodyPr anchor="b"/>
           <a:lstStyle>
             <a:lvl1pPr>
-              <a:defRPr sz="2400"/>
+              <a:defRPr sz="1800"/>
             </a:lvl1pPr>
           </a:lstStyle>
           <a:p>
             <a:r>
-              <a:rPr lang="ko-KR" altLang="en-US"/>
+              <a:rPr lang="ko-KR" altLang="en-US" smtClean="0"/>
               <a:t>마스터 제목 스타일 편집</a:t>
             </a:r>
             <a:endParaRPr lang="en-US" dirty="0"/>
@@ -2220,8 +2231,8 @@
         </p:nvSpPr>
         <p:spPr>
           <a:xfrm>
-            <a:off x="2915543" y="1426283"/>
-            <a:ext cx="3471863" cy="7039681"/>
+            <a:off x="2186657" y="1316569"/>
+            <a:ext cx="2603897" cy="6498167"/>
           </a:xfrm>
         </p:spPr>
         <p:txBody>
@@ -2229,44 +2240,44 @@
           <a:lstStyle>
             <a:lvl1pPr marL="0" indent="0">
               <a:buNone/>
-              <a:defRPr sz="2400"/>
+              <a:defRPr sz="1800"/>
             </a:lvl1pPr>
-            <a:lvl2pPr marL="342900" indent="0">
+            <a:lvl2pPr marL="257175" indent="0">
               <a:buNone/>
-              <a:defRPr sz="2100"/>
+              <a:defRPr sz="1575"/>
             </a:lvl2pPr>
-            <a:lvl3pPr marL="685800" indent="0">
+            <a:lvl3pPr marL="514350" indent="0">
               <a:buNone/>
-              <a:defRPr sz="1800"/>
+              <a:defRPr sz="1350"/>
             </a:lvl3pPr>
-            <a:lvl4pPr marL="1028700" indent="0">
+            <a:lvl4pPr marL="771525" indent="0">
               <a:buNone/>
-              <a:defRPr sz="1500"/>
+              <a:defRPr sz="1125"/>
             </a:lvl4pPr>
-            <a:lvl5pPr marL="1371600" indent="0">
+            <a:lvl5pPr marL="1028700" indent="0">
               <a:buNone/>
-              <a:defRPr sz="1500"/>
+              <a:defRPr sz="1125"/>
             </a:lvl5pPr>
-            <a:lvl6pPr marL="1714500" indent="0">
+            <a:lvl6pPr marL="1285875" indent="0">
               <a:buNone/>
-              <a:defRPr sz="1500"/>
+              <a:defRPr sz="1125"/>
             </a:lvl6pPr>
-            <a:lvl7pPr marL="2057400" indent="0">
+            <a:lvl7pPr marL="1543050" indent="0">
               <a:buNone/>
-              <a:defRPr sz="1500"/>
+              <a:defRPr sz="1125"/>
             </a:lvl7pPr>
-            <a:lvl8pPr marL="2400300" indent="0">
+            <a:lvl8pPr marL="1800225" indent="0">
               <a:buNone/>
-              <a:defRPr sz="1500"/>
+              <a:defRPr sz="1125"/>
             </a:lvl8pPr>
-            <a:lvl9pPr marL="2743200" indent="0">
+            <a:lvl9pPr marL="2057400" indent="0">
               <a:buNone/>
-              <a:defRPr sz="1500"/>
+              <a:defRPr sz="1125"/>
             </a:lvl9pPr>
           </a:lstStyle>
           <a:p>
             <a:r>
-              <a:rPr lang="ko-KR" altLang="en-US" dirty="0"/>
+              <a:rPr lang="ko-KR" altLang="en-US" smtClean="0"/>
               <a:t>그림을 추가하려면 아이콘을 클릭하십시오</a:t>
             </a:r>
             <a:endParaRPr lang="en-US" dirty="0"/>
@@ -2285,8 +2296,8 @@
         </p:nvSpPr>
         <p:spPr>
           <a:xfrm>
-            <a:off x="472381" y="2971800"/>
-            <a:ext cx="2211884" cy="5505627"/>
+            <a:off x="354285" y="2743200"/>
+            <a:ext cx="1658913" cy="5082117"/>
           </a:xfrm>
         </p:spPr>
         <p:txBody>
@@ -2294,46 +2305,46 @@
           <a:lstStyle>
             <a:lvl1pPr marL="0" indent="0">
               <a:buNone/>
-              <a:defRPr sz="1200"/>
+              <a:defRPr sz="900"/>
             </a:lvl1pPr>
-            <a:lvl2pPr marL="342900" indent="0">
+            <a:lvl2pPr marL="257175" indent="0">
               <a:buNone/>
-              <a:defRPr sz="1050"/>
+              <a:defRPr sz="788"/>
             </a:lvl2pPr>
-            <a:lvl3pPr marL="685800" indent="0">
+            <a:lvl3pPr marL="514350" indent="0">
               <a:buNone/>
-              <a:defRPr sz="900"/>
+              <a:defRPr sz="675"/>
             </a:lvl3pPr>
-            <a:lvl4pPr marL="1028700" indent="0">
+            <a:lvl4pPr marL="771525" indent="0">
               <a:buNone/>
-              <a:defRPr sz="750"/>
+              <a:defRPr sz="563"/>
             </a:lvl4pPr>
-            <a:lvl5pPr marL="1371600" indent="0">
+            <a:lvl5pPr marL="1028700" indent="0">
               <a:buNone/>
-              <a:defRPr sz="750"/>
+              <a:defRPr sz="563"/>
             </a:lvl5pPr>
-            <a:lvl6pPr marL="1714500" indent="0">
+            <a:lvl6pPr marL="1285875" indent="0">
               <a:buNone/>
-              <a:defRPr sz="750"/>
+              <a:defRPr sz="563"/>
             </a:lvl6pPr>
-            <a:lvl7pPr marL="2057400" indent="0">
+            <a:lvl7pPr marL="1543050" indent="0">
               <a:buNone/>
-              <a:defRPr sz="750"/>
+              <a:defRPr sz="563"/>
             </a:lvl7pPr>
-            <a:lvl8pPr marL="2400300" indent="0">
+            <a:lvl8pPr marL="1800225" indent="0">
               <a:buNone/>
-              <a:defRPr sz="750"/>
+              <a:defRPr sz="563"/>
             </a:lvl8pPr>
-            <a:lvl9pPr marL="2743200" indent="0">
+            <a:lvl9pPr marL="2057400" indent="0">
               <a:buNone/>
-              <a:defRPr sz="750"/>
+              <a:defRPr sz="563"/>
             </a:lvl9pPr>
           </a:lstStyle>
           <a:p>
             <a:pPr lvl="0"/>
             <a:r>
-              <a:rPr lang="ko-KR" altLang="en-US"/>
-              <a:t>마스터 텍스트 스타일을 편집하려면 클릭</a:t>
+              <a:rPr lang="ko-KR" altLang="en-US" smtClean="0"/>
+              <a:t>마스터 텍스트 스타일 편집</a:t>
             </a:r>
           </a:p>
         </p:txBody>
@@ -2355,7 +2366,7 @@
           <a:p>
             <a:fld id="{C55B58C6-6CBA-A54D-AA55-A3B23B286DE4}" type="datetimeFigureOut">
               <a:rPr kumimoji="1" lang="ko-KR" altLang="en-US" smtClean="0"/>
-              <a:t>2023. 4. 8.</a:t>
+              <a:t>2023-04-10</a:t>
             </a:fld>
             <a:endParaRPr kumimoji="1" lang="ko-KR" altLang="en-US" dirty="0"/>
           </a:p>
@@ -2406,7 +2417,7 @@
     </p:spTree>
     <p:extLst>
       <p:ext uri="{BB962C8B-B14F-4D97-AF65-F5344CB8AC3E}">
-        <p14:creationId xmlns:p14="http://schemas.microsoft.com/office/powerpoint/2010/main" val="2882724118"/>
+        <p14:creationId xmlns:p14="http://schemas.microsoft.com/office/powerpoint/2010/main" val="1317371798"/>
       </p:ext>
     </p:extLst>
   </p:cSld>
@@ -2450,8 +2461,8 @@
         </p:nvSpPr>
         <p:spPr>
           <a:xfrm>
-            <a:off x="471488" y="527405"/>
-            <a:ext cx="5915025" cy="1914702"/>
+            <a:off x="353616" y="486836"/>
+            <a:ext cx="4436269" cy="1767417"/>
           </a:xfrm>
           <a:prstGeom prst="rect">
             <a:avLst/>
@@ -2464,7 +2475,7 @@
           <a:lstStyle/>
           <a:p>
             <a:r>
-              <a:rPr lang="ko-KR" altLang="en-US"/>
+              <a:rPr lang="ko-KR" altLang="en-US" smtClean="0"/>
               <a:t>마스터 제목 스타일 편집</a:t>
             </a:r>
             <a:endParaRPr lang="en-US" dirty="0"/>
@@ -2483,8 +2494,8 @@
         </p:nvSpPr>
         <p:spPr>
           <a:xfrm>
-            <a:off x="471488" y="2637014"/>
-            <a:ext cx="5915025" cy="6285266"/>
+            <a:off x="353616" y="2434167"/>
+            <a:ext cx="4436269" cy="5801784"/>
           </a:xfrm>
           <a:prstGeom prst="rect">
             <a:avLst/>
@@ -2498,36 +2509,36 @@
           <a:p>
             <a:pPr lvl="0"/>
             <a:r>
-              <a:rPr lang="ko-KR" altLang="en-US"/>
-              <a:t>마스터 텍스트 스타일을 편집하려면 클릭</a:t>
+              <a:rPr lang="ko-KR" altLang="en-US" smtClean="0"/>
+              <a:t>마스터 텍스트 스타일 편집</a:t>
             </a:r>
           </a:p>
           <a:p>
             <a:pPr lvl="1"/>
             <a:r>
-              <a:rPr lang="ko-KR" altLang="en-US"/>
-              <a:t>두 번째 수준</a:t>
+              <a:rPr lang="ko-KR" altLang="en-US" smtClean="0"/>
+              <a:t>둘째 수준</a:t>
             </a:r>
           </a:p>
           <a:p>
             <a:pPr lvl="2"/>
             <a:r>
-              <a:rPr lang="ko-KR" altLang="en-US"/>
-              <a:t>세 번째 수준</a:t>
+              <a:rPr lang="ko-KR" altLang="en-US" smtClean="0"/>
+              <a:t>셋째 수준</a:t>
             </a:r>
           </a:p>
           <a:p>
             <a:pPr lvl="3"/>
             <a:r>
-              <a:rPr lang="ko-KR" altLang="en-US"/>
-              <a:t>네 번째 수준</a:t>
+              <a:rPr lang="ko-KR" altLang="en-US" smtClean="0"/>
+              <a:t>넷째 수준</a:t>
             </a:r>
           </a:p>
           <a:p>
             <a:pPr lvl="4"/>
             <a:r>
-              <a:rPr lang="ko-KR" altLang="en-US"/>
-              <a:t>다섯 번째 수준</a:t>
+              <a:rPr lang="ko-KR" altLang="en-US" smtClean="0"/>
+              <a:t>다섯째 수준</a:t>
             </a:r>
             <a:endParaRPr lang="en-US" dirty="0"/>
           </a:p>
@@ -2545,8 +2556,8 @@
         </p:nvSpPr>
         <p:spPr>
           <a:xfrm>
-            <a:off x="471488" y="9181397"/>
-            <a:ext cx="1543050" cy="527403"/>
+            <a:off x="353615" y="8475136"/>
+            <a:ext cx="1157288" cy="486833"/>
           </a:xfrm>
           <a:prstGeom prst="rect">
             <a:avLst/>
@@ -2556,7 +2567,7 @@
           <a:bodyPr vert="horz" lIns="91440" tIns="45720" rIns="91440" bIns="45720" rtlCol="0" anchor="ctr"/>
           <a:lstStyle>
             <a:lvl1pPr algn="l">
-              <a:defRPr sz="900">
+              <a:defRPr sz="675">
                 <a:solidFill>
                   <a:schemeClr val="tx1">
                     <a:tint val="75000"/>
@@ -2568,7 +2579,7 @@
           <a:p>
             <a:fld id="{C55B58C6-6CBA-A54D-AA55-A3B23B286DE4}" type="datetimeFigureOut">
               <a:rPr kumimoji="1" lang="ko-KR" altLang="en-US" smtClean="0"/>
-              <a:t>2023. 4. 8.</a:t>
+              <a:t>2023-04-10</a:t>
             </a:fld>
             <a:endParaRPr kumimoji="1" lang="ko-KR" altLang="en-US" dirty="0"/>
           </a:p>
@@ -2586,8 +2597,8 @@
         </p:nvSpPr>
         <p:spPr>
           <a:xfrm>
-            <a:off x="2271713" y="9181397"/>
-            <a:ext cx="2314575" cy="527403"/>
+            <a:off x="1703785" y="8475136"/>
+            <a:ext cx="1735931" cy="486833"/>
           </a:xfrm>
           <a:prstGeom prst="rect">
             <a:avLst/>
@@ -2597,7 +2608,7 @@
           <a:bodyPr vert="horz" lIns="91440" tIns="45720" rIns="91440" bIns="45720" rtlCol="0" anchor="ctr"/>
           <a:lstStyle>
             <a:lvl1pPr algn="ctr">
-              <a:defRPr sz="900">
+              <a:defRPr sz="675">
                 <a:solidFill>
                   <a:schemeClr val="tx1">
                     <a:tint val="75000"/>
@@ -2623,8 +2634,8 @@
         </p:nvSpPr>
         <p:spPr>
           <a:xfrm>
-            <a:off x="4843463" y="9181397"/>
-            <a:ext cx="1543050" cy="527403"/>
+            <a:off x="3632597" y="8475136"/>
+            <a:ext cx="1157288" cy="486833"/>
           </a:xfrm>
           <a:prstGeom prst="rect">
             <a:avLst/>
@@ -2634,7 +2645,7 @@
           <a:bodyPr vert="horz" lIns="91440" tIns="45720" rIns="91440" bIns="45720" rtlCol="0" anchor="ctr"/>
           <a:lstStyle>
             <a:lvl1pPr algn="r">
-              <a:defRPr sz="900">
+              <a:defRPr sz="675">
                 <a:solidFill>
                   <a:schemeClr val="tx1">
                     <a:tint val="75000"/>
@@ -2655,27 +2666,27 @@
     </p:spTree>
     <p:extLst>
       <p:ext uri="{BB962C8B-B14F-4D97-AF65-F5344CB8AC3E}">
-        <p14:creationId xmlns:p14="http://schemas.microsoft.com/office/powerpoint/2010/main" val="1288293553"/>
+        <p14:creationId xmlns:p14="http://schemas.microsoft.com/office/powerpoint/2010/main" val="2272301610"/>
       </p:ext>
     </p:extLst>
   </p:cSld>
   <p:clrMap bg1="lt1" tx1="dk1" bg2="lt2" tx2="dk2" accent1="accent1" accent2="accent2" accent3="accent3" accent4="accent4" accent5="accent5" accent6="accent6" hlink="hlink" folHlink="folHlink"/>
   <p:sldLayoutIdLst>
-    <p:sldLayoutId id="2147483661" r:id="rId1"/>
-    <p:sldLayoutId id="2147483662" r:id="rId2"/>
-    <p:sldLayoutId id="2147483663" r:id="rId3"/>
-    <p:sldLayoutId id="2147483664" r:id="rId4"/>
-    <p:sldLayoutId id="2147483665" r:id="rId5"/>
-    <p:sldLayoutId id="2147483666" r:id="rId6"/>
-    <p:sldLayoutId id="2147483667" r:id="rId7"/>
-    <p:sldLayoutId id="2147483668" r:id="rId8"/>
-    <p:sldLayoutId id="2147483669" r:id="rId9"/>
-    <p:sldLayoutId id="2147483670" r:id="rId10"/>
-    <p:sldLayoutId id="2147483671" r:id="rId11"/>
+    <p:sldLayoutId id="2147483673" r:id="rId1"/>
+    <p:sldLayoutId id="2147483674" r:id="rId2"/>
+    <p:sldLayoutId id="2147483675" r:id="rId3"/>
+    <p:sldLayoutId id="2147483676" r:id="rId4"/>
+    <p:sldLayoutId id="2147483677" r:id="rId5"/>
+    <p:sldLayoutId id="2147483678" r:id="rId6"/>
+    <p:sldLayoutId id="2147483679" r:id="rId7"/>
+    <p:sldLayoutId id="2147483680" r:id="rId8"/>
+    <p:sldLayoutId id="2147483681" r:id="rId9"/>
+    <p:sldLayoutId id="2147483682" r:id="rId10"/>
+    <p:sldLayoutId id="2147483683" r:id="rId11"/>
   </p:sldLayoutIdLst>
   <p:txStyles>
     <p:titleStyle>
-      <a:lvl1pPr algn="l" defTabSz="685800" rtl="0" eaLnBrk="1" latinLnBrk="1" hangingPunct="1">
+      <a:lvl1pPr algn="l" defTabSz="514350" rtl="0" eaLnBrk="1" latinLnBrk="1" hangingPunct="1">
         <a:lnSpc>
           <a:spcPct val="90000"/>
         </a:lnSpc>
@@ -2683,7 +2694,7 @@
           <a:spcPct val="0"/>
         </a:spcBef>
         <a:buNone/>
-        <a:defRPr sz="3300" kern="1200">
+        <a:defRPr sz="2475" kern="1200">
           <a:solidFill>
             <a:schemeClr val="tx1"/>
           </a:solidFill>
@@ -2694,16 +2705,16 @@
       </a:lvl1pPr>
     </p:titleStyle>
     <p:bodyStyle>
-      <a:lvl1pPr marL="171450" indent="-171450" algn="l" defTabSz="685800" rtl="0" eaLnBrk="1" latinLnBrk="1" hangingPunct="1">
+      <a:lvl1pPr marL="128588" indent="-128588" algn="l" defTabSz="514350" rtl="0" eaLnBrk="1" latinLnBrk="1" hangingPunct="1">
         <a:lnSpc>
           <a:spcPct val="90000"/>
         </a:lnSpc>
         <a:spcBef>
-          <a:spcPts val="750"/>
+          <a:spcPts val="563"/>
         </a:spcBef>
         <a:buFont typeface="Arial" panose="020B0604020202020204" pitchFamily="34" charset="0"/>
         <a:buChar char="•"/>
-        <a:defRPr sz="2100" kern="1200">
+        <a:defRPr sz="1575" kern="1200">
           <a:solidFill>
             <a:schemeClr val="tx1"/>
           </a:solidFill>
@@ -2712,48 +2723,12 @@
           <a:cs typeface="+mn-cs"/>
         </a:defRPr>
       </a:lvl1pPr>
-      <a:lvl2pPr marL="514350" indent="-171450" algn="l" defTabSz="685800" rtl="0" eaLnBrk="1" latinLnBrk="1" hangingPunct="1">
+      <a:lvl2pPr marL="385763" indent="-128588" algn="l" defTabSz="514350" rtl="0" eaLnBrk="1" latinLnBrk="1" hangingPunct="1">
         <a:lnSpc>
           <a:spcPct val="90000"/>
         </a:lnSpc>
         <a:spcBef>
-          <a:spcPts val="375"/>
-        </a:spcBef>
-        <a:buFont typeface="Arial" panose="020B0604020202020204" pitchFamily="34" charset="0"/>
-        <a:buChar char="•"/>
-        <a:defRPr sz="1800" kern="1200">
-          <a:solidFill>
-            <a:schemeClr val="tx1"/>
-          </a:solidFill>
-          <a:latin typeface="+mn-lt"/>
-          <a:ea typeface="+mn-ea"/>
-          <a:cs typeface="+mn-cs"/>
-        </a:defRPr>
-      </a:lvl2pPr>
-      <a:lvl3pPr marL="857250" indent="-171450" algn="l" defTabSz="685800" rtl="0" eaLnBrk="1" latinLnBrk="1" hangingPunct="1">
-        <a:lnSpc>
-          <a:spcPct val="90000"/>
-        </a:lnSpc>
-        <a:spcBef>
-          <a:spcPts val="375"/>
-        </a:spcBef>
-        <a:buFont typeface="Arial" panose="020B0604020202020204" pitchFamily="34" charset="0"/>
-        <a:buChar char="•"/>
-        <a:defRPr sz="1500" kern="1200">
-          <a:solidFill>
-            <a:schemeClr val="tx1"/>
-          </a:solidFill>
-          <a:latin typeface="+mn-lt"/>
-          <a:ea typeface="+mn-ea"/>
-          <a:cs typeface="+mn-cs"/>
-        </a:defRPr>
-      </a:lvl3pPr>
-      <a:lvl4pPr marL="1200150" indent="-171450" algn="l" defTabSz="685800" rtl="0" eaLnBrk="1" latinLnBrk="1" hangingPunct="1">
-        <a:lnSpc>
-          <a:spcPct val="90000"/>
-        </a:lnSpc>
-        <a:spcBef>
-          <a:spcPts val="375"/>
+          <a:spcPts val="281"/>
         </a:spcBef>
         <a:buFont typeface="Arial" panose="020B0604020202020204" pitchFamily="34" charset="0"/>
         <a:buChar char="•"/>
@@ -2765,17 +2740,53 @@
           <a:ea typeface="+mn-ea"/>
           <a:cs typeface="+mn-cs"/>
         </a:defRPr>
-      </a:lvl4pPr>
-      <a:lvl5pPr marL="1543050" indent="-171450" algn="l" defTabSz="685800" rtl="0" eaLnBrk="1" latinLnBrk="1" hangingPunct="1">
+      </a:lvl2pPr>
+      <a:lvl3pPr marL="642938" indent="-128588" algn="l" defTabSz="514350" rtl="0" eaLnBrk="1" latinLnBrk="1" hangingPunct="1">
         <a:lnSpc>
           <a:spcPct val="90000"/>
         </a:lnSpc>
         <a:spcBef>
-          <a:spcPts val="375"/>
+          <a:spcPts val="281"/>
         </a:spcBef>
         <a:buFont typeface="Arial" panose="020B0604020202020204" pitchFamily="34" charset="0"/>
         <a:buChar char="•"/>
-        <a:defRPr sz="1350" kern="1200">
+        <a:defRPr sz="1125" kern="1200">
+          <a:solidFill>
+            <a:schemeClr val="tx1"/>
+          </a:solidFill>
+          <a:latin typeface="+mn-lt"/>
+          <a:ea typeface="+mn-ea"/>
+          <a:cs typeface="+mn-cs"/>
+        </a:defRPr>
+      </a:lvl3pPr>
+      <a:lvl4pPr marL="900113" indent="-128588" algn="l" defTabSz="514350" rtl="0" eaLnBrk="1" latinLnBrk="1" hangingPunct="1">
+        <a:lnSpc>
+          <a:spcPct val="90000"/>
+        </a:lnSpc>
+        <a:spcBef>
+          <a:spcPts val="281"/>
+        </a:spcBef>
+        <a:buFont typeface="Arial" panose="020B0604020202020204" pitchFamily="34" charset="0"/>
+        <a:buChar char="•"/>
+        <a:defRPr sz="1013" kern="1200">
+          <a:solidFill>
+            <a:schemeClr val="tx1"/>
+          </a:solidFill>
+          <a:latin typeface="+mn-lt"/>
+          <a:ea typeface="+mn-ea"/>
+          <a:cs typeface="+mn-cs"/>
+        </a:defRPr>
+      </a:lvl4pPr>
+      <a:lvl5pPr marL="1157288" indent="-128588" algn="l" defTabSz="514350" rtl="0" eaLnBrk="1" latinLnBrk="1" hangingPunct="1">
+        <a:lnSpc>
+          <a:spcPct val="90000"/>
+        </a:lnSpc>
+        <a:spcBef>
+          <a:spcPts val="281"/>
+        </a:spcBef>
+        <a:buFont typeface="Arial" panose="020B0604020202020204" pitchFamily="34" charset="0"/>
+        <a:buChar char="•"/>
+        <a:defRPr sz="1013" kern="1200">
           <a:solidFill>
             <a:schemeClr val="tx1"/>
           </a:solidFill>
@@ -2784,16 +2795,16 @@
           <a:cs typeface="+mn-cs"/>
         </a:defRPr>
       </a:lvl5pPr>
-      <a:lvl6pPr marL="1885950" indent="-171450" algn="l" defTabSz="685800" rtl="0" eaLnBrk="1" latinLnBrk="1" hangingPunct="1">
+      <a:lvl6pPr marL="1414463" indent="-128588" algn="l" defTabSz="514350" rtl="0" eaLnBrk="1" latinLnBrk="1" hangingPunct="1">
         <a:lnSpc>
           <a:spcPct val="90000"/>
         </a:lnSpc>
         <a:spcBef>
-          <a:spcPts val="375"/>
+          <a:spcPts val="281"/>
         </a:spcBef>
         <a:buFont typeface="Arial" panose="020B0604020202020204" pitchFamily="34" charset="0"/>
         <a:buChar char="•"/>
-        <a:defRPr sz="1350" kern="1200">
+        <a:defRPr sz="1013" kern="1200">
           <a:solidFill>
             <a:schemeClr val="tx1"/>
           </a:solidFill>
@@ -2802,16 +2813,16 @@
           <a:cs typeface="+mn-cs"/>
         </a:defRPr>
       </a:lvl6pPr>
-      <a:lvl7pPr marL="2228850" indent="-171450" algn="l" defTabSz="685800" rtl="0" eaLnBrk="1" latinLnBrk="1" hangingPunct="1">
+      <a:lvl7pPr marL="1671638" indent="-128588" algn="l" defTabSz="514350" rtl="0" eaLnBrk="1" latinLnBrk="1" hangingPunct="1">
         <a:lnSpc>
           <a:spcPct val="90000"/>
         </a:lnSpc>
         <a:spcBef>
-          <a:spcPts val="375"/>
+          <a:spcPts val="281"/>
         </a:spcBef>
         <a:buFont typeface="Arial" panose="020B0604020202020204" pitchFamily="34" charset="0"/>
         <a:buChar char="•"/>
-        <a:defRPr sz="1350" kern="1200">
+        <a:defRPr sz="1013" kern="1200">
           <a:solidFill>
             <a:schemeClr val="tx1"/>
           </a:solidFill>
@@ -2820,16 +2831,16 @@
           <a:cs typeface="+mn-cs"/>
         </a:defRPr>
       </a:lvl7pPr>
-      <a:lvl8pPr marL="2571750" indent="-171450" algn="l" defTabSz="685800" rtl="0" eaLnBrk="1" latinLnBrk="1" hangingPunct="1">
+      <a:lvl8pPr marL="1928813" indent="-128588" algn="l" defTabSz="514350" rtl="0" eaLnBrk="1" latinLnBrk="1" hangingPunct="1">
         <a:lnSpc>
           <a:spcPct val="90000"/>
         </a:lnSpc>
         <a:spcBef>
-          <a:spcPts val="375"/>
+          <a:spcPts val="281"/>
         </a:spcBef>
         <a:buFont typeface="Arial" panose="020B0604020202020204" pitchFamily="34" charset="0"/>
         <a:buChar char="•"/>
-        <a:defRPr sz="1350" kern="1200">
+        <a:defRPr sz="1013" kern="1200">
           <a:solidFill>
             <a:schemeClr val="tx1"/>
           </a:solidFill>
@@ -2838,16 +2849,16 @@
           <a:cs typeface="+mn-cs"/>
         </a:defRPr>
       </a:lvl8pPr>
-      <a:lvl9pPr marL="2914650" indent="-171450" algn="l" defTabSz="685800" rtl="0" eaLnBrk="1" latinLnBrk="1" hangingPunct="1">
+      <a:lvl9pPr marL="2185988" indent="-128588" algn="l" defTabSz="514350" rtl="0" eaLnBrk="1" latinLnBrk="1" hangingPunct="1">
         <a:lnSpc>
           <a:spcPct val="90000"/>
         </a:lnSpc>
         <a:spcBef>
-          <a:spcPts val="375"/>
+          <a:spcPts val="281"/>
         </a:spcBef>
         <a:buFont typeface="Arial" panose="020B0604020202020204" pitchFamily="34" charset="0"/>
         <a:buChar char="•"/>
-        <a:defRPr sz="1350" kern="1200">
+        <a:defRPr sz="1013" kern="1200">
           <a:solidFill>
             <a:schemeClr val="tx1"/>
           </a:solidFill>
@@ -2861,8 +2872,8 @@
       <a:defPPr>
         <a:defRPr lang="en-US"/>
       </a:defPPr>
-      <a:lvl1pPr marL="0" algn="l" defTabSz="685800" rtl="0" eaLnBrk="1" latinLnBrk="1" hangingPunct="1">
-        <a:defRPr sz="1350" kern="1200">
+      <a:lvl1pPr marL="0" algn="l" defTabSz="514350" rtl="0" eaLnBrk="1" latinLnBrk="1" hangingPunct="1">
+        <a:defRPr sz="1013" kern="1200">
           <a:solidFill>
             <a:schemeClr val="tx1"/>
           </a:solidFill>
@@ -2871,8 +2882,8 @@
           <a:cs typeface="+mn-cs"/>
         </a:defRPr>
       </a:lvl1pPr>
-      <a:lvl2pPr marL="342900" algn="l" defTabSz="685800" rtl="0" eaLnBrk="1" latinLnBrk="1" hangingPunct="1">
-        <a:defRPr sz="1350" kern="1200">
+      <a:lvl2pPr marL="257175" algn="l" defTabSz="514350" rtl="0" eaLnBrk="1" latinLnBrk="1" hangingPunct="1">
+        <a:defRPr sz="1013" kern="1200">
           <a:solidFill>
             <a:schemeClr val="tx1"/>
           </a:solidFill>
@@ -2881,8 +2892,8 @@
           <a:cs typeface="+mn-cs"/>
         </a:defRPr>
       </a:lvl2pPr>
-      <a:lvl3pPr marL="685800" algn="l" defTabSz="685800" rtl="0" eaLnBrk="1" latinLnBrk="1" hangingPunct="1">
-        <a:defRPr sz="1350" kern="1200">
+      <a:lvl3pPr marL="514350" algn="l" defTabSz="514350" rtl="0" eaLnBrk="1" latinLnBrk="1" hangingPunct="1">
+        <a:defRPr sz="1013" kern="1200">
           <a:solidFill>
             <a:schemeClr val="tx1"/>
           </a:solidFill>
@@ -2891,8 +2902,8 @@
           <a:cs typeface="+mn-cs"/>
         </a:defRPr>
       </a:lvl3pPr>
-      <a:lvl4pPr marL="1028700" algn="l" defTabSz="685800" rtl="0" eaLnBrk="1" latinLnBrk="1" hangingPunct="1">
-        <a:defRPr sz="1350" kern="1200">
+      <a:lvl4pPr marL="771525" algn="l" defTabSz="514350" rtl="0" eaLnBrk="1" latinLnBrk="1" hangingPunct="1">
+        <a:defRPr sz="1013" kern="1200">
           <a:solidFill>
             <a:schemeClr val="tx1"/>
           </a:solidFill>
@@ -2901,8 +2912,8 @@
           <a:cs typeface="+mn-cs"/>
         </a:defRPr>
       </a:lvl4pPr>
-      <a:lvl5pPr marL="1371600" algn="l" defTabSz="685800" rtl="0" eaLnBrk="1" latinLnBrk="1" hangingPunct="1">
-        <a:defRPr sz="1350" kern="1200">
+      <a:lvl5pPr marL="1028700" algn="l" defTabSz="514350" rtl="0" eaLnBrk="1" latinLnBrk="1" hangingPunct="1">
+        <a:defRPr sz="1013" kern="1200">
           <a:solidFill>
             <a:schemeClr val="tx1"/>
           </a:solidFill>
@@ -2911,8 +2922,8 @@
           <a:cs typeface="+mn-cs"/>
         </a:defRPr>
       </a:lvl5pPr>
-      <a:lvl6pPr marL="1714500" algn="l" defTabSz="685800" rtl="0" eaLnBrk="1" latinLnBrk="1" hangingPunct="1">
-        <a:defRPr sz="1350" kern="1200">
+      <a:lvl6pPr marL="1285875" algn="l" defTabSz="514350" rtl="0" eaLnBrk="1" latinLnBrk="1" hangingPunct="1">
+        <a:defRPr sz="1013" kern="1200">
           <a:solidFill>
             <a:schemeClr val="tx1"/>
           </a:solidFill>
@@ -2921,8 +2932,8 @@
           <a:cs typeface="+mn-cs"/>
         </a:defRPr>
       </a:lvl6pPr>
-      <a:lvl7pPr marL="2057400" algn="l" defTabSz="685800" rtl="0" eaLnBrk="1" latinLnBrk="1" hangingPunct="1">
-        <a:defRPr sz="1350" kern="1200">
+      <a:lvl7pPr marL="1543050" algn="l" defTabSz="514350" rtl="0" eaLnBrk="1" latinLnBrk="1" hangingPunct="1">
+        <a:defRPr sz="1013" kern="1200">
           <a:solidFill>
             <a:schemeClr val="tx1"/>
           </a:solidFill>
@@ -2931,8 +2942,8 @@
           <a:cs typeface="+mn-cs"/>
         </a:defRPr>
       </a:lvl7pPr>
-      <a:lvl8pPr marL="2400300" algn="l" defTabSz="685800" rtl="0" eaLnBrk="1" latinLnBrk="1" hangingPunct="1">
-        <a:defRPr sz="1350" kern="1200">
+      <a:lvl8pPr marL="1800225" algn="l" defTabSz="514350" rtl="0" eaLnBrk="1" latinLnBrk="1" hangingPunct="1">
+        <a:defRPr sz="1013" kern="1200">
           <a:solidFill>
             <a:schemeClr val="tx1"/>
           </a:solidFill>
@@ -2941,8 +2952,8 @@
           <a:cs typeface="+mn-cs"/>
         </a:defRPr>
       </a:lvl8pPr>
-      <a:lvl9pPr marL="2743200" algn="l" defTabSz="685800" rtl="0" eaLnBrk="1" latinLnBrk="1" hangingPunct="1">
-        <a:defRPr sz="1350" kern="1200">
+      <a:lvl9pPr marL="2057400" algn="l" defTabSz="514350" rtl="0" eaLnBrk="1" latinLnBrk="1" hangingPunct="1">
+        <a:defRPr sz="1013" kern="1200">
           <a:solidFill>
             <a:schemeClr val="tx1"/>
           </a:solidFill>
@@ -2987,8 +2998,8 @@
         </p:nvSpPr>
         <p:spPr>
           <a:xfrm>
-            <a:off x="310922" y="756137"/>
-            <a:ext cx="6342737" cy="9334500"/>
+            <a:off x="233192" y="633047"/>
+            <a:ext cx="4757053" cy="8721968"/>
           </a:xfrm>
           <a:prstGeom prst="roundRect">
             <a:avLst>
@@ -3026,7 +3037,7 @@
           <a:lstStyle/>
           <a:p>
             <a:pPr algn="ctr"/>
-            <a:endParaRPr kumimoji="1" lang="ko-KR" altLang="en-US"/>
+            <a:endParaRPr kumimoji="1" lang="ko-KR" altLang="en-US" sz="1151"/>
           </a:p>
         </p:txBody>
       </p:sp>
@@ -3044,8 +3055,8 @@
         </p:nvSpPr>
         <p:spPr>
           <a:xfrm>
-            <a:off x="2195901" y="188231"/>
-            <a:ext cx="2466197" cy="461665"/>
+            <a:off x="1716312" y="183399"/>
+            <a:ext cx="1724369" cy="307777"/>
           </a:xfrm>
           <a:prstGeom prst="rect">
             <a:avLst/>
@@ -3059,81 +3070,28 @@
           <a:lstStyle/>
           <a:p>
             <a:r>
-              <a:rPr kumimoji="1" lang="ko-KR" altLang="en-US" sz="2400" dirty="0">
+              <a:rPr kumimoji="1" lang="ko-KR" altLang="en-US" sz="1400" dirty="0">
                 <a:solidFill>
-                  <a:schemeClr val="bg2">
-                    <a:lumMod val="25000"/>
+                  <a:schemeClr val="tx1">
+                    <a:lumMod val="75000"/>
+                    <a:lumOff val="25000"/>
                   </a:schemeClr>
                 </a:solidFill>
-                <a:latin typeface="BM JUA OTF" panose="02020603020101020101" pitchFamily="18" charset="-127"/>
-                <a:ea typeface="BM JUA OTF" panose="02020603020101020101" pitchFamily="18" charset="-127"/>
+                <a:latin typeface="나눔스퀘어 Bold" panose="020B0600000101010101" pitchFamily="50" charset="-127"/>
+                <a:ea typeface="나눔스퀘어 Bold" panose="020B0600000101010101" pitchFamily="50" charset="-127"/>
               </a:rPr>
               <a:t>인천광역시 미추홀구</a:t>
             </a:r>
-            <a:endParaRPr kumimoji="1" lang="en-US" altLang="ko-KR" sz="2400" dirty="0">
+            <a:endParaRPr kumimoji="1" lang="en-US" altLang="ko-KR" sz="1400" dirty="0">
               <a:solidFill>
-                <a:schemeClr val="bg2">
-                  <a:lumMod val="25000"/>
+                <a:schemeClr val="tx1">
+                  <a:lumMod val="75000"/>
+                  <a:lumOff val="25000"/>
                 </a:schemeClr>
               </a:solidFill>
-              <a:latin typeface="BM JUA OTF" panose="02020603020101020101" pitchFamily="18" charset="-127"/>
-              <a:ea typeface="BM JUA OTF" panose="02020603020101020101" pitchFamily="18" charset="-127"/>
+              <a:latin typeface="나눔스퀘어 Bold" panose="020B0600000101010101" pitchFamily="50" charset="-127"/>
+              <a:ea typeface="나눔스퀘어 Bold" panose="020B0600000101010101" pitchFamily="50" charset="-127"/>
             </a:endParaRPr>
-          </a:p>
-        </p:txBody>
-      </p:sp>
-      <p:sp>
-        <p:nvSpPr>
-          <p:cNvPr id="5" name="TextBox 4">
-            <a:extLst>
-              <a:ext uri="{FF2B5EF4-FFF2-40B4-BE49-F238E27FC236}">
-                <a16:creationId xmlns:a16="http://schemas.microsoft.com/office/drawing/2014/main" id="{824006A9-0B25-351A-AC05-5270533C366C}"/>
-              </a:ext>
-            </a:extLst>
-          </p:cNvPr>
-          <p:cNvSpPr txBox="1"/>
-          <p:nvPr/>
-        </p:nvSpPr>
-        <p:spPr>
-          <a:xfrm>
-            <a:off x="3064957" y="894581"/>
-            <a:ext cx="728084" cy="461665"/>
-          </a:xfrm>
-          <a:prstGeom prst="rect">
-            <a:avLst/>
-          </a:prstGeom>
-          <a:noFill/>
-        </p:spPr>
-        <p:txBody>
-          <a:bodyPr wrap="none" rtlCol="0">
-            <a:spAutoFit/>
-          </a:bodyPr>
-          <a:lstStyle/>
-          <a:p>
-            <a:r>
-              <a:rPr kumimoji="1" lang="en-US" altLang="ko-KR" sz="2400" dirty="0">
-                <a:solidFill>
-                  <a:schemeClr val="bg2">
-                    <a:lumMod val="25000"/>
-                  </a:schemeClr>
-                </a:solidFill>
-                <a:latin typeface="BM JUA OTF" panose="02020603020101020101" pitchFamily="18" charset="-127"/>
-                <a:ea typeface="BM JUA OTF" panose="02020603020101020101" pitchFamily="18" charset="-127"/>
-              </a:rPr>
-              <a:t>17</a:t>
-            </a:r>
-            <a:r>
-              <a:rPr kumimoji="1" lang="ko-KR" altLang="en-US" sz="2400" dirty="0">
-                <a:solidFill>
-                  <a:schemeClr val="bg2">
-                    <a:lumMod val="25000"/>
-                  </a:schemeClr>
-                </a:solidFill>
-                <a:latin typeface="BM JUA OTF" panose="02020603020101020101" pitchFamily="18" charset="-127"/>
-                <a:ea typeface="BM JUA OTF" panose="02020603020101020101" pitchFamily="18" charset="-127"/>
-              </a:rPr>
-              <a:t>시</a:t>
-            </a:r>
           </a:p>
         </p:txBody>
       </p:sp>
@@ -3151,16 +3109,15 @@
           </p:cNvPicPr>
           <p:nvPr/>
         </p:nvPicPr>
-        <p:blipFill>
+        <p:blipFill rotWithShape="1">
           <a:blip r:embed="rId2"/>
-          <a:stretch>
-            <a:fillRect/>
-          </a:stretch>
+          <a:srcRect l="11961" t="16176" r="16745" b="16443"/>
+          <a:stretch/>
         </p:blipFill>
         <p:spPr>
           <a:xfrm>
-            <a:off x="885800" y="1125414"/>
-            <a:ext cx="5086400" cy="10995599"/>
+            <a:off x="1211873" y="3587262"/>
+            <a:ext cx="2719754" cy="5556738"/>
           </a:xfrm>
           <a:prstGeom prst="rect">
             <a:avLst/>
@@ -3181,8 +3138,8 @@
         </p:nvSpPr>
         <p:spPr>
           <a:xfrm>
-            <a:off x="1157919" y="1498329"/>
-            <a:ext cx="4612967" cy="998687"/>
+            <a:off x="868440" y="2426471"/>
+            <a:ext cx="3459725" cy="749015"/>
           </a:xfrm>
           <a:prstGeom prst="wedgeRoundRectCallout">
             <a:avLst>
@@ -3197,6 +3154,13 @@
           <a:ln>
             <a:noFill/>
           </a:ln>
+          <a:effectLst>
+            <a:outerShdw blurRad="63500" sx="102000" sy="102000" algn="ctr" rotWithShape="0">
+              <a:prstClr val="black">
+                <a:alpha val="20000"/>
+              </a:prstClr>
+            </a:outerShdw>
+          </a:effectLst>
         </p:spPr>
         <p:style>
           <a:lnRef idx="2">
@@ -3220,28 +3184,28 @@
           <a:p>
             <a:pPr algn="ctr"/>
             <a:r>
-              <a:rPr kumimoji="1" lang="ko-KR" altLang="en-US" sz="2200" dirty="0">
+              <a:rPr kumimoji="1" lang="ko-KR" altLang="en-US" sz="1650" dirty="0">
                 <a:solidFill>
                   <a:schemeClr val="tx1">
                     <a:lumMod val="50000"/>
                     <a:lumOff val="50000"/>
                   </a:schemeClr>
                 </a:solidFill>
-                <a:latin typeface="BM JUA OTF" panose="02020603020101020101" pitchFamily="18" charset="-127"/>
-                <a:ea typeface="BM JUA OTF" panose="02020603020101020101" pitchFamily="18" charset="-127"/>
+                <a:latin typeface="나눔스퀘어 Bold" panose="020B0600000101010101" pitchFamily="50" charset="-127"/>
+                <a:ea typeface="나눔스퀘어 Bold" panose="020B0600000101010101" pitchFamily="50" charset="-127"/>
               </a:rPr>
               <a:t>비가 오고 미세먼지가 많아 </a:t>
             </a:r>
             <a:r>
-              <a:rPr kumimoji="1" lang="en-US" altLang="ko-KR" sz="2200" dirty="0">
+              <a:rPr kumimoji="1" lang="en-US" altLang="ko-KR" sz="1650" dirty="0">
                 <a:solidFill>
                   <a:schemeClr val="tx1">
                     <a:lumMod val="50000"/>
                     <a:lumOff val="50000"/>
                   </a:schemeClr>
                 </a:solidFill>
-                <a:latin typeface="BM JUA OTF" panose="02020603020101020101" pitchFamily="18" charset="-127"/>
-                <a:ea typeface="BM JUA OTF" panose="02020603020101020101" pitchFamily="18" charset="-127"/>
+                <a:latin typeface="나눔스퀘어 Bold" panose="020B0600000101010101" pitchFamily="50" charset="-127"/>
+                <a:ea typeface="나눔스퀘어 Bold" panose="020B0600000101010101" pitchFamily="50" charset="-127"/>
               </a:rPr>
               <a:t>!</a:t>
             </a:r>
@@ -3249,40 +3213,40 @@
           <a:p>
             <a:pPr algn="ctr"/>
             <a:r>
-              <a:rPr kumimoji="1" lang="ko-KR" altLang="en-US" sz="2200" dirty="0">
+              <a:rPr kumimoji="1" lang="ko-KR" altLang="en-US" sz="1650" dirty="0">
                 <a:solidFill>
                   <a:schemeClr val="tx1">
                     <a:lumMod val="50000"/>
                     <a:lumOff val="50000"/>
                   </a:schemeClr>
                 </a:solidFill>
-                <a:latin typeface="BM JUA OTF" panose="02020603020101020101" pitchFamily="18" charset="-127"/>
-                <a:ea typeface="BM JUA OTF" panose="02020603020101020101" pitchFamily="18" charset="-127"/>
+                <a:latin typeface="나눔스퀘어 Bold" panose="020B0600000101010101" pitchFamily="50" charset="-127"/>
+                <a:ea typeface="나눔스퀘어 Bold" panose="020B0600000101010101" pitchFamily="50" charset="-127"/>
               </a:rPr>
               <a:t>우산과 마스크는 필수 </a:t>
             </a:r>
             <a:r>
-              <a:rPr kumimoji="1" lang="en-US" altLang="ko-KR" sz="2200" dirty="0">
+              <a:rPr kumimoji="1" lang="en-US" altLang="ko-KR" sz="1650" dirty="0">
                 <a:solidFill>
                   <a:schemeClr val="tx1">
                     <a:lumMod val="50000"/>
                     <a:lumOff val="50000"/>
                   </a:schemeClr>
                 </a:solidFill>
-                <a:latin typeface="BM JUA OTF" panose="02020603020101020101" pitchFamily="18" charset="-127"/>
-                <a:ea typeface="BM JUA OTF" panose="02020603020101020101" pitchFamily="18" charset="-127"/>
+                <a:latin typeface="나눔스퀘어 Bold" panose="020B0600000101010101" pitchFamily="50" charset="-127"/>
+                <a:ea typeface="나눔스퀘어 Bold" panose="020B0600000101010101" pitchFamily="50" charset="-127"/>
               </a:rPr>
               <a:t>~</a:t>
             </a:r>
-            <a:endParaRPr kumimoji="1" lang="ko-KR" altLang="en-US" sz="2200" dirty="0">
+            <a:endParaRPr kumimoji="1" lang="ko-KR" altLang="en-US" sz="1650" dirty="0">
               <a:solidFill>
                 <a:schemeClr val="tx1">
                   <a:lumMod val="50000"/>
                   <a:lumOff val="50000"/>
                 </a:schemeClr>
               </a:solidFill>
-              <a:latin typeface="BM JUA OTF" panose="02020603020101020101" pitchFamily="18" charset="-127"/>
-              <a:ea typeface="BM JUA OTF" panose="02020603020101020101" pitchFamily="18" charset="-127"/>
+              <a:latin typeface="나눔스퀘어 Bold" panose="020B0600000101010101" pitchFamily="50" charset="-127"/>
+              <a:ea typeface="나눔스퀘어 Bold" panose="020B0600000101010101" pitchFamily="50" charset="-127"/>
             </a:endParaRPr>
           </a:p>
         </p:txBody>
@@ -3301,21 +3265,25 @@
         </p:nvSpPr>
         <p:spPr>
           <a:xfrm>
-            <a:off x="5542675" y="188231"/>
-            <a:ext cx="1110983" cy="461665"/>
+            <a:off x="4270452" y="176616"/>
+            <a:ext cx="719793" cy="291114"/>
           </a:xfrm>
           <a:prstGeom prst="rect">
             <a:avLst/>
           </a:prstGeom>
           <a:solidFill>
-            <a:schemeClr val="tx2">
-              <a:lumMod val="60000"/>
-              <a:lumOff val="40000"/>
-            </a:schemeClr>
+            <a:schemeClr val="bg1"/>
           </a:solidFill>
           <a:ln>
             <a:noFill/>
           </a:ln>
+          <a:effectLst>
+            <a:outerShdw blurRad="76200" sx="102000" sy="102000" algn="ctr" rotWithShape="0">
+              <a:prstClr val="black">
+                <a:alpha val="30000"/>
+              </a:prstClr>
+            </a:outerShdw>
+          </a:effectLst>
         </p:spPr>
         <p:style>
           <a:lnRef idx="2">
@@ -3339,22 +3307,260 @@
           <a:p>
             <a:pPr algn="ctr"/>
             <a:r>
-              <a:rPr kumimoji="1" lang="ko-KR" altLang="en-US" dirty="0">
-                <a:latin typeface="BM JUA OTF" panose="02020603020101020101" pitchFamily="18" charset="-127"/>
-                <a:ea typeface="BM JUA OTF" panose="02020603020101020101" pitchFamily="18" charset="-127"/>
+              <a:rPr kumimoji="1" lang="ko-KR" altLang="en-US" sz="1151" dirty="0">
+                <a:solidFill>
+                  <a:sysClr val="windowText" lastClr="000000"/>
+                </a:solidFill>
+                <a:latin typeface="나눔스퀘어 Bold" panose="020B0600000101010101" pitchFamily="50" charset="-127"/>
+                <a:ea typeface="나눔스퀘어 Bold" panose="020B0600000101010101" pitchFamily="50" charset="-127"/>
               </a:rPr>
               <a:t>내일은</a:t>
             </a:r>
             <a:r>
-              <a:rPr kumimoji="1" lang="en-US" altLang="ko-KR" dirty="0">
-                <a:latin typeface="BM JUA OTF" panose="02020603020101020101" pitchFamily="18" charset="-127"/>
-                <a:ea typeface="BM JUA OTF" panose="02020603020101020101" pitchFamily="18" charset="-127"/>
+              <a:rPr kumimoji="1" lang="en-US" altLang="ko-KR" sz="1151" dirty="0">
+                <a:solidFill>
+                  <a:sysClr val="windowText" lastClr="000000"/>
+                </a:solidFill>
+                <a:latin typeface="나눔스퀘어 Bold" panose="020B0600000101010101" pitchFamily="50" charset="-127"/>
+                <a:ea typeface="나눔스퀘어 Bold" panose="020B0600000101010101" pitchFamily="50" charset="-127"/>
               </a:rPr>
               <a:t>?</a:t>
             </a:r>
-            <a:endParaRPr kumimoji="1" lang="ko-KR" altLang="en-US" dirty="0">
-              <a:latin typeface="BM JUA OTF" panose="02020603020101020101" pitchFamily="18" charset="-127"/>
-              <a:ea typeface="BM JUA OTF" panose="02020603020101020101" pitchFamily="18" charset="-127"/>
+            <a:endParaRPr kumimoji="1" lang="ko-KR" altLang="en-US" sz="1151" dirty="0">
+              <a:solidFill>
+                <a:sysClr val="windowText" lastClr="000000"/>
+              </a:solidFill>
+              <a:latin typeface="나눔스퀘어 Bold" panose="020B0600000101010101" pitchFamily="50" charset="-127"/>
+              <a:ea typeface="나눔스퀘어 Bold" panose="020B0600000101010101" pitchFamily="50" charset="-127"/>
+            </a:endParaRPr>
+          </a:p>
+        </p:txBody>
+      </p:sp>
+      <p:pic>
+        <p:nvPicPr>
+          <p:cNvPr id="3" name="그림 2"/>
+          <p:cNvPicPr>
+            <a:picLocks noChangeAspect="1"/>
+          </p:cNvPicPr>
+          <p:nvPr/>
+        </p:nvPicPr>
+        <p:blipFill>
+          <a:blip r:embed="rId3">
+            <a:extLst>
+              <a:ext uri="{28A0092B-C50C-407E-A947-70E740481C1C}">
+                <a14:useLocalDpi xmlns:a14="http://schemas.microsoft.com/office/drawing/2010/main" val="0"/>
+              </a:ext>
+            </a:extLst>
+          </a:blip>
+          <a:stretch>
+            <a:fillRect/>
+          </a:stretch>
+        </p:blipFill>
+        <p:spPr>
+          <a:xfrm>
+            <a:off x="1418663" y="148230"/>
+            <a:ext cx="379710" cy="379710"/>
+          </a:xfrm>
+          <a:prstGeom prst="rect">
+            <a:avLst/>
+          </a:prstGeom>
+        </p:spPr>
+      </p:pic>
+      <p:sp>
+        <p:nvSpPr>
+          <p:cNvPr id="9" name="TextBox 8">
+            <a:extLst>
+              <a:ext uri="{FF2B5EF4-FFF2-40B4-BE49-F238E27FC236}">
+                <a16:creationId xmlns:a16="http://schemas.microsoft.com/office/drawing/2014/main" id="{19D5EF34-F779-2EF1-FA41-46F952AFE6D6}"/>
+              </a:ext>
+            </a:extLst>
+          </p:cNvPr>
+          <p:cNvSpPr txBox="1"/>
+          <p:nvPr/>
+        </p:nvSpPr>
+        <p:spPr>
+          <a:xfrm>
+            <a:off x="1939051" y="832553"/>
+            <a:ext cx="1724369" cy="923330"/>
+          </a:xfrm>
+          <a:prstGeom prst="rect">
+            <a:avLst/>
+          </a:prstGeom>
+          <a:noFill/>
+        </p:spPr>
+        <p:txBody>
+          <a:bodyPr wrap="square" rtlCol="0">
+            <a:spAutoFit/>
+          </a:bodyPr>
+          <a:lstStyle/>
+          <a:p>
+            <a:r>
+              <a:rPr kumimoji="1" lang="en-US" altLang="ko-KR" sz="5400" dirty="0" smtClean="0">
+                <a:solidFill>
+                  <a:schemeClr val="tx1">
+                    <a:lumMod val="75000"/>
+                    <a:lumOff val="25000"/>
+                  </a:schemeClr>
+                </a:solidFill>
+                <a:latin typeface="나눔스퀘어 Bold" panose="020B0600000101010101" pitchFamily="50" charset="-127"/>
+                <a:ea typeface="나눔스퀘어 Bold" panose="020B0600000101010101" pitchFamily="50" charset="-127"/>
+              </a:rPr>
+              <a:t>17</a:t>
+            </a:r>
+            <a:r>
+              <a:rPr kumimoji="1" lang="ko-KR" altLang="en-US" sz="4400" dirty="0" smtClean="0">
+                <a:solidFill>
+                  <a:schemeClr val="tx1">
+                    <a:lumMod val="75000"/>
+                    <a:lumOff val="25000"/>
+                  </a:schemeClr>
+                </a:solidFill>
+                <a:latin typeface="나눔스퀘어 Bold" panose="020B0600000101010101" pitchFamily="50" charset="-127"/>
+                <a:ea typeface="나눔스퀘어 Bold" panose="020B0600000101010101" pitchFamily="50" charset="-127"/>
+              </a:rPr>
+              <a:t>℃</a:t>
+            </a:r>
+            <a:endParaRPr kumimoji="1" lang="en-US" altLang="ko-KR" sz="4400" dirty="0">
+              <a:solidFill>
+                <a:schemeClr val="tx1">
+                  <a:lumMod val="75000"/>
+                  <a:lumOff val="25000"/>
+                </a:schemeClr>
+              </a:solidFill>
+              <a:latin typeface="나눔스퀘어 Bold" panose="020B0600000101010101" pitchFamily="50" charset="-127"/>
+              <a:ea typeface="나눔스퀘어 Bold" panose="020B0600000101010101" pitchFamily="50" charset="-127"/>
+            </a:endParaRPr>
+          </a:p>
+        </p:txBody>
+      </p:sp>
+      <p:sp>
+        <p:nvSpPr>
+          <p:cNvPr id="10" name="TextBox 9">
+            <a:extLst>
+              <a:ext uri="{FF2B5EF4-FFF2-40B4-BE49-F238E27FC236}">
+                <a16:creationId xmlns:a16="http://schemas.microsoft.com/office/drawing/2014/main" id="{19D5EF34-F779-2EF1-FA41-46F952AFE6D6}"/>
+              </a:ext>
+            </a:extLst>
+          </p:cNvPr>
+          <p:cNvSpPr txBox="1"/>
+          <p:nvPr/>
+        </p:nvSpPr>
+        <p:spPr>
+          <a:xfrm>
+            <a:off x="1690917" y="1778029"/>
+            <a:ext cx="1865047" cy="307777"/>
+          </a:xfrm>
+          <a:prstGeom prst="rect">
+            <a:avLst/>
+          </a:prstGeom>
+          <a:noFill/>
+        </p:spPr>
+        <p:txBody>
+          <a:bodyPr wrap="square" rtlCol="0">
+            <a:spAutoFit/>
+          </a:bodyPr>
+          <a:lstStyle/>
+          <a:p>
+            <a:r>
+              <a:rPr kumimoji="1" lang="ko-KR" altLang="en-US" sz="1400" dirty="0" smtClean="0">
+                <a:solidFill>
+                  <a:schemeClr val="tx1">
+                    <a:lumMod val="75000"/>
+                    <a:lumOff val="25000"/>
+                  </a:schemeClr>
+                </a:solidFill>
+                <a:latin typeface="나눔스퀘어" panose="020B0600000101010101" pitchFamily="50" charset="-127"/>
+                <a:ea typeface="나눔스퀘어" panose="020B0600000101010101" pitchFamily="50" charset="-127"/>
+              </a:rPr>
+              <a:t>최고 </a:t>
+            </a:r>
+            <a:r>
+              <a:rPr kumimoji="1" lang="en-US" altLang="ko-KR" sz="1400" dirty="0" smtClean="0">
+                <a:solidFill>
+                  <a:schemeClr val="tx1">
+                    <a:lumMod val="75000"/>
+                    <a:lumOff val="25000"/>
+                  </a:schemeClr>
+                </a:solidFill>
+                <a:latin typeface="나눔스퀘어" panose="020B0600000101010101" pitchFamily="50" charset="-127"/>
+                <a:ea typeface="나눔스퀘어" panose="020B0600000101010101" pitchFamily="50" charset="-127"/>
+              </a:rPr>
+              <a:t>24</a:t>
+            </a:r>
+            <a:r>
+              <a:rPr kumimoji="1" lang="ko-KR" altLang="en-US" sz="1400" dirty="0" smtClean="0">
+                <a:solidFill>
+                  <a:schemeClr val="tx1">
+                    <a:lumMod val="75000"/>
+                    <a:lumOff val="25000"/>
+                  </a:schemeClr>
+                </a:solidFill>
+                <a:latin typeface="나눔스퀘어" panose="020B0600000101010101" pitchFamily="50" charset="-127"/>
+                <a:ea typeface="나눔스퀘어" panose="020B0600000101010101" pitchFamily="50" charset="-127"/>
+              </a:rPr>
+              <a:t>℃ </a:t>
+            </a:r>
+            <a:r>
+              <a:rPr kumimoji="1" lang="en-US" altLang="ko-KR" sz="1400" dirty="0" smtClean="0">
+                <a:solidFill>
+                  <a:schemeClr val="tx1">
+                    <a:lumMod val="75000"/>
+                    <a:lumOff val="25000"/>
+                  </a:schemeClr>
+                </a:solidFill>
+                <a:latin typeface="나눔스퀘어" panose="020B0600000101010101" pitchFamily="50" charset="-127"/>
+                <a:ea typeface="나눔스퀘어" panose="020B0600000101010101" pitchFamily="50" charset="-127"/>
+              </a:rPr>
+              <a:t>| </a:t>
+            </a:r>
+            <a:r>
+              <a:rPr kumimoji="1" lang="ko-KR" altLang="en-US" sz="1400" dirty="0" smtClean="0">
+                <a:solidFill>
+                  <a:schemeClr val="tx1">
+                    <a:lumMod val="75000"/>
+                    <a:lumOff val="25000"/>
+                  </a:schemeClr>
+                </a:solidFill>
+                <a:latin typeface="나눔스퀘어" panose="020B0600000101010101" pitchFamily="50" charset="-127"/>
+                <a:ea typeface="나눔스퀘어" panose="020B0600000101010101" pitchFamily="50" charset="-127"/>
+              </a:rPr>
+              <a:t>최저 </a:t>
+            </a:r>
+            <a:r>
+              <a:rPr kumimoji="1" lang="en-US" altLang="ko-KR" sz="1400" dirty="0" smtClean="0">
+                <a:solidFill>
+                  <a:schemeClr val="tx1">
+                    <a:lumMod val="75000"/>
+                    <a:lumOff val="25000"/>
+                  </a:schemeClr>
+                </a:solidFill>
+                <a:latin typeface="나눔스퀘어" panose="020B0600000101010101" pitchFamily="50" charset="-127"/>
+                <a:ea typeface="나눔스퀘어" panose="020B0600000101010101" pitchFamily="50" charset="-127"/>
+              </a:rPr>
+              <a:t>12</a:t>
+            </a:r>
+            <a:r>
+              <a:rPr kumimoji="1" lang="ko-KR" altLang="en-US" sz="1400" dirty="0" smtClean="0">
+                <a:solidFill>
+                  <a:schemeClr val="tx1">
+                    <a:lumMod val="75000"/>
+                    <a:lumOff val="25000"/>
+                  </a:schemeClr>
+                </a:solidFill>
+                <a:latin typeface="나눔스퀘어" panose="020B0600000101010101" pitchFamily="50" charset="-127"/>
+                <a:ea typeface="나눔스퀘어" panose="020B0600000101010101" pitchFamily="50" charset="-127"/>
+              </a:rPr>
+              <a:t>℃</a:t>
+            </a:r>
+            <a:endParaRPr kumimoji="1" lang="en-US" altLang="ko-KR" sz="1400" dirty="0">
+              <a:solidFill>
+                <a:schemeClr val="tx1">
+                  <a:lumMod val="75000"/>
+                  <a:lumOff val="25000"/>
+                </a:schemeClr>
+              </a:solidFill>
+              <a:latin typeface="나눔스퀘어" panose="020B0600000101010101" pitchFamily="50" charset="-127"/>
+              <a:ea typeface="나눔스퀘어" panose="020B0600000101010101" pitchFamily="50" charset="-127"/>
             </a:endParaRPr>
           </a:p>
         </p:txBody>
@@ -3369,6 +3575,13 @@
   <p:clrMapOvr>
     <a:masterClrMapping/>
   </p:clrMapOvr>
+  <p:timing>
+    <p:tnLst>
+      <p:par>
+        <p:cTn id="1" dur="indefinite" restart="never" nodeType="tmRoot"/>
+      </p:par>
+    </p:tnLst>
+  </p:timing>
 </p:sld>
 </file>
 
@@ -3403,12 +3616,12 @@
         </p:nvSpPr>
         <p:spPr>
           <a:xfrm>
-            <a:off x="310922" y="-174286"/>
-            <a:ext cx="6342737" cy="9149863"/>
+            <a:off x="316523" y="0"/>
+            <a:ext cx="4536832" cy="8909538"/>
           </a:xfrm>
           <a:prstGeom prst="roundRect">
             <a:avLst>
-              <a:gd name="adj" fmla="val 5228"/>
+              <a:gd name="adj" fmla="val 0"/>
             </a:avLst>
           </a:prstGeom>
           <a:solidFill>
@@ -3442,120 +3655,71 @@
           <a:lstStyle/>
           <a:p>
             <a:pPr algn="ctr"/>
-            <a:endParaRPr kumimoji="1" lang="ko-KR" altLang="en-US"/>
-          </a:p>
-        </p:txBody>
-      </p:sp>
-      <p:sp>
-        <p:nvSpPr>
-          <p:cNvPr id="18" name="TextBox 17">
-            <a:extLst>
-              <a:ext uri="{FF2B5EF4-FFF2-40B4-BE49-F238E27FC236}">
-                <a16:creationId xmlns:a16="http://schemas.microsoft.com/office/drawing/2014/main" id="{FDB0EC4B-8B6D-A0BD-8BF1-978F12B22A60}"/>
-              </a:ext>
-            </a:extLst>
-          </p:cNvPr>
-          <p:cNvSpPr txBox="1"/>
+            <a:endParaRPr kumimoji="1" lang="ko-KR" altLang="en-US" sz="1151"/>
+          </a:p>
+        </p:txBody>
+      </p:sp>
+      <p:sp>
+        <p:nvSpPr>
+          <p:cNvPr id="3" name="모서리가 둥근 직사각형 2"/>
+          <p:cNvSpPr/>
           <p:nvPr/>
         </p:nvSpPr>
         <p:spPr>
           <a:xfrm>
-            <a:off x="672417" y="182860"/>
-            <a:ext cx="1463862" cy="461665"/>
-          </a:xfrm>
-          <a:prstGeom prst="rect">
-            <a:avLst/>
+            <a:off x="572939" y="246185"/>
+            <a:ext cx="4043500" cy="962263"/>
+          </a:xfrm>
+          <a:prstGeom prst="roundRect">
+            <a:avLst>
+              <a:gd name="adj" fmla="val 8334"/>
+            </a:avLst>
           </a:prstGeom>
-          <a:noFill/>
-        </p:spPr>
-        <p:txBody>
-          <a:bodyPr wrap="none" rtlCol="0">
-            <a:spAutoFit/>
-          </a:bodyPr>
-          <a:lstStyle/>
-          <a:p>
-            <a:r>
-              <a:rPr kumimoji="1" lang="en-US" altLang="ko-KR" sz="2400" dirty="0">
-                <a:solidFill>
-                  <a:srgbClr val="D35D5D"/>
-                </a:solidFill>
-                <a:latin typeface="BM JUA OTF" panose="02020603020101020101" pitchFamily="18" charset="-127"/>
-                <a:ea typeface="BM JUA OTF" panose="02020603020101020101" pitchFamily="18" charset="-127"/>
-              </a:rPr>
-              <a:t>AM</a:t>
-            </a:r>
-            <a:r>
-              <a:rPr kumimoji="1" lang="en-US" altLang="ko-KR" sz="2400" dirty="0">
-                <a:latin typeface="BM JUA OTF" panose="02020603020101020101" pitchFamily="18" charset="-127"/>
-                <a:ea typeface="BM JUA OTF" panose="02020603020101020101" pitchFamily="18" charset="-127"/>
-              </a:rPr>
-              <a:t>      </a:t>
-            </a:r>
-            <a:r>
-              <a:rPr kumimoji="1" lang="en-US" altLang="ko-KR" sz="2400" dirty="0">
-                <a:solidFill>
-                  <a:schemeClr val="accent1"/>
-                </a:solidFill>
-                <a:latin typeface="BM JUA OTF" panose="02020603020101020101" pitchFamily="18" charset="-127"/>
-                <a:ea typeface="BM JUA OTF" panose="02020603020101020101" pitchFamily="18" charset="-127"/>
-              </a:rPr>
-              <a:t>PM</a:t>
-            </a:r>
-            <a:endParaRPr kumimoji="1" lang="ko-KR" altLang="en-US" sz="2400" dirty="0">
-              <a:solidFill>
-                <a:schemeClr val="accent1"/>
-              </a:solidFill>
-              <a:latin typeface="BM JUA OTF" panose="02020603020101020101" pitchFamily="18" charset="-127"/>
-              <a:ea typeface="BM JUA OTF" panose="02020603020101020101" pitchFamily="18" charset="-127"/>
-            </a:endParaRPr>
-          </a:p>
-        </p:txBody>
-      </p:sp>
-      <p:cxnSp>
-        <p:nvCxnSpPr>
-          <p:cNvPr id="20" name="직선 연결선[R] 19">
-            <a:extLst>
-              <a:ext uri="{FF2B5EF4-FFF2-40B4-BE49-F238E27FC236}">
-                <a16:creationId xmlns:a16="http://schemas.microsoft.com/office/drawing/2014/main" id="{7037FCDA-64F6-0181-94AC-EF69EDC1ADF3}"/>
-              </a:ext>
-            </a:extLst>
-          </p:cNvPr>
-          <p:cNvCxnSpPr>
-            <a:cxnSpLocks/>
-            <a:stCxn id="18" idx="2"/>
-          </p:cNvCxnSpPr>
-          <p:nvPr/>
-        </p:nvCxnSpPr>
-        <p:spPr>
-          <a:xfrm>
-            <a:off x="1404348" y="644525"/>
-            <a:ext cx="22957" cy="1174027"/>
-          </a:xfrm>
-          <a:prstGeom prst="line">
-            <a:avLst/>
-          </a:prstGeom>
+          <a:solidFill>
+            <a:schemeClr val="bg1"/>
+          </a:solidFill>
+          <a:ln>
+            <a:noFill/>
+          </a:ln>
+          <a:effectLst>
+            <a:outerShdw blurRad="88900" sx="101000" sy="101000" algn="ctr" rotWithShape="0">
+              <a:prstClr val="black">
+                <a:alpha val="30000"/>
+              </a:prstClr>
+            </a:outerShdw>
+          </a:effectLst>
         </p:spPr>
         <p:style>
-          <a:lnRef idx="1">
-            <a:schemeClr val="accent1"/>
+          <a:lnRef idx="2">
+            <a:schemeClr val="accent1">
+              <a:shade val="50000"/>
+            </a:schemeClr>
           </a:lnRef>
-          <a:fillRef idx="0">
+          <a:fillRef idx="1">
             <a:schemeClr val="accent1"/>
           </a:fillRef>
           <a:effectRef idx="0">
             <a:schemeClr val="accent1"/>
           </a:effectRef>
           <a:fontRef idx="minor">
-            <a:schemeClr val="tx1"/>
+            <a:schemeClr val="lt1"/>
           </a:fontRef>
         </p:style>
-      </p:cxnSp>
+        <p:txBody>
+          <a:bodyPr rtlCol="0" anchor="ctr"/>
+          <a:lstStyle/>
+          <a:p>
+            <a:pPr algn="ctr"/>
+            <a:endParaRPr lang="ko-KR" altLang="en-US"/>
+          </a:p>
+        </p:txBody>
+      </p:sp>
       <p:pic>
         <p:nvPicPr>
-          <p:cNvPr id="22" name="그림 21">
+          <p:cNvPr id="29" name="그림 28">
             <a:extLst>
               <a:ext uri="{FF2B5EF4-FFF2-40B4-BE49-F238E27FC236}">
-                <a16:creationId xmlns:a16="http://schemas.microsoft.com/office/drawing/2014/main" id="{A150B49E-D966-2E4D-D056-EBB892769A23}"/>
+                <a16:creationId xmlns:a16="http://schemas.microsoft.com/office/drawing/2014/main" id="{47F74EAD-8BBB-518A-F872-ACE764A99AC4}"/>
               </a:ext>
             </a:extLst>
           </p:cNvPr>
@@ -3572,20 +3736,240 @@
         </p:blipFill>
         <p:spPr>
           <a:xfrm>
-            <a:off x="672417" y="611535"/>
-            <a:ext cx="599036" cy="599036"/>
+            <a:off x="1897320" y="569975"/>
+            <a:ext cx="329730" cy="329730"/>
           </a:xfrm>
           <a:prstGeom prst="rect">
             <a:avLst/>
           </a:prstGeom>
         </p:spPr>
       </p:pic>
+      <p:sp>
+        <p:nvSpPr>
+          <p:cNvPr id="30" name="TextBox 29">
+            <a:extLst>
+              <a:ext uri="{FF2B5EF4-FFF2-40B4-BE49-F238E27FC236}">
+                <a16:creationId xmlns:a16="http://schemas.microsoft.com/office/drawing/2014/main" id="{0870464A-86D9-6D2F-1CC6-DE1DEE75DD3E}"/>
+              </a:ext>
+            </a:extLst>
+          </p:cNvPr>
+          <p:cNvSpPr txBox="1"/>
+          <p:nvPr/>
+        </p:nvSpPr>
+        <p:spPr>
+          <a:xfrm>
+            <a:off x="1830391" y="288796"/>
+            <a:ext cx="463588" cy="276999"/>
+          </a:xfrm>
+          <a:prstGeom prst="rect">
+            <a:avLst/>
+          </a:prstGeom>
+          <a:noFill/>
+        </p:spPr>
+        <p:txBody>
+          <a:bodyPr wrap="none" rtlCol="0">
+            <a:spAutoFit/>
+          </a:bodyPr>
+          <a:lstStyle/>
+          <a:p>
+            <a:pPr algn="ctr"/>
+            <a:r>
+              <a:rPr kumimoji="1" lang="ko-KR" altLang="en-US" sz="1200" dirty="0">
+                <a:solidFill>
+                  <a:schemeClr val="tx1">
+                    <a:lumMod val="50000"/>
+                    <a:lumOff val="50000"/>
+                  </a:schemeClr>
+                </a:solidFill>
+                <a:latin typeface="나눔스퀘어 Bold" panose="020B0600000101010101" pitchFamily="50" charset="-127"/>
+                <a:ea typeface="나눔스퀘어 Bold" panose="020B0600000101010101" pitchFamily="50" charset="-127"/>
+              </a:rPr>
+              <a:t>습도</a:t>
+            </a:r>
+            <a:endParaRPr kumimoji="1" lang="en-US" altLang="ko-KR" sz="1200" dirty="0">
+              <a:solidFill>
+                <a:schemeClr val="tx1">
+                  <a:lumMod val="50000"/>
+                  <a:lumOff val="50000"/>
+                </a:schemeClr>
+              </a:solidFill>
+              <a:latin typeface="나눔스퀘어 Bold" panose="020B0600000101010101" pitchFamily="50" charset="-127"/>
+              <a:ea typeface="나눔스퀘어 Bold" panose="020B0600000101010101" pitchFamily="50" charset="-127"/>
+            </a:endParaRPr>
+          </a:p>
+        </p:txBody>
+      </p:sp>
+      <p:sp>
+        <p:nvSpPr>
+          <p:cNvPr id="32" name="TextBox 31">
+            <a:extLst>
+              <a:ext uri="{FF2B5EF4-FFF2-40B4-BE49-F238E27FC236}">
+                <a16:creationId xmlns:a16="http://schemas.microsoft.com/office/drawing/2014/main" id="{9FA14B70-5815-C0A6-F7FF-DEBF2FDE9A25}"/>
+              </a:ext>
+            </a:extLst>
+          </p:cNvPr>
+          <p:cNvSpPr txBox="1"/>
+          <p:nvPr/>
+        </p:nvSpPr>
+        <p:spPr>
+          <a:xfrm>
+            <a:off x="1840009" y="939015"/>
+            <a:ext cx="453970" cy="269433"/>
+          </a:xfrm>
+          <a:prstGeom prst="rect">
+            <a:avLst/>
+          </a:prstGeom>
+          <a:noFill/>
+        </p:spPr>
+        <p:txBody>
+          <a:bodyPr wrap="none" rtlCol="0">
+            <a:spAutoFit/>
+          </a:bodyPr>
+          <a:lstStyle/>
+          <a:p>
+            <a:pPr algn="ctr"/>
+            <a:r>
+              <a:rPr kumimoji="1" lang="ko-KR" altLang="en-US" sz="1151" dirty="0">
+                <a:solidFill>
+                  <a:schemeClr val="tx1">
+                    <a:lumMod val="50000"/>
+                    <a:lumOff val="50000"/>
+                  </a:schemeClr>
+                </a:solidFill>
+                <a:latin typeface="나눔스퀘어 Bold" panose="020B0600000101010101" pitchFamily="50" charset="-127"/>
+                <a:ea typeface="나눔스퀘어 Bold" panose="020B0600000101010101" pitchFamily="50" charset="-127"/>
+              </a:rPr>
+              <a:t>높음</a:t>
+            </a:r>
+            <a:endParaRPr kumimoji="1" lang="en-US" altLang="ko-KR" sz="1151" dirty="0">
+              <a:solidFill>
+                <a:schemeClr val="tx1">
+                  <a:lumMod val="50000"/>
+                  <a:lumOff val="50000"/>
+                </a:schemeClr>
+              </a:solidFill>
+              <a:latin typeface="나눔스퀘어 Bold" panose="020B0600000101010101" pitchFamily="50" charset="-127"/>
+              <a:ea typeface="나눔스퀘어 Bold" panose="020B0600000101010101" pitchFamily="50" charset="-127"/>
+            </a:endParaRPr>
+          </a:p>
+        </p:txBody>
+      </p:sp>
+      <p:sp>
+        <p:nvSpPr>
+          <p:cNvPr id="34" name="TextBox 33">
+            <a:extLst>
+              <a:ext uri="{FF2B5EF4-FFF2-40B4-BE49-F238E27FC236}">
+                <a16:creationId xmlns:a16="http://schemas.microsoft.com/office/drawing/2014/main" id="{57C20883-57C8-3612-024A-B15F524B0148}"/>
+              </a:ext>
+            </a:extLst>
+          </p:cNvPr>
+          <p:cNvSpPr txBox="1"/>
+          <p:nvPr/>
+        </p:nvSpPr>
+        <p:spPr>
+          <a:xfrm>
+            <a:off x="2868157" y="288795"/>
+            <a:ext cx="549051" cy="276999"/>
+          </a:xfrm>
+          <a:prstGeom prst="rect">
+            <a:avLst/>
+          </a:prstGeom>
+          <a:noFill/>
+        </p:spPr>
+        <p:txBody>
+          <a:bodyPr wrap="square" rtlCol="0">
+            <a:spAutoFit/>
+          </a:bodyPr>
+          <a:lstStyle/>
+          <a:p>
+            <a:pPr algn="ctr"/>
+            <a:r>
+              <a:rPr kumimoji="1" lang="ko-KR" altLang="en-US" sz="1200" dirty="0">
+                <a:solidFill>
+                  <a:schemeClr val="tx1">
+                    <a:lumMod val="50000"/>
+                    <a:lumOff val="50000"/>
+                  </a:schemeClr>
+                </a:solidFill>
+                <a:latin typeface="나눔스퀘어 Bold" panose="020B0600000101010101" pitchFamily="50" charset="-127"/>
+                <a:ea typeface="나눔스퀘어 Bold" panose="020B0600000101010101" pitchFamily="50" charset="-127"/>
+              </a:rPr>
+              <a:t>풍속</a:t>
+            </a:r>
+            <a:endParaRPr kumimoji="1" lang="en-US" altLang="ko-KR" sz="1200" dirty="0">
+              <a:solidFill>
+                <a:schemeClr val="tx1">
+                  <a:lumMod val="50000"/>
+                  <a:lumOff val="50000"/>
+                </a:schemeClr>
+              </a:solidFill>
+              <a:latin typeface="나눔스퀘어 Bold" panose="020B0600000101010101" pitchFamily="50" charset="-127"/>
+              <a:ea typeface="나눔스퀘어 Bold" panose="020B0600000101010101" pitchFamily="50" charset="-127"/>
+            </a:endParaRPr>
+          </a:p>
+        </p:txBody>
+      </p:sp>
+      <p:sp>
+        <p:nvSpPr>
+          <p:cNvPr id="36" name="TextBox 35">
+            <a:extLst>
+              <a:ext uri="{FF2B5EF4-FFF2-40B4-BE49-F238E27FC236}">
+                <a16:creationId xmlns:a16="http://schemas.microsoft.com/office/drawing/2014/main" id="{BD22EB5C-CAA4-40CA-9B38-36CE29F06E8E}"/>
+              </a:ext>
+            </a:extLst>
+          </p:cNvPr>
+          <p:cNvSpPr txBox="1"/>
+          <p:nvPr/>
+        </p:nvSpPr>
+        <p:spPr>
+          <a:xfrm>
+            <a:off x="2951185" y="943353"/>
+            <a:ext cx="453970" cy="269433"/>
+          </a:xfrm>
+          <a:prstGeom prst="rect">
+            <a:avLst/>
+          </a:prstGeom>
+          <a:noFill/>
+        </p:spPr>
+        <p:txBody>
+          <a:bodyPr wrap="none" rtlCol="0">
+            <a:spAutoFit/>
+          </a:bodyPr>
+          <a:lstStyle/>
+          <a:p>
+            <a:pPr algn="ctr"/>
+            <a:r>
+              <a:rPr kumimoji="1" lang="ko-KR" altLang="en-US" sz="1151" dirty="0">
+                <a:solidFill>
+                  <a:schemeClr val="tx1">
+                    <a:lumMod val="50000"/>
+                    <a:lumOff val="50000"/>
+                  </a:schemeClr>
+                </a:solidFill>
+                <a:latin typeface="나눔스퀘어 Bold" panose="020B0600000101010101" pitchFamily="50" charset="-127"/>
+                <a:ea typeface="나눔스퀘어 Bold" panose="020B0600000101010101" pitchFamily="50" charset="-127"/>
+              </a:rPr>
+              <a:t>보통</a:t>
+            </a:r>
+            <a:endParaRPr kumimoji="1" lang="en-US" altLang="ko-KR" sz="1151" dirty="0">
+              <a:solidFill>
+                <a:schemeClr val="tx1">
+                  <a:lumMod val="50000"/>
+                  <a:lumOff val="50000"/>
+                </a:schemeClr>
+              </a:solidFill>
+              <a:latin typeface="나눔스퀘어 Bold" panose="020B0600000101010101" pitchFamily="50" charset="-127"/>
+              <a:ea typeface="나눔스퀘어 Bold" panose="020B0600000101010101" pitchFamily="50" charset="-127"/>
+            </a:endParaRPr>
+          </a:p>
+        </p:txBody>
+      </p:sp>
       <p:pic>
         <p:nvPicPr>
-          <p:cNvPr id="24" name="그림 23">
+          <p:cNvPr id="38" name="그림 37">
             <a:extLst>
               <a:ext uri="{FF2B5EF4-FFF2-40B4-BE49-F238E27FC236}">
-                <a16:creationId xmlns:a16="http://schemas.microsoft.com/office/drawing/2014/main" id="{0F0A3BC8-D3C5-1BD2-B918-C12583CADD8B}"/>
+                <a16:creationId xmlns:a16="http://schemas.microsoft.com/office/drawing/2014/main" id="{382367EF-B98C-2EA7-15E2-5AD59B5A75BD}"/>
               </a:ext>
             </a:extLst>
           </p:cNvPr>
@@ -3602,533 +3986,8 @@
         </p:blipFill>
         <p:spPr>
           <a:xfrm>
-            <a:off x="1583158" y="634247"/>
-            <a:ext cx="604011" cy="604011"/>
-          </a:xfrm>
-          <a:prstGeom prst="rect">
-            <a:avLst/>
-          </a:prstGeom>
-        </p:spPr>
-      </p:pic>
-      <p:sp>
-        <p:nvSpPr>
-          <p:cNvPr id="26" name="TextBox 25">
-            <a:extLst>
-              <a:ext uri="{FF2B5EF4-FFF2-40B4-BE49-F238E27FC236}">
-                <a16:creationId xmlns:a16="http://schemas.microsoft.com/office/drawing/2014/main" id="{38D3901D-303B-24DB-6839-2E01FD89FB1A}"/>
-              </a:ext>
-            </a:extLst>
-          </p:cNvPr>
-          <p:cNvSpPr txBox="1"/>
-          <p:nvPr/>
-        </p:nvSpPr>
-        <p:spPr>
-          <a:xfrm>
-            <a:off x="660204" y="1321556"/>
-            <a:ext cx="1545616" cy="738664"/>
-          </a:xfrm>
-          <a:prstGeom prst="rect">
-            <a:avLst/>
-          </a:prstGeom>
-          <a:noFill/>
-        </p:spPr>
-        <p:txBody>
-          <a:bodyPr wrap="none" rtlCol="0">
-            <a:spAutoFit/>
-          </a:bodyPr>
-          <a:lstStyle/>
-          <a:p>
-            <a:r>
-              <a:rPr kumimoji="1" lang="en-US" altLang="ko-KR" sz="2400" dirty="0">
-                <a:solidFill>
-                  <a:srgbClr val="D35D5D"/>
-                </a:solidFill>
-                <a:latin typeface="BM JUA OTF" panose="02020603020101020101" pitchFamily="18" charset="-127"/>
-                <a:ea typeface="BM JUA OTF" panose="02020603020101020101" pitchFamily="18" charset="-127"/>
-              </a:rPr>
-              <a:t>11.C      </a:t>
-            </a:r>
-            <a:r>
-              <a:rPr kumimoji="1" lang="en-US" altLang="ko-KR" sz="2400" dirty="0">
-                <a:solidFill>
-                  <a:schemeClr val="accent1"/>
-                </a:solidFill>
-                <a:latin typeface="BM JUA OTF" panose="02020603020101020101" pitchFamily="18" charset="-127"/>
-                <a:ea typeface="BM JUA OTF" panose="02020603020101020101" pitchFamily="18" charset="-127"/>
-              </a:rPr>
-              <a:t>6.c</a:t>
-            </a:r>
-          </a:p>
-          <a:p>
-            <a:r>
-              <a:rPr kumimoji="1" lang="en-US" altLang="ko-KR" dirty="0">
-                <a:solidFill>
-                  <a:schemeClr val="bg1">
-                    <a:lumMod val="75000"/>
-                  </a:schemeClr>
-                </a:solidFill>
-                <a:latin typeface="BM JUA OTF" panose="02020603020101020101" pitchFamily="18" charset="-127"/>
-                <a:ea typeface="BM JUA OTF" panose="02020603020101020101" pitchFamily="18" charset="-127"/>
-              </a:rPr>
-              <a:t>-4.c         -1.c</a:t>
-            </a:r>
-            <a:endParaRPr kumimoji="1" lang="ko-KR" altLang="en-US" dirty="0">
-              <a:solidFill>
-                <a:schemeClr val="bg1">
-                  <a:lumMod val="75000"/>
-                </a:schemeClr>
-              </a:solidFill>
-              <a:latin typeface="BM JUA OTF" panose="02020603020101020101" pitchFamily="18" charset="-127"/>
-              <a:ea typeface="BM JUA OTF" panose="02020603020101020101" pitchFamily="18" charset="-127"/>
-            </a:endParaRPr>
-          </a:p>
-        </p:txBody>
-      </p:sp>
-      <p:sp>
-        <p:nvSpPr>
-          <p:cNvPr id="27" name="TextBox 26">
-            <a:extLst>
-              <a:ext uri="{FF2B5EF4-FFF2-40B4-BE49-F238E27FC236}">
-                <a16:creationId xmlns:a16="http://schemas.microsoft.com/office/drawing/2014/main" id="{12D1B923-7E17-ECA5-57CB-97C41D97D333}"/>
-              </a:ext>
-            </a:extLst>
-          </p:cNvPr>
-          <p:cNvSpPr txBox="1"/>
-          <p:nvPr/>
-        </p:nvSpPr>
-        <p:spPr>
-          <a:xfrm>
-            <a:off x="708453" y="2069036"/>
-            <a:ext cx="1532792" cy="707886"/>
-          </a:xfrm>
-          <a:prstGeom prst="rect">
-            <a:avLst/>
-          </a:prstGeom>
-          <a:noFill/>
-        </p:spPr>
-        <p:txBody>
-          <a:bodyPr wrap="none" rtlCol="0">
-            <a:spAutoFit/>
-          </a:bodyPr>
-          <a:lstStyle/>
-          <a:p>
-            <a:pPr algn="ctr"/>
-            <a:r>
-              <a:rPr kumimoji="1" lang="ko-KR" altLang="en-US" sz="2000" dirty="0">
-                <a:solidFill>
-                  <a:schemeClr val="tx1">
-                    <a:lumMod val="50000"/>
-                    <a:lumOff val="50000"/>
-                  </a:schemeClr>
-                </a:solidFill>
-                <a:latin typeface="BM JUA OTF" panose="02020603020101020101" pitchFamily="18" charset="-127"/>
-                <a:ea typeface="BM JUA OTF" panose="02020603020101020101" pitchFamily="18" charset="-127"/>
-              </a:rPr>
-              <a:t>흐림 뒤 비내림</a:t>
-            </a:r>
-            <a:endParaRPr kumimoji="1" lang="en-US" altLang="ko-KR" sz="2000" dirty="0">
-              <a:solidFill>
-                <a:schemeClr val="tx1">
-                  <a:lumMod val="50000"/>
-                  <a:lumOff val="50000"/>
-                </a:schemeClr>
-              </a:solidFill>
-              <a:latin typeface="BM JUA OTF" panose="02020603020101020101" pitchFamily="18" charset="-127"/>
-              <a:ea typeface="BM JUA OTF" panose="02020603020101020101" pitchFamily="18" charset="-127"/>
-            </a:endParaRPr>
-          </a:p>
-          <a:p>
-            <a:pPr algn="ctr"/>
-            <a:r>
-              <a:rPr kumimoji="1" lang="ko-KR" altLang="en-US" sz="2000" dirty="0">
-                <a:solidFill>
-                  <a:schemeClr val="tx1">
-                    <a:lumMod val="50000"/>
-                    <a:lumOff val="50000"/>
-                  </a:schemeClr>
-                </a:solidFill>
-                <a:latin typeface="BM JUA OTF" panose="02020603020101020101" pitchFamily="18" charset="-127"/>
-                <a:ea typeface="BM JUA OTF" panose="02020603020101020101" pitchFamily="18" charset="-127"/>
-              </a:rPr>
-              <a:t>일교차 높음</a:t>
-            </a:r>
-            <a:endParaRPr kumimoji="1" lang="en-US" altLang="ko-KR" sz="2000" dirty="0">
-              <a:solidFill>
-                <a:schemeClr val="tx1">
-                  <a:lumMod val="50000"/>
-                  <a:lumOff val="50000"/>
-                </a:schemeClr>
-              </a:solidFill>
-              <a:latin typeface="BM JUA OTF" panose="02020603020101020101" pitchFamily="18" charset="-127"/>
-              <a:ea typeface="BM JUA OTF" panose="02020603020101020101" pitchFamily="18" charset="-127"/>
-            </a:endParaRPr>
-          </a:p>
-        </p:txBody>
-      </p:sp>
-      <p:pic>
-        <p:nvPicPr>
-          <p:cNvPr id="29" name="그림 28">
-            <a:extLst>
-              <a:ext uri="{FF2B5EF4-FFF2-40B4-BE49-F238E27FC236}">
-                <a16:creationId xmlns:a16="http://schemas.microsoft.com/office/drawing/2014/main" id="{47F74EAD-8BBB-518A-F872-ACE764A99AC4}"/>
-              </a:ext>
-            </a:extLst>
-          </p:cNvPr>
-          <p:cNvPicPr>
-            <a:picLocks noChangeAspect="1"/>
-          </p:cNvPicPr>
-          <p:nvPr/>
-        </p:nvPicPr>
-        <p:blipFill>
-          <a:blip r:embed="rId4"/>
-          <a:stretch>
-            <a:fillRect/>
-          </a:stretch>
-        </p:blipFill>
-        <p:spPr>
-          <a:xfrm>
-            <a:off x="708453" y="3829700"/>
-            <a:ext cx="576608" cy="576608"/>
-          </a:xfrm>
-          <a:prstGeom prst="rect">
-            <a:avLst/>
-          </a:prstGeom>
-        </p:spPr>
-      </p:pic>
-      <p:sp>
-        <p:nvSpPr>
-          <p:cNvPr id="30" name="TextBox 29">
-            <a:extLst>
-              <a:ext uri="{FF2B5EF4-FFF2-40B4-BE49-F238E27FC236}">
-                <a16:creationId xmlns:a16="http://schemas.microsoft.com/office/drawing/2014/main" id="{0870464A-86D9-6D2F-1CC6-DE1DEE75DD3E}"/>
-              </a:ext>
-            </a:extLst>
-          </p:cNvPr>
-          <p:cNvSpPr txBox="1"/>
-          <p:nvPr/>
-        </p:nvSpPr>
-        <p:spPr>
-          <a:xfrm>
-            <a:off x="996757" y="3254533"/>
-            <a:ext cx="599844" cy="400110"/>
-          </a:xfrm>
-          <a:prstGeom prst="rect">
-            <a:avLst/>
-          </a:prstGeom>
-          <a:noFill/>
-        </p:spPr>
-        <p:txBody>
-          <a:bodyPr wrap="none" rtlCol="0">
-            <a:spAutoFit/>
-          </a:bodyPr>
-          <a:lstStyle/>
-          <a:p>
-            <a:pPr algn="ctr"/>
-            <a:r>
-              <a:rPr kumimoji="1" lang="ko-KR" altLang="en-US" sz="2000" dirty="0">
-                <a:solidFill>
-                  <a:schemeClr val="tx1">
-                    <a:lumMod val="50000"/>
-                    <a:lumOff val="50000"/>
-                  </a:schemeClr>
-                </a:solidFill>
-                <a:latin typeface="BM JUA OTF" panose="02020603020101020101" pitchFamily="18" charset="-127"/>
-                <a:ea typeface="BM JUA OTF" panose="02020603020101020101" pitchFamily="18" charset="-127"/>
-              </a:rPr>
-              <a:t>습도</a:t>
-            </a:r>
-            <a:endParaRPr kumimoji="1" lang="en-US" altLang="ko-KR" sz="2000" dirty="0">
-              <a:solidFill>
-                <a:schemeClr val="tx1">
-                  <a:lumMod val="50000"/>
-                  <a:lumOff val="50000"/>
-                </a:schemeClr>
-              </a:solidFill>
-              <a:latin typeface="BM JUA OTF" panose="02020603020101020101" pitchFamily="18" charset="-127"/>
-              <a:ea typeface="BM JUA OTF" panose="02020603020101020101" pitchFamily="18" charset="-127"/>
-            </a:endParaRPr>
-          </a:p>
-        </p:txBody>
-      </p:sp>
-      <p:sp>
-        <p:nvSpPr>
-          <p:cNvPr id="31" name="TextBox 30">
-            <a:extLst>
-              <a:ext uri="{FF2B5EF4-FFF2-40B4-BE49-F238E27FC236}">
-                <a16:creationId xmlns:a16="http://schemas.microsoft.com/office/drawing/2014/main" id="{079D6C92-335D-6C00-61D8-54600AD6B31A}"/>
-              </a:ext>
-            </a:extLst>
-          </p:cNvPr>
-          <p:cNvSpPr txBox="1"/>
-          <p:nvPr/>
-        </p:nvSpPr>
-        <p:spPr>
-          <a:xfrm>
-            <a:off x="1242529" y="3736584"/>
-            <a:ext cx="699230" cy="400110"/>
-          </a:xfrm>
-          <a:prstGeom prst="rect">
-            <a:avLst/>
-          </a:prstGeom>
-          <a:noFill/>
-        </p:spPr>
-        <p:txBody>
-          <a:bodyPr wrap="none" rtlCol="0">
-            <a:spAutoFit/>
-          </a:bodyPr>
-          <a:lstStyle/>
-          <a:p>
-            <a:pPr algn="ctr"/>
-            <a:r>
-              <a:rPr kumimoji="1" lang="en-US" altLang="ko-KR" sz="2000" dirty="0">
-                <a:solidFill>
-                  <a:schemeClr val="tx1">
-                    <a:lumMod val="50000"/>
-                    <a:lumOff val="50000"/>
-                  </a:schemeClr>
-                </a:solidFill>
-                <a:latin typeface="BM JUA OTF" panose="02020603020101020101" pitchFamily="18" charset="-127"/>
-                <a:ea typeface="BM JUA OTF" panose="02020603020101020101" pitchFamily="18" charset="-127"/>
-              </a:rPr>
-              <a:t>60%</a:t>
-            </a:r>
-          </a:p>
-        </p:txBody>
-      </p:sp>
-      <p:sp>
-        <p:nvSpPr>
-          <p:cNvPr id="32" name="TextBox 31">
-            <a:extLst>
-              <a:ext uri="{FF2B5EF4-FFF2-40B4-BE49-F238E27FC236}">
-                <a16:creationId xmlns:a16="http://schemas.microsoft.com/office/drawing/2014/main" id="{9FA14B70-5815-C0A6-F7FF-DEBF2FDE9A25}"/>
-              </a:ext>
-            </a:extLst>
-          </p:cNvPr>
-          <p:cNvSpPr txBox="1"/>
-          <p:nvPr/>
-        </p:nvSpPr>
-        <p:spPr>
-          <a:xfrm>
-            <a:off x="1309223" y="4052563"/>
-            <a:ext cx="545341" cy="369332"/>
-          </a:xfrm>
-          <a:prstGeom prst="rect">
-            <a:avLst/>
-          </a:prstGeom>
-          <a:noFill/>
-        </p:spPr>
-        <p:txBody>
-          <a:bodyPr wrap="none" rtlCol="0">
-            <a:spAutoFit/>
-          </a:bodyPr>
-          <a:lstStyle/>
-          <a:p>
-            <a:pPr algn="ctr"/>
-            <a:r>
-              <a:rPr kumimoji="1" lang="ko-KR" altLang="en-US" dirty="0">
-                <a:solidFill>
-                  <a:schemeClr val="tx1">
-                    <a:lumMod val="50000"/>
-                    <a:lumOff val="50000"/>
-                  </a:schemeClr>
-                </a:solidFill>
-                <a:latin typeface="BM JUA OTF" panose="02020603020101020101" pitchFamily="18" charset="-127"/>
-                <a:ea typeface="BM JUA OTF" panose="02020603020101020101" pitchFamily="18" charset="-127"/>
-              </a:rPr>
-              <a:t>높음</a:t>
-            </a:r>
-            <a:endParaRPr kumimoji="1" lang="en-US" altLang="ko-KR" dirty="0">
-              <a:solidFill>
-                <a:schemeClr val="tx1">
-                  <a:lumMod val="50000"/>
-                  <a:lumOff val="50000"/>
-                </a:schemeClr>
-              </a:solidFill>
-              <a:latin typeface="BM JUA OTF" panose="02020603020101020101" pitchFamily="18" charset="-127"/>
-              <a:ea typeface="BM JUA OTF" panose="02020603020101020101" pitchFamily="18" charset="-127"/>
-            </a:endParaRPr>
-          </a:p>
-        </p:txBody>
-      </p:sp>
-      <p:sp>
-        <p:nvSpPr>
-          <p:cNvPr id="34" name="TextBox 33">
-            <a:extLst>
-              <a:ext uri="{FF2B5EF4-FFF2-40B4-BE49-F238E27FC236}">
-                <a16:creationId xmlns:a16="http://schemas.microsoft.com/office/drawing/2014/main" id="{57C20883-57C8-3612-024A-B15F524B0148}"/>
-              </a:ext>
-            </a:extLst>
-          </p:cNvPr>
-          <p:cNvSpPr txBox="1"/>
-          <p:nvPr/>
-        </p:nvSpPr>
-        <p:spPr>
-          <a:xfrm>
-            <a:off x="2985172" y="3229046"/>
-            <a:ext cx="607859" cy="400110"/>
-          </a:xfrm>
-          <a:prstGeom prst="rect">
-            <a:avLst/>
-          </a:prstGeom>
-          <a:noFill/>
-        </p:spPr>
-        <p:txBody>
-          <a:bodyPr wrap="none" rtlCol="0">
-            <a:spAutoFit/>
-          </a:bodyPr>
-          <a:lstStyle/>
-          <a:p>
-            <a:pPr algn="ctr"/>
-            <a:r>
-              <a:rPr kumimoji="1" lang="ko-KR" altLang="en-US" sz="2000" dirty="0">
-                <a:solidFill>
-                  <a:schemeClr val="tx1">
-                    <a:lumMod val="50000"/>
-                    <a:lumOff val="50000"/>
-                  </a:schemeClr>
-                </a:solidFill>
-                <a:latin typeface="BM JUA OTF" panose="02020603020101020101" pitchFamily="18" charset="-127"/>
-                <a:ea typeface="BM JUA OTF" panose="02020603020101020101" pitchFamily="18" charset="-127"/>
-              </a:rPr>
-              <a:t>풍속</a:t>
-            </a:r>
-            <a:endParaRPr kumimoji="1" lang="en-US" altLang="ko-KR" sz="2000" dirty="0">
-              <a:solidFill>
-                <a:schemeClr val="tx1">
-                  <a:lumMod val="50000"/>
-                  <a:lumOff val="50000"/>
-                </a:schemeClr>
-              </a:solidFill>
-              <a:latin typeface="BM JUA OTF" panose="02020603020101020101" pitchFamily="18" charset="-127"/>
-              <a:ea typeface="BM JUA OTF" panose="02020603020101020101" pitchFamily="18" charset="-127"/>
-            </a:endParaRPr>
-          </a:p>
-        </p:txBody>
-      </p:sp>
-      <p:sp>
-        <p:nvSpPr>
-          <p:cNvPr id="35" name="TextBox 34">
-            <a:extLst>
-              <a:ext uri="{FF2B5EF4-FFF2-40B4-BE49-F238E27FC236}">
-                <a16:creationId xmlns:a16="http://schemas.microsoft.com/office/drawing/2014/main" id="{6B61FEDE-59FB-1509-42D7-168E348F4EFD}"/>
-              </a:ext>
-            </a:extLst>
-          </p:cNvPr>
-          <p:cNvSpPr txBox="1"/>
-          <p:nvPr/>
-        </p:nvSpPr>
-        <p:spPr>
-          <a:xfrm>
-            <a:off x="3201850" y="3711097"/>
-            <a:ext cx="941283" cy="400110"/>
-          </a:xfrm>
-          <a:prstGeom prst="rect">
-            <a:avLst/>
-          </a:prstGeom>
-          <a:noFill/>
-        </p:spPr>
-        <p:txBody>
-          <a:bodyPr wrap="none" rtlCol="0">
-            <a:spAutoFit/>
-          </a:bodyPr>
-          <a:lstStyle/>
-          <a:p>
-            <a:pPr algn="ctr"/>
-            <a:r>
-              <a:rPr kumimoji="1" lang="en-US" altLang="ko-KR" sz="2000" dirty="0">
-                <a:solidFill>
-                  <a:schemeClr val="tx1">
-                    <a:lumMod val="50000"/>
-                    <a:lumOff val="50000"/>
-                  </a:schemeClr>
-                </a:solidFill>
-                <a:latin typeface="BM JUA OTF" panose="02020603020101020101" pitchFamily="18" charset="-127"/>
-                <a:ea typeface="BM JUA OTF" panose="02020603020101020101" pitchFamily="18" charset="-127"/>
-              </a:rPr>
-              <a:t>5.0m/s</a:t>
-            </a:r>
-          </a:p>
-        </p:txBody>
-      </p:sp>
-      <p:sp>
-        <p:nvSpPr>
-          <p:cNvPr id="36" name="TextBox 35">
-            <a:extLst>
-              <a:ext uri="{FF2B5EF4-FFF2-40B4-BE49-F238E27FC236}">
-                <a16:creationId xmlns:a16="http://schemas.microsoft.com/office/drawing/2014/main" id="{BD22EB5C-CAA4-40CA-9B38-36CE29F06E8E}"/>
-              </a:ext>
-            </a:extLst>
-          </p:cNvPr>
-          <p:cNvSpPr txBox="1"/>
-          <p:nvPr/>
-        </p:nvSpPr>
-        <p:spPr>
-          <a:xfrm>
-            <a:off x="3382354" y="4027076"/>
-            <a:ext cx="559770" cy="369332"/>
-          </a:xfrm>
-          <a:prstGeom prst="rect">
-            <a:avLst/>
-          </a:prstGeom>
-          <a:noFill/>
-        </p:spPr>
-        <p:txBody>
-          <a:bodyPr wrap="none" rtlCol="0">
-            <a:spAutoFit/>
-          </a:bodyPr>
-          <a:lstStyle/>
-          <a:p>
-            <a:pPr algn="ctr"/>
-            <a:r>
-              <a:rPr kumimoji="1" lang="ko-KR" altLang="en-US" dirty="0">
-                <a:solidFill>
-                  <a:schemeClr val="tx1">
-                    <a:lumMod val="50000"/>
-                    <a:lumOff val="50000"/>
-                  </a:schemeClr>
-                </a:solidFill>
-                <a:latin typeface="BM JUA OTF" panose="02020603020101020101" pitchFamily="18" charset="-127"/>
-                <a:ea typeface="BM JUA OTF" panose="02020603020101020101" pitchFamily="18" charset="-127"/>
-              </a:rPr>
-              <a:t>보통</a:t>
-            </a:r>
-            <a:endParaRPr kumimoji="1" lang="en-US" altLang="ko-KR" dirty="0">
-              <a:solidFill>
-                <a:schemeClr val="tx1">
-                  <a:lumMod val="50000"/>
-                  <a:lumOff val="50000"/>
-                </a:schemeClr>
-              </a:solidFill>
-              <a:latin typeface="BM JUA OTF" panose="02020603020101020101" pitchFamily="18" charset="-127"/>
-              <a:ea typeface="BM JUA OTF" panose="02020603020101020101" pitchFamily="18" charset="-127"/>
-            </a:endParaRPr>
-          </a:p>
-        </p:txBody>
-      </p:sp>
-      <p:pic>
-        <p:nvPicPr>
-          <p:cNvPr id="38" name="그림 37">
-            <a:extLst>
-              <a:ext uri="{FF2B5EF4-FFF2-40B4-BE49-F238E27FC236}">
-                <a16:creationId xmlns:a16="http://schemas.microsoft.com/office/drawing/2014/main" id="{382367EF-B98C-2EA7-15E2-5AD59B5A75BD}"/>
-              </a:ext>
-            </a:extLst>
-          </p:cNvPr>
-          <p:cNvPicPr>
-            <a:picLocks noChangeAspect="1"/>
-          </p:cNvPicPr>
-          <p:nvPr/>
-        </p:nvPicPr>
-        <p:blipFill>
-          <a:blip r:embed="rId5"/>
-          <a:stretch>
-            <a:fillRect/>
-          </a:stretch>
-        </p:blipFill>
-        <p:spPr>
-          <a:xfrm>
-            <a:off x="2475835" y="3646444"/>
-            <a:ext cx="759864" cy="759864"/>
+            <a:off x="2958916" y="530625"/>
+            <a:ext cx="393620" cy="393620"/>
           </a:xfrm>
           <a:prstGeom prst="rect">
             <a:avLst/>
@@ -4150,14 +4009,14 @@
           <p:nvPr/>
         </p:nvPicPr>
         <p:blipFill>
-          <a:blip r:embed="rId6"/>
+          <a:blip r:embed="rId4"/>
           <a:srcRect/>
           <a:stretch/>
         </p:blipFill>
         <p:spPr>
           <a:xfrm>
-            <a:off x="4869148" y="3738772"/>
-            <a:ext cx="576608" cy="576608"/>
+            <a:off x="3999533" y="529290"/>
+            <a:ext cx="405584" cy="405584"/>
           </a:xfrm>
           <a:prstGeom prst="rect">
             <a:avLst/>
@@ -4178,8 +4037,8 @@
         </p:nvSpPr>
         <p:spPr>
           <a:xfrm>
-            <a:off x="5045244" y="3218803"/>
-            <a:ext cx="816250" cy="400110"/>
+            <a:off x="3911745" y="290937"/>
+            <a:ext cx="603050" cy="276999"/>
           </a:xfrm>
           <a:prstGeom prst="rect">
             <a:avLst/>
@@ -4194,27 +4053,27 @@
           <a:p>
             <a:pPr algn="ctr"/>
             <a:r>
-              <a:rPr kumimoji="1" lang="ko-KR" altLang="en-US" sz="2000" dirty="0">
+              <a:rPr kumimoji="1" lang="ko-KR" altLang="en-US" sz="1200" dirty="0">
                 <a:solidFill>
                   <a:schemeClr val="tx1">
                     <a:lumMod val="50000"/>
                     <a:lumOff val="50000"/>
                   </a:schemeClr>
                 </a:solidFill>
-                <a:latin typeface="BM JUA OTF" panose="02020603020101020101" pitchFamily="18" charset="-127"/>
-                <a:ea typeface="BM JUA OTF" panose="02020603020101020101" pitchFamily="18" charset="-127"/>
+                <a:latin typeface="나눔스퀘어 Bold" panose="020B0600000101010101" pitchFamily="50" charset="-127"/>
+                <a:ea typeface="나눔스퀘어 Bold" panose="020B0600000101010101" pitchFamily="50" charset="-127"/>
               </a:rPr>
               <a:t>자외선</a:t>
             </a:r>
-            <a:endParaRPr kumimoji="1" lang="en-US" altLang="ko-KR" sz="2000" dirty="0">
+            <a:endParaRPr kumimoji="1" lang="en-US" altLang="ko-KR" sz="1200" dirty="0">
               <a:solidFill>
                 <a:schemeClr val="tx1">
                   <a:lumMod val="50000"/>
                   <a:lumOff val="50000"/>
                 </a:schemeClr>
               </a:solidFill>
-              <a:latin typeface="BM JUA OTF" panose="02020603020101020101" pitchFamily="18" charset="-127"/>
-              <a:ea typeface="BM JUA OTF" panose="02020603020101020101" pitchFamily="18" charset="-127"/>
+              <a:latin typeface="나눔스퀘어 Bold" panose="020B0600000101010101" pitchFamily="50" charset="-127"/>
+              <a:ea typeface="나눔스퀘어 Bold" panose="020B0600000101010101" pitchFamily="50" charset="-127"/>
             </a:endParaRPr>
           </a:p>
         </p:txBody>
@@ -4233,8 +4092,8 @@
         </p:nvSpPr>
         <p:spPr>
           <a:xfrm>
-            <a:off x="5538605" y="3869904"/>
-            <a:ext cx="583814" cy="369332"/>
+            <a:off x="3986316" y="935968"/>
+            <a:ext cx="453970" cy="269433"/>
           </a:xfrm>
           <a:prstGeom prst="rect">
             <a:avLst/>
@@ -4249,27 +4108,1439 @@
           <a:p>
             <a:pPr algn="ctr"/>
             <a:r>
-              <a:rPr kumimoji="1" lang="ko-KR" altLang="en-US" dirty="0">
+              <a:rPr kumimoji="1" lang="ko-KR" altLang="en-US" sz="1151" dirty="0">
                 <a:solidFill>
                   <a:schemeClr val="tx1">
                     <a:lumMod val="50000"/>
                     <a:lumOff val="50000"/>
                   </a:schemeClr>
                 </a:solidFill>
-                <a:latin typeface="BM JUA OTF" panose="02020603020101020101" pitchFamily="18" charset="-127"/>
-                <a:ea typeface="BM JUA OTF" panose="02020603020101020101" pitchFamily="18" charset="-127"/>
+                <a:latin typeface="나눔스퀘어 Bold" panose="020B0600000101010101" pitchFamily="50" charset="-127"/>
+                <a:ea typeface="나눔스퀘어 Bold" panose="020B0600000101010101" pitchFamily="50" charset="-127"/>
               </a:rPr>
               <a:t>강함</a:t>
             </a:r>
-            <a:endParaRPr kumimoji="1" lang="en-US" altLang="ko-KR" dirty="0">
+            <a:endParaRPr kumimoji="1" lang="en-US" altLang="ko-KR" sz="1151" dirty="0">
               <a:solidFill>
                 <a:schemeClr val="tx1">
                   <a:lumMod val="50000"/>
                   <a:lumOff val="50000"/>
                 </a:schemeClr>
               </a:solidFill>
-              <a:latin typeface="BM JUA OTF" panose="02020603020101020101" pitchFamily="18" charset="-127"/>
-              <a:ea typeface="BM JUA OTF" panose="02020603020101020101" pitchFamily="18" charset="-127"/>
+              <a:latin typeface="나눔스퀘어 Bold" panose="020B0600000101010101" pitchFamily="50" charset="-127"/>
+              <a:ea typeface="나눔스퀘어 Bold" panose="020B0600000101010101" pitchFamily="50" charset="-127"/>
+            </a:endParaRPr>
+          </a:p>
+        </p:txBody>
+      </p:sp>
+      <p:sp>
+        <p:nvSpPr>
+          <p:cNvPr id="21" name="TextBox 20">
+            <a:extLst>
+              <a:ext uri="{FF2B5EF4-FFF2-40B4-BE49-F238E27FC236}">
+                <a16:creationId xmlns:a16="http://schemas.microsoft.com/office/drawing/2014/main" id="{0870464A-86D9-6D2F-1CC6-DE1DEE75DD3E}"/>
+              </a:ext>
+            </a:extLst>
+          </p:cNvPr>
+          <p:cNvSpPr txBox="1"/>
+          <p:nvPr/>
+        </p:nvSpPr>
+        <p:spPr>
+          <a:xfrm>
+            <a:off x="713615" y="288796"/>
+            <a:ext cx="742511" cy="276999"/>
+          </a:xfrm>
+          <a:prstGeom prst="rect">
+            <a:avLst/>
+          </a:prstGeom>
+          <a:noFill/>
+        </p:spPr>
+        <p:txBody>
+          <a:bodyPr wrap="none" rtlCol="0">
+            <a:spAutoFit/>
+          </a:bodyPr>
+          <a:lstStyle/>
+          <a:p>
+            <a:pPr algn="ctr"/>
+            <a:r>
+              <a:rPr kumimoji="1" lang="ko-KR" altLang="en-US" sz="1200" dirty="0" smtClean="0">
+                <a:solidFill>
+                  <a:schemeClr val="tx1">
+                    <a:lumMod val="50000"/>
+                    <a:lumOff val="50000"/>
+                  </a:schemeClr>
+                </a:solidFill>
+                <a:latin typeface="나눔스퀘어 Bold" panose="020B0600000101010101" pitchFamily="50" charset="-127"/>
+                <a:ea typeface="나눔스퀘어 Bold" panose="020B0600000101010101" pitchFamily="50" charset="-127"/>
+              </a:rPr>
+              <a:t>미세먼지</a:t>
+            </a:r>
+            <a:endParaRPr kumimoji="1" lang="en-US" altLang="ko-KR" sz="1200" dirty="0">
+              <a:solidFill>
+                <a:schemeClr val="tx1">
+                  <a:lumMod val="50000"/>
+                  <a:lumOff val="50000"/>
+                </a:schemeClr>
+              </a:solidFill>
+              <a:latin typeface="나눔스퀘어 Bold" panose="020B0600000101010101" pitchFamily="50" charset="-127"/>
+              <a:ea typeface="나눔스퀘어 Bold" panose="020B0600000101010101" pitchFamily="50" charset="-127"/>
+            </a:endParaRPr>
+          </a:p>
+        </p:txBody>
+      </p:sp>
+      <p:pic>
+        <p:nvPicPr>
+          <p:cNvPr id="5" name="그림 4"/>
+          <p:cNvPicPr>
+            <a:picLocks noChangeAspect="1"/>
+          </p:cNvPicPr>
+          <p:nvPr/>
+        </p:nvPicPr>
+        <p:blipFill>
+          <a:blip r:embed="rId5">
+            <a:extLst>
+              <a:ext uri="{28A0092B-C50C-407E-A947-70E740481C1C}">
+                <a14:useLocalDpi xmlns:a14="http://schemas.microsoft.com/office/drawing/2010/main" val="0"/>
+              </a:ext>
+            </a:extLst>
+          </a:blip>
+          <a:stretch>
+            <a:fillRect/>
+          </a:stretch>
+        </p:blipFill>
+        <p:spPr>
+          <a:xfrm>
+            <a:off x="906145" y="560314"/>
+            <a:ext cx="334003" cy="334003"/>
+          </a:xfrm>
+          <a:prstGeom prst="rect">
+            <a:avLst/>
+          </a:prstGeom>
+        </p:spPr>
+      </p:pic>
+      <p:sp>
+        <p:nvSpPr>
+          <p:cNvPr id="25" name="TextBox 24">
+            <a:extLst>
+              <a:ext uri="{FF2B5EF4-FFF2-40B4-BE49-F238E27FC236}">
+                <a16:creationId xmlns:a16="http://schemas.microsoft.com/office/drawing/2014/main" id="{9FA14B70-5815-C0A6-F7FF-DEBF2FDE9A25}"/>
+              </a:ext>
+            </a:extLst>
+          </p:cNvPr>
+          <p:cNvSpPr txBox="1"/>
+          <p:nvPr/>
+        </p:nvSpPr>
+        <p:spPr>
+          <a:xfrm>
+            <a:off x="857885" y="939015"/>
+            <a:ext cx="453971" cy="269433"/>
+          </a:xfrm>
+          <a:prstGeom prst="rect">
+            <a:avLst/>
+          </a:prstGeom>
+          <a:noFill/>
+        </p:spPr>
+        <p:txBody>
+          <a:bodyPr wrap="none" rtlCol="0">
+            <a:spAutoFit/>
+          </a:bodyPr>
+          <a:lstStyle/>
+          <a:p>
+            <a:pPr algn="ctr"/>
+            <a:r>
+              <a:rPr kumimoji="1" lang="ko-KR" altLang="en-US" sz="1151" dirty="0" smtClean="0">
+                <a:solidFill>
+                  <a:schemeClr val="tx1">
+                    <a:lumMod val="50000"/>
+                    <a:lumOff val="50000"/>
+                  </a:schemeClr>
+                </a:solidFill>
+                <a:latin typeface="나눔스퀘어 Bold" panose="020B0600000101010101" pitchFamily="50" charset="-127"/>
+                <a:ea typeface="나눔스퀘어 Bold" panose="020B0600000101010101" pitchFamily="50" charset="-127"/>
+              </a:rPr>
+              <a:t>나쁨</a:t>
+            </a:r>
+            <a:endParaRPr kumimoji="1" lang="en-US" altLang="ko-KR" sz="1151" dirty="0">
+              <a:solidFill>
+                <a:schemeClr val="tx1">
+                  <a:lumMod val="50000"/>
+                  <a:lumOff val="50000"/>
+                </a:schemeClr>
+              </a:solidFill>
+              <a:latin typeface="나눔스퀘어 Bold" panose="020B0600000101010101" pitchFamily="50" charset="-127"/>
+              <a:ea typeface="나눔스퀘어 Bold" panose="020B0600000101010101" pitchFamily="50" charset="-127"/>
+            </a:endParaRPr>
+          </a:p>
+        </p:txBody>
+      </p:sp>
+      <p:cxnSp>
+        <p:nvCxnSpPr>
+          <p:cNvPr id="7" name="직선 연결선 6"/>
+          <p:cNvCxnSpPr/>
+          <p:nvPr/>
+        </p:nvCxnSpPr>
+        <p:spPr>
+          <a:xfrm>
+            <a:off x="1571283" y="363416"/>
+            <a:ext cx="0" cy="714653"/>
+          </a:xfrm>
+          <a:prstGeom prst="line">
+            <a:avLst/>
+          </a:prstGeom>
+          <a:ln>
+            <a:solidFill>
+              <a:schemeClr val="bg1">
+                <a:lumMod val="85000"/>
+              </a:schemeClr>
+            </a:solidFill>
+          </a:ln>
+        </p:spPr>
+        <p:style>
+          <a:lnRef idx="1">
+            <a:schemeClr val="accent1"/>
+          </a:lnRef>
+          <a:fillRef idx="0">
+            <a:schemeClr val="accent1"/>
+          </a:fillRef>
+          <a:effectRef idx="0">
+            <a:schemeClr val="accent1"/>
+          </a:effectRef>
+          <a:fontRef idx="minor">
+            <a:schemeClr val="tx1"/>
+          </a:fontRef>
+        </p:style>
+      </p:cxnSp>
+      <p:cxnSp>
+        <p:nvCxnSpPr>
+          <p:cNvPr id="28" name="직선 연결선 27"/>
+          <p:cNvCxnSpPr/>
+          <p:nvPr/>
+        </p:nvCxnSpPr>
+        <p:spPr>
+          <a:xfrm>
+            <a:off x="2564826" y="363416"/>
+            <a:ext cx="0" cy="714653"/>
+          </a:xfrm>
+          <a:prstGeom prst="line">
+            <a:avLst/>
+          </a:prstGeom>
+          <a:ln>
+            <a:solidFill>
+              <a:schemeClr val="bg1">
+                <a:lumMod val="85000"/>
+              </a:schemeClr>
+            </a:solidFill>
+          </a:ln>
+        </p:spPr>
+        <p:style>
+          <a:lnRef idx="1">
+            <a:schemeClr val="accent1"/>
+          </a:lnRef>
+          <a:fillRef idx="0">
+            <a:schemeClr val="accent1"/>
+          </a:fillRef>
+          <a:effectRef idx="0">
+            <a:schemeClr val="accent1"/>
+          </a:effectRef>
+          <a:fontRef idx="minor">
+            <a:schemeClr val="tx1"/>
+          </a:fontRef>
+        </p:style>
+      </p:cxnSp>
+      <p:cxnSp>
+        <p:nvCxnSpPr>
+          <p:cNvPr id="33" name="직선 연결선 32"/>
+          <p:cNvCxnSpPr/>
+          <p:nvPr/>
+        </p:nvCxnSpPr>
+        <p:spPr>
+          <a:xfrm>
+            <a:off x="3655073" y="363416"/>
+            <a:ext cx="0" cy="714653"/>
+          </a:xfrm>
+          <a:prstGeom prst="line">
+            <a:avLst/>
+          </a:prstGeom>
+          <a:ln>
+            <a:solidFill>
+              <a:schemeClr val="bg1">
+                <a:lumMod val="85000"/>
+              </a:schemeClr>
+            </a:solidFill>
+          </a:ln>
+        </p:spPr>
+        <p:style>
+          <a:lnRef idx="1">
+            <a:schemeClr val="accent1"/>
+          </a:lnRef>
+          <a:fillRef idx="0">
+            <a:schemeClr val="accent1"/>
+          </a:fillRef>
+          <a:effectRef idx="0">
+            <a:schemeClr val="accent1"/>
+          </a:effectRef>
+          <a:fontRef idx="minor">
+            <a:schemeClr val="tx1"/>
+          </a:fontRef>
+        </p:style>
+      </p:cxnSp>
+      <p:sp>
+        <p:nvSpPr>
+          <p:cNvPr id="73" name="모서리가 둥근 직사각형 72"/>
+          <p:cNvSpPr/>
+          <p:nvPr/>
+        </p:nvSpPr>
+        <p:spPr>
+          <a:xfrm>
+            <a:off x="572939" y="1590345"/>
+            <a:ext cx="4043500" cy="962263"/>
+          </a:xfrm>
+          <a:prstGeom prst="roundRect">
+            <a:avLst>
+              <a:gd name="adj" fmla="val 8334"/>
+            </a:avLst>
+          </a:prstGeom>
+          <a:solidFill>
+            <a:schemeClr val="bg1"/>
+          </a:solidFill>
+          <a:ln>
+            <a:noFill/>
+          </a:ln>
+          <a:effectLst>
+            <a:outerShdw blurRad="88900" sx="101000" sy="101000" algn="ctr" rotWithShape="0">
+              <a:prstClr val="black">
+                <a:alpha val="30000"/>
+              </a:prstClr>
+            </a:outerShdw>
+          </a:effectLst>
+        </p:spPr>
+        <p:style>
+          <a:lnRef idx="2">
+            <a:schemeClr val="accent1">
+              <a:shade val="50000"/>
+            </a:schemeClr>
+          </a:lnRef>
+          <a:fillRef idx="1">
+            <a:schemeClr val="accent1"/>
+          </a:fillRef>
+          <a:effectRef idx="0">
+            <a:schemeClr val="accent1"/>
+          </a:effectRef>
+          <a:fontRef idx="minor">
+            <a:schemeClr val="lt1"/>
+          </a:fontRef>
+        </p:style>
+        <p:txBody>
+          <a:bodyPr rtlCol="0" anchor="ctr"/>
+          <a:lstStyle/>
+          <a:p>
+            <a:pPr algn="ctr"/>
+            <a:endParaRPr lang="ko-KR" altLang="en-US"/>
+          </a:p>
+        </p:txBody>
+      </p:sp>
+      <p:sp>
+        <p:nvSpPr>
+          <p:cNvPr id="83" name="TextBox 82">
+            <a:extLst>
+              <a:ext uri="{FF2B5EF4-FFF2-40B4-BE49-F238E27FC236}">
+                <a16:creationId xmlns:a16="http://schemas.microsoft.com/office/drawing/2014/main" id="{0870464A-86D9-6D2F-1CC6-DE1DEE75DD3E}"/>
+              </a:ext>
+            </a:extLst>
+          </p:cNvPr>
+          <p:cNvSpPr txBox="1"/>
+          <p:nvPr/>
+        </p:nvSpPr>
+        <p:spPr>
+          <a:xfrm>
+            <a:off x="711000" y="1632956"/>
+            <a:ext cx="513282" cy="276999"/>
+          </a:xfrm>
+          <a:prstGeom prst="rect">
+            <a:avLst/>
+          </a:prstGeom>
+          <a:noFill/>
+        </p:spPr>
+        <p:txBody>
+          <a:bodyPr wrap="none" rtlCol="0">
+            <a:spAutoFit/>
+          </a:bodyPr>
+          <a:lstStyle/>
+          <a:p>
+            <a:pPr algn="ctr"/>
+            <a:r>
+              <a:rPr kumimoji="1" lang="en-US" altLang="ko-KR" sz="1200" dirty="0" smtClean="0">
+                <a:solidFill>
+                  <a:schemeClr val="tx1">
+                    <a:lumMod val="50000"/>
+                    <a:lumOff val="50000"/>
+                  </a:schemeClr>
+                </a:solidFill>
+                <a:latin typeface="나눔스퀘어 Bold" panose="020B0600000101010101" pitchFamily="50" charset="-127"/>
+                <a:ea typeface="나눔스퀘어 Bold" panose="020B0600000101010101" pitchFamily="50" charset="-127"/>
+              </a:rPr>
+              <a:t>18</a:t>
+            </a:r>
+            <a:r>
+              <a:rPr kumimoji="1" lang="ko-KR" altLang="en-US" sz="1200" dirty="0" smtClean="0">
+                <a:solidFill>
+                  <a:schemeClr val="tx1">
+                    <a:lumMod val="50000"/>
+                    <a:lumOff val="50000"/>
+                  </a:schemeClr>
+                </a:solidFill>
+                <a:latin typeface="나눔스퀘어 Bold" panose="020B0600000101010101" pitchFamily="50" charset="-127"/>
+                <a:ea typeface="나눔스퀘어 Bold" panose="020B0600000101010101" pitchFamily="50" charset="-127"/>
+              </a:rPr>
+              <a:t>시</a:t>
+            </a:r>
+            <a:endParaRPr kumimoji="1" lang="en-US" altLang="ko-KR" sz="1200" dirty="0">
+              <a:solidFill>
+                <a:schemeClr val="tx1">
+                  <a:lumMod val="50000"/>
+                  <a:lumOff val="50000"/>
+                </a:schemeClr>
+              </a:solidFill>
+              <a:latin typeface="나눔스퀘어 Bold" panose="020B0600000101010101" pitchFamily="50" charset="-127"/>
+              <a:ea typeface="나눔스퀘어 Bold" panose="020B0600000101010101" pitchFamily="50" charset="-127"/>
+            </a:endParaRPr>
+          </a:p>
+        </p:txBody>
+      </p:sp>
+      <p:sp>
+        <p:nvSpPr>
+          <p:cNvPr id="85" name="TextBox 84">
+            <a:extLst>
+              <a:ext uri="{FF2B5EF4-FFF2-40B4-BE49-F238E27FC236}">
+                <a16:creationId xmlns:a16="http://schemas.microsoft.com/office/drawing/2014/main" id="{9FA14B70-5815-C0A6-F7FF-DEBF2FDE9A25}"/>
+              </a:ext>
+            </a:extLst>
+          </p:cNvPr>
+          <p:cNvSpPr txBox="1"/>
+          <p:nvPr/>
+        </p:nvSpPr>
+        <p:spPr>
+          <a:xfrm>
+            <a:off x="718212" y="2283175"/>
+            <a:ext cx="498856" cy="269433"/>
+          </a:xfrm>
+          <a:prstGeom prst="rect">
+            <a:avLst/>
+          </a:prstGeom>
+          <a:noFill/>
+        </p:spPr>
+        <p:txBody>
+          <a:bodyPr wrap="none" rtlCol="0">
+            <a:spAutoFit/>
+          </a:bodyPr>
+          <a:lstStyle/>
+          <a:p>
+            <a:pPr algn="ctr"/>
+            <a:r>
+              <a:rPr kumimoji="1" lang="en-US" altLang="ko-KR" sz="1151" dirty="0" smtClean="0">
+                <a:solidFill>
+                  <a:schemeClr val="tx1">
+                    <a:lumMod val="50000"/>
+                    <a:lumOff val="50000"/>
+                  </a:schemeClr>
+                </a:solidFill>
+                <a:latin typeface="나눔스퀘어 Bold" panose="020B0600000101010101" pitchFamily="50" charset="-127"/>
+                <a:ea typeface="나눔스퀘어 Bold" panose="020B0600000101010101" pitchFamily="50" charset="-127"/>
+              </a:rPr>
+              <a:t>17</a:t>
+            </a:r>
+            <a:r>
+              <a:rPr kumimoji="1" lang="ko-KR" altLang="en-US" sz="1151" dirty="0" smtClean="0">
+                <a:solidFill>
+                  <a:schemeClr val="tx1">
+                    <a:lumMod val="50000"/>
+                    <a:lumOff val="50000"/>
+                  </a:schemeClr>
+                </a:solidFill>
+                <a:latin typeface="나눔스퀘어 Bold" panose="020B0600000101010101" pitchFamily="50" charset="-127"/>
+                <a:ea typeface="나눔스퀘어 Bold" panose="020B0600000101010101" pitchFamily="50" charset="-127"/>
+              </a:rPr>
+              <a:t>℃</a:t>
+            </a:r>
+            <a:endParaRPr kumimoji="1" lang="en-US" altLang="ko-KR" sz="1151" dirty="0">
+              <a:solidFill>
+                <a:schemeClr val="tx1">
+                  <a:lumMod val="50000"/>
+                  <a:lumOff val="50000"/>
+                </a:schemeClr>
+              </a:solidFill>
+              <a:latin typeface="나눔스퀘어 Bold" panose="020B0600000101010101" pitchFamily="50" charset="-127"/>
+              <a:ea typeface="나눔스퀘어 Bold" panose="020B0600000101010101" pitchFamily="50" charset="-127"/>
+            </a:endParaRPr>
+          </a:p>
+        </p:txBody>
+      </p:sp>
+      <p:sp>
+        <p:nvSpPr>
+          <p:cNvPr id="89" name="모서리가 둥근 직사각형 88"/>
+          <p:cNvSpPr/>
+          <p:nvPr/>
+        </p:nvSpPr>
+        <p:spPr>
+          <a:xfrm>
+            <a:off x="572939" y="2939180"/>
+            <a:ext cx="4043500" cy="5431097"/>
+          </a:xfrm>
+          <a:prstGeom prst="roundRect">
+            <a:avLst>
+              <a:gd name="adj" fmla="val 2673"/>
+            </a:avLst>
+          </a:prstGeom>
+          <a:solidFill>
+            <a:schemeClr val="bg1"/>
+          </a:solidFill>
+          <a:ln>
+            <a:noFill/>
+          </a:ln>
+          <a:effectLst>
+            <a:outerShdw blurRad="88900" sx="101000" sy="101000" algn="ctr" rotWithShape="0">
+              <a:prstClr val="black">
+                <a:alpha val="30000"/>
+              </a:prstClr>
+            </a:outerShdw>
+          </a:effectLst>
+        </p:spPr>
+        <p:style>
+          <a:lnRef idx="2">
+            <a:schemeClr val="accent1">
+              <a:shade val="50000"/>
+            </a:schemeClr>
+          </a:lnRef>
+          <a:fillRef idx="1">
+            <a:schemeClr val="accent1"/>
+          </a:fillRef>
+          <a:effectRef idx="0">
+            <a:schemeClr val="accent1"/>
+          </a:effectRef>
+          <a:fontRef idx="minor">
+            <a:schemeClr val="lt1"/>
+          </a:fontRef>
+        </p:style>
+        <p:txBody>
+          <a:bodyPr rtlCol="0" anchor="ctr"/>
+          <a:lstStyle/>
+          <a:p>
+            <a:pPr algn="ctr"/>
+            <a:endParaRPr lang="ko-KR" altLang="en-US"/>
+          </a:p>
+        </p:txBody>
+      </p:sp>
+      <p:pic>
+        <p:nvPicPr>
+          <p:cNvPr id="105" name="그림 104">
+            <a:extLst>
+              <a:ext uri="{FF2B5EF4-FFF2-40B4-BE49-F238E27FC236}">
+                <a16:creationId xmlns:a16="http://schemas.microsoft.com/office/drawing/2014/main" id="{A150B49E-D966-2E4D-D056-EBB892769A23}"/>
+              </a:ext>
+            </a:extLst>
+          </p:cNvPr>
+          <p:cNvPicPr>
+            <a:picLocks noChangeAspect="1"/>
+          </p:cNvPicPr>
+          <p:nvPr/>
+        </p:nvPicPr>
+        <p:blipFill>
+          <a:blip r:embed="rId6"/>
+          <a:stretch>
+            <a:fillRect/>
+          </a:stretch>
+        </p:blipFill>
+        <p:spPr>
+          <a:xfrm>
+            <a:off x="736923" y="1842574"/>
+            <a:ext cx="449277" cy="449277"/>
+          </a:xfrm>
+          <a:prstGeom prst="rect">
+            <a:avLst/>
+          </a:prstGeom>
+        </p:spPr>
+      </p:pic>
+      <p:sp>
+        <p:nvSpPr>
+          <p:cNvPr id="106" name="TextBox 105">
+            <a:extLst>
+              <a:ext uri="{FF2B5EF4-FFF2-40B4-BE49-F238E27FC236}">
+                <a16:creationId xmlns:a16="http://schemas.microsoft.com/office/drawing/2014/main" id="{0870464A-86D9-6D2F-1CC6-DE1DEE75DD3E}"/>
+              </a:ext>
+            </a:extLst>
+          </p:cNvPr>
+          <p:cNvSpPr txBox="1"/>
+          <p:nvPr/>
+        </p:nvSpPr>
+        <p:spPr>
+          <a:xfrm>
+            <a:off x="1367994" y="1632956"/>
+            <a:ext cx="513282" cy="276999"/>
+          </a:xfrm>
+          <a:prstGeom prst="rect">
+            <a:avLst/>
+          </a:prstGeom>
+          <a:noFill/>
+        </p:spPr>
+        <p:txBody>
+          <a:bodyPr wrap="none" rtlCol="0">
+            <a:spAutoFit/>
+          </a:bodyPr>
+          <a:lstStyle/>
+          <a:p>
+            <a:pPr algn="ctr"/>
+            <a:r>
+              <a:rPr kumimoji="1" lang="en-US" altLang="ko-KR" sz="1200" dirty="0" smtClean="0">
+                <a:solidFill>
+                  <a:schemeClr val="tx1">
+                    <a:lumMod val="50000"/>
+                    <a:lumOff val="50000"/>
+                  </a:schemeClr>
+                </a:solidFill>
+                <a:latin typeface="나눔스퀘어 Bold" panose="020B0600000101010101" pitchFamily="50" charset="-127"/>
+                <a:ea typeface="나눔스퀘어 Bold" panose="020B0600000101010101" pitchFamily="50" charset="-127"/>
+              </a:rPr>
+              <a:t>19</a:t>
+            </a:r>
+            <a:r>
+              <a:rPr kumimoji="1" lang="ko-KR" altLang="en-US" sz="1200" dirty="0" smtClean="0">
+                <a:solidFill>
+                  <a:schemeClr val="tx1">
+                    <a:lumMod val="50000"/>
+                    <a:lumOff val="50000"/>
+                  </a:schemeClr>
+                </a:solidFill>
+                <a:latin typeface="나눔스퀘어 Bold" panose="020B0600000101010101" pitchFamily="50" charset="-127"/>
+                <a:ea typeface="나눔스퀘어 Bold" panose="020B0600000101010101" pitchFamily="50" charset="-127"/>
+              </a:rPr>
+              <a:t>시</a:t>
+            </a:r>
+            <a:endParaRPr kumimoji="1" lang="en-US" altLang="ko-KR" sz="1200" dirty="0">
+              <a:solidFill>
+                <a:schemeClr val="tx1">
+                  <a:lumMod val="50000"/>
+                  <a:lumOff val="50000"/>
+                </a:schemeClr>
+              </a:solidFill>
+              <a:latin typeface="나눔스퀘어 Bold" panose="020B0600000101010101" pitchFamily="50" charset="-127"/>
+              <a:ea typeface="나눔스퀘어 Bold" panose="020B0600000101010101" pitchFamily="50" charset="-127"/>
+            </a:endParaRPr>
+          </a:p>
+        </p:txBody>
+      </p:sp>
+      <p:sp>
+        <p:nvSpPr>
+          <p:cNvPr id="107" name="TextBox 106">
+            <a:extLst>
+              <a:ext uri="{FF2B5EF4-FFF2-40B4-BE49-F238E27FC236}">
+                <a16:creationId xmlns:a16="http://schemas.microsoft.com/office/drawing/2014/main" id="{9FA14B70-5815-C0A6-F7FF-DEBF2FDE9A25}"/>
+              </a:ext>
+            </a:extLst>
+          </p:cNvPr>
+          <p:cNvSpPr txBox="1"/>
+          <p:nvPr/>
+        </p:nvSpPr>
+        <p:spPr>
+          <a:xfrm>
+            <a:off x="1380817" y="2283175"/>
+            <a:ext cx="487634" cy="269433"/>
+          </a:xfrm>
+          <a:prstGeom prst="rect">
+            <a:avLst/>
+          </a:prstGeom>
+          <a:noFill/>
+        </p:spPr>
+        <p:txBody>
+          <a:bodyPr wrap="none" rtlCol="0">
+            <a:spAutoFit/>
+          </a:bodyPr>
+          <a:lstStyle/>
+          <a:p>
+            <a:pPr algn="ctr"/>
+            <a:r>
+              <a:rPr kumimoji="1" lang="en-US" altLang="ko-KR" sz="1151" dirty="0" smtClean="0">
+                <a:solidFill>
+                  <a:schemeClr val="tx1">
+                    <a:lumMod val="50000"/>
+                    <a:lumOff val="50000"/>
+                  </a:schemeClr>
+                </a:solidFill>
+                <a:latin typeface="나눔스퀘어 Bold" panose="020B0600000101010101" pitchFamily="50" charset="-127"/>
+                <a:ea typeface="나눔스퀘어 Bold" panose="020B0600000101010101" pitchFamily="50" charset="-127"/>
+              </a:rPr>
+              <a:t>16</a:t>
+            </a:r>
+            <a:r>
+              <a:rPr kumimoji="1" lang="ko-KR" altLang="en-US" sz="1151" dirty="0" smtClean="0">
+                <a:solidFill>
+                  <a:schemeClr val="tx1">
+                    <a:lumMod val="50000"/>
+                    <a:lumOff val="50000"/>
+                  </a:schemeClr>
+                </a:solidFill>
+                <a:latin typeface="나눔스퀘어 Bold" panose="020B0600000101010101" pitchFamily="50" charset="-127"/>
+                <a:ea typeface="나눔스퀘어 Bold" panose="020B0600000101010101" pitchFamily="50" charset="-127"/>
+              </a:rPr>
+              <a:t>℃</a:t>
+            </a:r>
+            <a:endParaRPr kumimoji="1" lang="en-US" altLang="ko-KR" sz="1151" dirty="0">
+              <a:solidFill>
+                <a:schemeClr val="tx1">
+                  <a:lumMod val="50000"/>
+                  <a:lumOff val="50000"/>
+                </a:schemeClr>
+              </a:solidFill>
+              <a:latin typeface="나눔스퀘어 Bold" panose="020B0600000101010101" pitchFamily="50" charset="-127"/>
+              <a:ea typeface="나눔스퀘어 Bold" panose="020B0600000101010101" pitchFamily="50" charset="-127"/>
+            </a:endParaRPr>
+          </a:p>
+        </p:txBody>
+      </p:sp>
+      <p:pic>
+        <p:nvPicPr>
+          <p:cNvPr id="108" name="그림 107">
+            <a:extLst>
+              <a:ext uri="{FF2B5EF4-FFF2-40B4-BE49-F238E27FC236}">
+                <a16:creationId xmlns:a16="http://schemas.microsoft.com/office/drawing/2014/main" id="{A150B49E-D966-2E4D-D056-EBB892769A23}"/>
+              </a:ext>
+            </a:extLst>
+          </p:cNvPr>
+          <p:cNvPicPr>
+            <a:picLocks noChangeAspect="1"/>
+          </p:cNvPicPr>
+          <p:nvPr/>
+        </p:nvPicPr>
+        <p:blipFill>
+          <a:blip r:embed="rId6"/>
+          <a:stretch>
+            <a:fillRect/>
+          </a:stretch>
+        </p:blipFill>
+        <p:spPr>
+          <a:xfrm>
+            <a:off x="1393917" y="1842574"/>
+            <a:ext cx="449277" cy="449277"/>
+          </a:xfrm>
+          <a:prstGeom prst="rect">
+            <a:avLst/>
+          </a:prstGeom>
+        </p:spPr>
+      </p:pic>
+      <p:sp>
+        <p:nvSpPr>
+          <p:cNvPr id="109" name="TextBox 108">
+            <a:extLst>
+              <a:ext uri="{FF2B5EF4-FFF2-40B4-BE49-F238E27FC236}">
+                <a16:creationId xmlns:a16="http://schemas.microsoft.com/office/drawing/2014/main" id="{0870464A-86D9-6D2F-1CC6-DE1DEE75DD3E}"/>
+              </a:ext>
+            </a:extLst>
+          </p:cNvPr>
+          <p:cNvSpPr txBox="1"/>
+          <p:nvPr/>
+        </p:nvSpPr>
+        <p:spPr>
+          <a:xfrm>
+            <a:off x="2013492" y="1632956"/>
+            <a:ext cx="513282" cy="276999"/>
+          </a:xfrm>
+          <a:prstGeom prst="rect">
+            <a:avLst/>
+          </a:prstGeom>
+          <a:noFill/>
+        </p:spPr>
+        <p:txBody>
+          <a:bodyPr wrap="none" rtlCol="0">
+            <a:spAutoFit/>
+          </a:bodyPr>
+          <a:lstStyle/>
+          <a:p>
+            <a:pPr algn="ctr"/>
+            <a:r>
+              <a:rPr kumimoji="1" lang="en-US" altLang="ko-KR" sz="1200" dirty="0" smtClean="0">
+                <a:solidFill>
+                  <a:schemeClr val="tx1">
+                    <a:lumMod val="50000"/>
+                    <a:lumOff val="50000"/>
+                  </a:schemeClr>
+                </a:solidFill>
+                <a:latin typeface="나눔스퀘어 Bold" panose="020B0600000101010101" pitchFamily="50" charset="-127"/>
+                <a:ea typeface="나눔스퀘어 Bold" panose="020B0600000101010101" pitchFamily="50" charset="-127"/>
+              </a:rPr>
+              <a:t>20</a:t>
+            </a:r>
+            <a:r>
+              <a:rPr kumimoji="1" lang="ko-KR" altLang="en-US" sz="1200" dirty="0" smtClean="0">
+                <a:solidFill>
+                  <a:schemeClr val="tx1">
+                    <a:lumMod val="50000"/>
+                    <a:lumOff val="50000"/>
+                  </a:schemeClr>
+                </a:solidFill>
+                <a:latin typeface="나눔스퀘어 Bold" panose="020B0600000101010101" pitchFamily="50" charset="-127"/>
+                <a:ea typeface="나눔스퀘어 Bold" panose="020B0600000101010101" pitchFamily="50" charset="-127"/>
+              </a:rPr>
+              <a:t>시</a:t>
+            </a:r>
+            <a:endParaRPr kumimoji="1" lang="en-US" altLang="ko-KR" sz="1200" dirty="0">
+              <a:solidFill>
+                <a:schemeClr val="tx1">
+                  <a:lumMod val="50000"/>
+                  <a:lumOff val="50000"/>
+                </a:schemeClr>
+              </a:solidFill>
+              <a:latin typeface="나눔스퀘어 Bold" panose="020B0600000101010101" pitchFamily="50" charset="-127"/>
+              <a:ea typeface="나눔스퀘어 Bold" panose="020B0600000101010101" pitchFamily="50" charset="-127"/>
+            </a:endParaRPr>
+          </a:p>
+        </p:txBody>
+      </p:sp>
+      <p:sp>
+        <p:nvSpPr>
+          <p:cNvPr id="110" name="TextBox 109">
+            <a:extLst>
+              <a:ext uri="{FF2B5EF4-FFF2-40B4-BE49-F238E27FC236}">
+                <a16:creationId xmlns:a16="http://schemas.microsoft.com/office/drawing/2014/main" id="{9FA14B70-5815-C0A6-F7FF-DEBF2FDE9A25}"/>
+              </a:ext>
+            </a:extLst>
+          </p:cNvPr>
+          <p:cNvSpPr txBox="1"/>
+          <p:nvPr/>
+        </p:nvSpPr>
+        <p:spPr>
+          <a:xfrm>
+            <a:off x="2026314" y="2283175"/>
+            <a:ext cx="487634" cy="269433"/>
+          </a:xfrm>
+          <a:prstGeom prst="rect">
+            <a:avLst/>
+          </a:prstGeom>
+          <a:noFill/>
+        </p:spPr>
+        <p:txBody>
+          <a:bodyPr wrap="none" rtlCol="0">
+            <a:spAutoFit/>
+          </a:bodyPr>
+          <a:lstStyle/>
+          <a:p>
+            <a:pPr algn="ctr"/>
+            <a:r>
+              <a:rPr kumimoji="1" lang="en-US" altLang="ko-KR" sz="1151" dirty="0" smtClean="0">
+                <a:solidFill>
+                  <a:schemeClr val="tx1">
+                    <a:lumMod val="50000"/>
+                    <a:lumOff val="50000"/>
+                  </a:schemeClr>
+                </a:solidFill>
+                <a:latin typeface="나눔스퀘어 Bold" panose="020B0600000101010101" pitchFamily="50" charset="-127"/>
+                <a:ea typeface="나눔스퀘어 Bold" panose="020B0600000101010101" pitchFamily="50" charset="-127"/>
+              </a:rPr>
+              <a:t>15</a:t>
+            </a:r>
+            <a:r>
+              <a:rPr kumimoji="1" lang="ko-KR" altLang="en-US" sz="1151" dirty="0" smtClean="0">
+                <a:solidFill>
+                  <a:schemeClr val="tx1">
+                    <a:lumMod val="50000"/>
+                    <a:lumOff val="50000"/>
+                  </a:schemeClr>
+                </a:solidFill>
+                <a:latin typeface="나눔스퀘어 Bold" panose="020B0600000101010101" pitchFamily="50" charset="-127"/>
+                <a:ea typeface="나눔스퀘어 Bold" panose="020B0600000101010101" pitchFamily="50" charset="-127"/>
+              </a:rPr>
+              <a:t>℃</a:t>
+            </a:r>
+            <a:endParaRPr kumimoji="1" lang="en-US" altLang="ko-KR" sz="1151" dirty="0">
+              <a:solidFill>
+                <a:schemeClr val="tx1">
+                  <a:lumMod val="50000"/>
+                  <a:lumOff val="50000"/>
+                </a:schemeClr>
+              </a:solidFill>
+              <a:latin typeface="나눔스퀘어 Bold" panose="020B0600000101010101" pitchFamily="50" charset="-127"/>
+              <a:ea typeface="나눔스퀘어 Bold" panose="020B0600000101010101" pitchFamily="50" charset="-127"/>
+            </a:endParaRPr>
+          </a:p>
+        </p:txBody>
+      </p:sp>
+      <p:sp>
+        <p:nvSpPr>
+          <p:cNvPr id="112" name="TextBox 111">
+            <a:extLst>
+              <a:ext uri="{FF2B5EF4-FFF2-40B4-BE49-F238E27FC236}">
+                <a16:creationId xmlns:a16="http://schemas.microsoft.com/office/drawing/2014/main" id="{0870464A-86D9-6D2F-1CC6-DE1DEE75DD3E}"/>
+              </a:ext>
+            </a:extLst>
+          </p:cNvPr>
+          <p:cNvSpPr txBox="1"/>
+          <p:nvPr/>
+        </p:nvSpPr>
+        <p:spPr>
+          <a:xfrm>
+            <a:off x="2722994" y="1632956"/>
+            <a:ext cx="513282" cy="276999"/>
+          </a:xfrm>
+          <a:prstGeom prst="rect">
+            <a:avLst/>
+          </a:prstGeom>
+          <a:noFill/>
+        </p:spPr>
+        <p:txBody>
+          <a:bodyPr wrap="none" rtlCol="0">
+            <a:spAutoFit/>
+          </a:bodyPr>
+          <a:lstStyle/>
+          <a:p>
+            <a:pPr algn="ctr"/>
+            <a:r>
+              <a:rPr kumimoji="1" lang="en-US" altLang="ko-KR" sz="1200" dirty="0" smtClean="0">
+                <a:solidFill>
+                  <a:schemeClr val="tx1">
+                    <a:lumMod val="50000"/>
+                    <a:lumOff val="50000"/>
+                  </a:schemeClr>
+                </a:solidFill>
+                <a:latin typeface="나눔스퀘어 Bold" panose="020B0600000101010101" pitchFamily="50" charset="-127"/>
+                <a:ea typeface="나눔스퀘어 Bold" panose="020B0600000101010101" pitchFamily="50" charset="-127"/>
+              </a:rPr>
+              <a:t>21</a:t>
+            </a:r>
+            <a:r>
+              <a:rPr kumimoji="1" lang="ko-KR" altLang="en-US" sz="1200" dirty="0" smtClean="0">
+                <a:solidFill>
+                  <a:schemeClr val="tx1">
+                    <a:lumMod val="50000"/>
+                    <a:lumOff val="50000"/>
+                  </a:schemeClr>
+                </a:solidFill>
+                <a:latin typeface="나눔스퀘어 Bold" panose="020B0600000101010101" pitchFamily="50" charset="-127"/>
+                <a:ea typeface="나눔스퀘어 Bold" panose="020B0600000101010101" pitchFamily="50" charset="-127"/>
+              </a:rPr>
+              <a:t>시</a:t>
+            </a:r>
+            <a:endParaRPr kumimoji="1" lang="en-US" altLang="ko-KR" sz="1200" dirty="0">
+              <a:solidFill>
+                <a:schemeClr val="tx1">
+                  <a:lumMod val="50000"/>
+                  <a:lumOff val="50000"/>
+                </a:schemeClr>
+              </a:solidFill>
+              <a:latin typeface="나눔스퀘어 Bold" panose="020B0600000101010101" pitchFamily="50" charset="-127"/>
+              <a:ea typeface="나눔스퀘어 Bold" panose="020B0600000101010101" pitchFamily="50" charset="-127"/>
+            </a:endParaRPr>
+          </a:p>
+        </p:txBody>
+      </p:sp>
+      <p:sp>
+        <p:nvSpPr>
+          <p:cNvPr id="113" name="TextBox 112">
+            <a:extLst>
+              <a:ext uri="{FF2B5EF4-FFF2-40B4-BE49-F238E27FC236}">
+                <a16:creationId xmlns:a16="http://schemas.microsoft.com/office/drawing/2014/main" id="{9FA14B70-5815-C0A6-F7FF-DEBF2FDE9A25}"/>
+              </a:ext>
+            </a:extLst>
+          </p:cNvPr>
+          <p:cNvSpPr txBox="1"/>
+          <p:nvPr/>
+        </p:nvSpPr>
+        <p:spPr>
+          <a:xfrm>
+            <a:off x="2735816" y="2283175"/>
+            <a:ext cx="487634" cy="269433"/>
+          </a:xfrm>
+          <a:prstGeom prst="rect">
+            <a:avLst/>
+          </a:prstGeom>
+          <a:noFill/>
+        </p:spPr>
+        <p:txBody>
+          <a:bodyPr wrap="none" rtlCol="0">
+            <a:spAutoFit/>
+          </a:bodyPr>
+          <a:lstStyle/>
+          <a:p>
+            <a:pPr algn="ctr"/>
+            <a:r>
+              <a:rPr kumimoji="1" lang="en-US" altLang="ko-KR" sz="1151" dirty="0" smtClean="0">
+                <a:solidFill>
+                  <a:schemeClr val="tx1">
+                    <a:lumMod val="50000"/>
+                    <a:lumOff val="50000"/>
+                  </a:schemeClr>
+                </a:solidFill>
+                <a:latin typeface="나눔스퀘어 Bold" panose="020B0600000101010101" pitchFamily="50" charset="-127"/>
+                <a:ea typeface="나눔스퀘어 Bold" panose="020B0600000101010101" pitchFamily="50" charset="-127"/>
+              </a:rPr>
+              <a:t>13</a:t>
+            </a:r>
+            <a:r>
+              <a:rPr kumimoji="1" lang="ko-KR" altLang="en-US" sz="1151" dirty="0" smtClean="0">
+                <a:solidFill>
+                  <a:schemeClr val="tx1">
+                    <a:lumMod val="50000"/>
+                    <a:lumOff val="50000"/>
+                  </a:schemeClr>
+                </a:solidFill>
+                <a:latin typeface="나눔스퀘어 Bold" panose="020B0600000101010101" pitchFamily="50" charset="-127"/>
+                <a:ea typeface="나눔스퀘어 Bold" panose="020B0600000101010101" pitchFamily="50" charset="-127"/>
+              </a:rPr>
+              <a:t>℃</a:t>
+            </a:r>
+            <a:endParaRPr kumimoji="1" lang="en-US" altLang="ko-KR" sz="1151" dirty="0">
+              <a:solidFill>
+                <a:schemeClr val="tx1">
+                  <a:lumMod val="50000"/>
+                  <a:lumOff val="50000"/>
+                </a:schemeClr>
+              </a:solidFill>
+              <a:latin typeface="나눔스퀘어 Bold" panose="020B0600000101010101" pitchFamily="50" charset="-127"/>
+              <a:ea typeface="나눔스퀘어 Bold" panose="020B0600000101010101" pitchFamily="50" charset="-127"/>
+            </a:endParaRPr>
+          </a:p>
+        </p:txBody>
+      </p:sp>
+      <p:sp>
+        <p:nvSpPr>
+          <p:cNvPr id="115" name="TextBox 114">
+            <a:extLst>
+              <a:ext uri="{FF2B5EF4-FFF2-40B4-BE49-F238E27FC236}">
+                <a16:creationId xmlns:a16="http://schemas.microsoft.com/office/drawing/2014/main" id="{0870464A-86D9-6D2F-1CC6-DE1DEE75DD3E}"/>
+              </a:ext>
+            </a:extLst>
+          </p:cNvPr>
+          <p:cNvSpPr txBox="1"/>
+          <p:nvPr/>
+        </p:nvSpPr>
+        <p:spPr>
+          <a:xfrm>
+            <a:off x="3377331" y="1632956"/>
+            <a:ext cx="513282" cy="276999"/>
+          </a:xfrm>
+          <a:prstGeom prst="rect">
+            <a:avLst/>
+          </a:prstGeom>
+          <a:noFill/>
+        </p:spPr>
+        <p:txBody>
+          <a:bodyPr wrap="none" rtlCol="0">
+            <a:spAutoFit/>
+          </a:bodyPr>
+          <a:lstStyle/>
+          <a:p>
+            <a:pPr algn="ctr"/>
+            <a:r>
+              <a:rPr kumimoji="1" lang="en-US" altLang="ko-KR" sz="1200" dirty="0" smtClean="0">
+                <a:solidFill>
+                  <a:schemeClr val="tx1">
+                    <a:lumMod val="50000"/>
+                    <a:lumOff val="50000"/>
+                  </a:schemeClr>
+                </a:solidFill>
+                <a:latin typeface="나눔스퀘어 Bold" panose="020B0600000101010101" pitchFamily="50" charset="-127"/>
+                <a:ea typeface="나눔스퀘어 Bold" panose="020B0600000101010101" pitchFamily="50" charset="-127"/>
+              </a:rPr>
+              <a:t>22</a:t>
+            </a:r>
+            <a:r>
+              <a:rPr kumimoji="1" lang="ko-KR" altLang="en-US" sz="1200" dirty="0" smtClean="0">
+                <a:solidFill>
+                  <a:schemeClr val="tx1">
+                    <a:lumMod val="50000"/>
+                    <a:lumOff val="50000"/>
+                  </a:schemeClr>
+                </a:solidFill>
+                <a:latin typeface="나눔스퀘어 Bold" panose="020B0600000101010101" pitchFamily="50" charset="-127"/>
+                <a:ea typeface="나눔스퀘어 Bold" panose="020B0600000101010101" pitchFamily="50" charset="-127"/>
+              </a:rPr>
+              <a:t>시</a:t>
+            </a:r>
+            <a:endParaRPr kumimoji="1" lang="en-US" altLang="ko-KR" sz="1200" dirty="0">
+              <a:solidFill>
+                <a:schemeClr val="tx1">
+                  <a:lumMod val="50000"/>
+                  <a:lumOff val="50000"/>
+                </a:schemeClr>
+              </a:solidFill>
+              <a:latin typeface="나눔스퀘어 Bold" panose="020B0600000101010101" pitchFamily="50" charset="-127"/>
+              <a:ea typeface="나눔스퀘어 Bold" panose="020B0600000101010101" pitchFamily="50" charset="-127"/>
+            </a:endParaRPr>
+          </a:p>
+        </p:txBody>
+      </p:sp>
+      <p:sp>
+        <p:nvSpPr>
+          <p:cNvPr id="116" name="TextBox 115">
+            <a:extLst>
+              <a:ext uri="{FF2B5EF4-FFF2-40B4-BE49-F238E27FC236}">
+                <a16:creationId xmlns:a16="http://schemas.microsoft.com/office/drawing/2014/main" id="{9FA14B70-5815-C0A6-F7FF-DEBF2FDE9A25}"/>
+              </a:ext>
+            </a:extLst>
+          </p:cNvPr>
+          <p:cNvSpPr txBox="1"/>
+          <p:nvPr/>
+        </p:nvSpPr>
+        <p:spPr>
+          <a:xfrm>
+            <a:off x="3390153" y="2283175"/>
+            <a:ext cx="487634" cy="269433"/>
+          </a:xfrm>
+          <a:prstGeom prst="rect">
+            <a:avLst/>
+          </a:prstGeom>
+          <a:noFill/>
+        </p:spPr>
+        <p:txBody>
+          <a:bodyPr wrap="none" rtlCol="0">
+            <a:spAutoFit/>
+          </a:bodyPr>
+          <a:lstStyle/>
+          <a:p>
+            <a:pPr algn="ctr"/>
+            <a:r>
+              <a:rPr kumimoji="1" lang="en-US" altLang="ko-KR" sz="1151" dirty="0" smtClean="0">
+                <a:solidFill>
+                  <a:schemeClr val="tx1">
+                    <a:lumMod val="50000"/>
+                    <a:lumOff val="50000"/>
+                  </a:schemeClr>
+                </a:solidFill>
+                <a:latin typeface="나눔스퀘어 Bold" panose="020B0600000101010101" pitchFamily="50" charset="-127"/>
+                <a:ea typeface="나눔스퀘어 Bold" panose="020B0600000101010101" pitchFamily="50" charset="-127"/>
+              </a:rPr>
+              <a:t>12</a:t>
+            </a:r>
+            <a:r>
+              <a:rPr kumimoji="1" lang="ko-KR" altLang="en-US" sz="1151" dirty="0" smtClean="0">
+                <a:solidFill>
+                  <a:schemeClr val="tx1">
+                    <a:lumMod val="50000"/>
+                    <a:lumOff val="50000"/>
+                  </a:schemeClr>
+                </a:solidFill>
+                <a:latin typeface="나눔스퀘어 Bold" panose="020B0600000101010101" pitchFamily="50" charset="-127"/>
+                <a:ea typeface="나눔스퀘어 Bold" panose="020B0600000101010101" pitchFamily="50" charset="-127"/>
+              </a:rPr>
+              <a:t>℃</a:t>
+            </a:r>
+            <a:endParaRPr kumimoji="1" lang="en-US" altLang="ko-KR" sz="1151" dirty="0">
+              <a:solidFill>
+                <a:schemeClr val="tx1">
+                  <a:lumMod val="50000"/>
+                  <a:lumOff val="50000"/>
+                </a:schemeClr>
+              </a:solidFill>
+              <a:latin typeface="나눔스퀘어 Bold" panose="020B0600000101010101" pitchFamily="50" charset="-127"/>
+              <a:ea typeface="나눔스퀘어 Bold" panose="020B0600000101010101" pitchFamily="50" charset="-127"/>
+            </a:endParaRPr>
+          </a:p>
+        </p:txBody>
+      </p:sp>
+      <p:pic>
+        <p:nvPicPr>
+          <p:cNvPr id="117" name="그림 116">
+            <a:extLst>
+              <a:ext uri="{FF2B5EF4-FFF2-40B4-BE49-F238E27FC236}">
+                <a16:creationId xmlns:a16="http://schemas.microsoft.com/office/drawing/2014/main" id="{A150B49E-D966-2E4D-D056-EBB892769A23}"/>
+              </a:ext>
+            </a:extLst>
+          </p:cNvPr>
+          <p:cNvPicPr>
+            <a:picLocks noChangeAspect="1"/>
+          </p:cNvPicPr>
+          <p:nvPr/>
+        </p:nvPicPr>
+        <p:blipFill>
+          <a:blip r:embed="rId6"/>
+          <a:stretch>
+            <a:fillRect/>
+          </a:stretch>
+        </p:blipFill>
+        <p:spPr>
+          <a:xfrm>
+            <a:off x="3403253" y="1842574"/>
+            <a:ext cx="449277" cy="449277"/>
+          </a:xfrm>
+          <a:prstGeom prst="rect">
+            <a:avLst/>
+          </a:prstGeom>
+        </p:spPr>
+      </p:pic>
+      <p:sp>
+        <p:nvSpPr>
+          <p:cNvPr id="118" name="TextBox 117">
+            <a:extLst>
+              <a:ext uri="{FF2B5EF4-FFF2-40B4-BE49-F238E27FC236}">
+                <a16:creationId xmlns:a16="http://schemas.microsoft.com/office/drawing/2014/main" id="{0870464A-86D9-6D2F-1CC6-DE1DEE75DD3E}"/>
+              </a:ext>
+            </a:extLst>
+          </p:cNvPr>
+          <p:cNvSpPr txBox="1"/>
+          <p:nvPr/>
+        </p:nvSpPr>
+        <p:spPr>
+          <a:xfrm>
+            <a:off x="4009069" y="1632956"/>
+            <a:ext cx="513282" cy="276999"/>
+          </a:xfrm>
+          <a:prstGeom prst="rect">
+            <a:avLst/>
+          </a:prstGeom>
+          <a:noFill/>
+        </p:spPr>
+        <p:txBody>
+          <a:bodyPr wrap="none" rtlCol="0">
+            <a:spAutoFit/>
+          </a:bodyPr>
+          <a:lstStyle/>
+          <a:p>
+            <a:pPr algn="ctr"/>
+            <a:r>
+              <a:rPr kumimoji="1" lang="en-US" altLang="ko-KR" sz="1200" dirty="0" smtClean="0">
+                <a:solidFill>
+                  <a:schemeClr val="tx1">
+                    <a:lumMod val="50000"/>
+                    <a:lumOff val="50000"/>
+                  </a:schemeClr>
+                </a:solidFill>
+                <a:latin typeface="나눔스퀘어 Bold" panose="020B0600000101010101" pitchFamily="50" charset="-127"/>
+                <a:ea typeface="나눔스퀘어 Bold" panose="020B0600000101010101" pitchFamily="50" charset="-127"/>
+              </a:rPr>
+              <a:t>23</a:t>
+            </a:r>
+            <a:r>
+              <a:rPr kumimoji="1" lang="ko-KR" altLang="en-US" sz="1200" dirty="0" smtClean="0">
+                <a:solidFill>
+                  <a:schemeClr val="tx1">
+                    <a:lumMod val="50000"/>
+                    <a:lumOff val="50000"/>
+                  </a:schemeClr>
+                </a:solidFill>
+                <a:latin typeface="나눔스퀘어 Bold" panose="020B0600000101010101" pitchFamily="50" charset="-127"/>
+                <a:ea typeface="나눔스퀘어 Bold" panose="020B0600000101010101" pitchFamily="50" charset="-127"/>
+              </a:rPr>
+              <a:t>시</a:t>
+            </a:r>
+            <a:endParaRPr kumimoji="1" lang="en-US" altLang="ko-KR" sz="1200" dirty="0">
+              <a:solidFill>
+                <a:schemeClr val="tx1">
+                  <a:lumMod val="50000"/>
+                  <a:lumOff val="50000"/>
+                </a:schemeClr>
+              </a:solidFill>
+              <a:latin typeface="나눔스퀘어 Bold" panose="020B0600000101010101" pitchFamily="50" charset="-127"/>
+              <a:ea typeface="나눔스퀘어 Bold" panose="020B0600000101010101" pitchFamily="50" charset="-127"/>
+            </a:endParaRPr>
+          </a:p>
+        </p:txBody>
+      </p:sp>
+      <p:sp>
+        <p:nvSpPr>
+          <p:cNvPr id="119" name="TextBox 118">
+            <a:extLst>
+              <a:ext uri="{FF2B5EF4-FFF2-40B4-BE49-F238E27FC236}">
+                <a16:creationId xmlns:a16="http://schemas.microsoft.com/office/drawing/2014/main" id="{9FA14B70-5815-C0A6-F7FF-DEBF2FDE9A25}"/>
+              </a:ext>
+            </a:extLst>
+          </p:cNvPr>
+          <p:cNvSpPr txBox="1"/>
+          <p:nvPr/>
+        </p:nvSpPr>
+        <p:spPr>
+          <a:xfrm>
+            <a:off x="4021891" y="2283175"/>
+            <a:ext cx="487634" cy="269433"/>
+          </a:xfrm>
+          <a:prstGeom prst="rect">
+            <a:avLst/>
+          </a:prstGeom>
+          <a:noFill/>
+        </p:spPr>
+        <p:txBody>
+          <a:bodyPr wrap="none" rtlCol="0">
+            <a:spAutoFit/>
+          </a:bodyPr>
+          <a:lstStyle/>
+          <a:p>
+            <a:pPr algn="ctr"/>
+            <a:r>
+              <a:rPr kumimoji="1" lang="en-US" altLang="ko-KR" sz="1151" dirty="0" smtClean="0">
+                <a:solidFill>
+                  <a:schemeClr val="tx1">
+                    <a:lumMod val="50000"/>
+                    <a:lumOff val="50000"/>
+                  </a:schemeClr>
+                </a:solidFill>
+                <a:latin typeface="나눔스퀘어 Bold" panose="020B0600000101010101" pitchFamily="50" charset="-127"/>
+                <a:ea typeface="나눔스퀘어 Bold" panose="020B0600000101010101" pitchFamily="50" charset="-127"/>
+              </a:rPr>
+              <a:t>12</a:t>
+            </a:r>
+            <a:r>
+              <a:rPr kumimoji="1" lang="ko-KR" altLang="en-US" sz="1151" dirty="0" smtClean="0">
+                <a:solidFill>
+                  <a:schemeClr val="tx1">
+                    <a:lumMod val="50000"/>
+                    <a:lumOff val="50000"/>
+                  </a:schemeClr>
+                </a:solidFill>
+                <a:latin typeface="나눔스퀘어 Bold" panose="020B0600000101010101" pitchFamily="50" charset="-127"/>
+                <a:ea typeface="나눔스퀘어 Bold" panose="020B0600000101010101" pitchFamily="50" charset="-127"/>
+              </a:rPr>
+              <a:t>℃</a:t>
+            </a:r>
+            <a:endParaRPr kumimoji="1" lang="en-US" altLang="ko-KR" sz="1151" dirty="0">
+              <a:solidFill>
+                <a:schemeClr val="tx1">
+                  <a:lumMod val="50000"/>
+                  <a:lumOff val="50000"/>
+                </a:schemeClr>
+              </a:solidFill>
+              <a:latin typeface="나눔스퀘어 Bold" panose="020B0600000101010101" pitchFamily="50" charset="-127"/>
+              <a:ea typeface="나눔스퀘어 Bold" panose="020B0600000101010101" pitchFamily="50" charset="-127"/>
+            </a:endParaRPr>
+          </a:p>
+        </p:txBody>
+      </p:sp>
+      <p:pic>
+        <p:nvPicPr>
+          <p:cNvPr id="120" name="그림 119">
+            <a:extLst>
+              <a:ext uri="{FF2B5EF4-FFF2-40B4-BE49-F238E27FC236}">
+                <a16:creationId xmlns:a16="http://schemas.microsoft.com/office/drawing/2014/main" id="{A150B49E-D966-2E4D-D056-EBB892769A23}"/>
+              </a:ext>
+            </a:extLst>
+          </p:cNvPr>
+          <p:cNvPicPr>
+            <a:picLocks noChangeAspect="1"/>
+          </p:cNvPicPr>
+          <p:nvPr/>
+        </p:nvPicPr>
+        <p:blipFill>
+          <a:blip r:embed="rId6"/>
+          <a:stretch>
+            <a:fillRect/>
+          </a:stretch>
+        </p:blipFill>
+        <p:spPr>
+          <a:xfrm>
+            <a:off x="4034991" y="1842574"/>
+            <a:ext cx="449277" cy="449277"/>
+          </a:xfrm>
+          <a:prstGeom prst="rect">
+            <a:avLst/>
+          </a:prstGeom>
+        </p:spPr>
+      </p:pic>
+      <p:pic>
+        <p:nvPicPr>
+          <p:cNvPr id="124" name="그림 123">
+            <a:extLst>
+              <a:ext uri="{FF2B5EF4-FFF2-40B4-BE49-F238E27FC236}">
+                <a16:creationId xmlns:a16="http://schemas.microsoft.com/office/drawing/2014/main" id="{0F0A3BC8-D3C5-1BD2-B918-C12583CADD8B}"/>
+              </a:ext>
+            </a:extLst>
+          </p:cNvPr>
+          <p:cNvPicPr>
+            <a:picLocks noChangeAspect="1"/>
+          </p:cNvPicPr>
+          <p:nvPr/>
+        </p:nvPicPr>
+        <p:blipFill>
+          <a:blip r:embed="rId7"/>
+          <a:stretch>
+            <a:fillRect/>
+          </a:stretch>
+        </p:blipFill>
+        <p:spPr>
+          <a:xfrm>
+            <a:off x="2052092" y="1895347"/>
+            <a:ext cx="415788" cy="415788"/>
+          </a:xfrm>
+          <a:prstGeom prst="rect">
+            <a:avLst/>
+          </a:prstGeom>
+        </p:spPr>
+      </p:pic>
+      <p:pic>
+        <p:nvPicPr>
+          <p:cNvPr id="125" name="그림 124">
+            <a:extLst>
+              <a:ext uri="{FF2B5EF4-FFF2-40B4-BE49-F238E27FC236}">
+                <a16:creationId xmlns:a16="http://schemas.microsoft.com/office/drawing/2014/main" id="{0F0A3BC8-D3C5-1BD2-B918-C12583CADD8B}"/>
+              </a:ext>
+            </a:extLst>
+          </p:cNvPr>
+          <p:cNvPicPr>
+            <a:picLocks noChangeAspect="1"/>
+          </p:cNvPicPr>
+          <p:nvPr/>
+        </p:nvPicPr>
+        <p:blipFill>
+          <a:blip r:embed="rId7"/>
+          <a:stretch>
+            <a:fillRect/>
+          </a:stretch>
+        </p:blipFill>
+        <p:spPr>
+          <a:xfrm>
+            <a:off x="2768293" y="1895347"/>
+            <a:ext cx="415788" cy="415788"/>
+          </a:xfrm>
+          <a:prstGeom prst="rect">
+            <a:avLst/>
+          </a:prstGeom>
+        </p:spPr>
+      </p:pic>
+      <p:sp>
+        <p:nvSpPr>
+          <p:cNvPr id="126" name="TextBox 125">
+            <a:extLst>
+              <a:ext uri="{FF2B5EF4-FFF2-40B4-BE49-F238E27FC236}">
+                <a16:creationId xmlns:a16="http://schemas.microsoft.com/office/drawing/2014/main" id="{0870464A-86D9-6D2F-1CC6-DE1DEE75DD3E}"/>
+              </a:ext>
+            </a:extLst>
+          </p:cNvPr>
+          <p:cNvSpPr txBox="1"/>
+          <p:nvPr/>
+        </p:nvSpPr>
+        <p:spPr>
+          <a:xfrm>
+            <a:off x="857885" y="3262463"/>
+            <a:ext cx="603050" cy="276999"/>
+          </a:xfrm>
+          <a:prstGeom prst="rect">
+            <a:avLst/>
+          </a:prstGeom>
+          <a:noFill/>
+        </p:spPr>
+        <p:txBody>
+          <a:bodyPr wrap="none" rtlCol="0">
+            <a:spAutoFit/>
+          </a:bodyPr>
+          <a:lstStyle/>
+          <a:p>
+            <a:pPr algn="ctr"/>
+            <a:r>
+              <a:rPr kumimoji="1" lang="ko-KR" altLang="en-US" sz="1200" dirty="0" smtClean="0">
+                <a:solidFill>
+                  <a:schemeClr val="tx1">
+                    <a:lumMod val="50000"/>
+                    <a:lumOff val="50000"/>
+                  </a:schemeClr>
+                </a:solidFill>
+                <a:latin typeface="나눔스퀘어 Bold" panose="020B0600000101010101" pitchFamily="50" charset="-127"/>
+                <a:ea typeface="나눔스퀘어 Bold" panose="020B0600000101010101" pitchFamily="50" charset="-127"/>
+              </a:rPr>
+              <a:t>일요일</a:t>
+            </a:r>
+            <a:endParaRPr kumimoji="1" lang="en-US" altLang="ko-KR" sz="1200" dirty="0">
+              <a:solidFill>
+                <a:schemeClr val="tx1">
+                  <a:lumMod val="50000"/>
+                  <a:lumOff val="50000"/>
+                </a:schemeClr>
+              </a:solidFill>
+              <a:latin typeface="나눔스퀘어 Bold" panose="020B0600000101010101" pitchFamily="50" charset="-127"/>
+              <a:ea typeface="나눔스퀘어 Bold" panose="020B0600000101010101" pitchFamily="50" charset="-127"/>
             </a:endParaRPr>
           </a:p>
         </p:txBody>
@@ -4284,6 +5555,13 @@
   <p:clrMapOvr>
     <a:masterClrMapping/>
   </p:clrMapOvr>
+  <p:timing>
+    <p:tnLst>
+      <p:par>
+        <p:cTn id="1" dur="indefinite" restart="never" nodeType="tmRoot"/>
+      </p:par>
+    </p:tnLst>
+  </p:timing>
 </p:sld>
 </file>
 
@@ -4318,8 +5596,8 @@
         </p:nvSpPr>
         <p:spPr>
           <a:xfrm>
-            <a:off x="1901415" y="2439132"/>
-            <a:ext cx="2975455" cy="5603207"/>
+            <a:off x="1426062" y="2686600"/>
+            <a:ext cx="2231591" cy="4202405"/>
           </a:xfrm>
           <a:prstGeom prst="rect">
             <a:avLst/>
@@ -4356,7 +5634,7 @@
           <a:lstStyle/>
           <a:p>
             <a:pPr algn="ctr"/>
-            <a:endParaRPr kumimoji="1" lang="ko-KR" altLang="en-US"/>
+            <a:endParaRPr kumimoji="1" lang="ko-KR" altLang="en-US" sz="1151"/>
           </a:p>
         </p:txBody>
       </p:sp>
@@ -4374,8 +5652,8 @@
         </p:nvSpPr>
         <p:spPr>
           <a:xfrm>
-            <a:off x="0" y="8252213"/>
-            <a:ext cx="6850574" cy="1684432"/>
+            <a:off x="0" y="7046410"/>
+            <a:ext cx="5137931" cy="1263324"/>
           </a:xfrm>
           <a:prstGeom prst="rect">
             <a:avLst/>
@@ -4412,7 +5690,7 @@
           <a:lstStyle/>
           <a:p>
             <a:pPr algn="ctr"/>
-            <a:endParaRPr kumimoji="1" lang="ko-KR" altLang="en-US"/>
+            <a:endParaRPr kumimoji="1" lang="ko-KR" altLang="en-US" sz="1151"/>
           </a:p>
         </p:txBody>
       </p:sp>
@@ -4430,8 +5708,8 @@
         </p:nvSpPr>
         <p:spPr>
           <a:xfrm>
-            <a:off x="4944961" y="2595806"/>
-            <a:ext cx="1905613" cy="5137848"/>
+            <a:off x="3708721" y="2804105"/>
+            <a:ext cx="1429210" cy="3853386"/>
           </a:xfrm>
           <a:prstGeom prst="rect">
             <a:avLst/>
@@ -4468,7 +5746,7 @@
           <a:lstStyle/>
           <a:p>
             <a:pPr algn="ctr"/>
-            <a:endParaRPr kumimoji="1" lang="ko-KR" altLang="en-US"/>
+            <a:endParaRPr kumimoji="1" lang="ko-KR" altLang="en-US" sz="1151"/>
           </a:p>
         </p:txBody>
       </p:sp>
@@ -4486,8 +5764,8 @@
         </p:nvSpPr>
         <p:spPr>
           <a:xfrm>
-            <a:off x="1" y="3605801"/>
-            <a:ext cx="1810552" cy="3108093"/>
+            <a:off x="1" y="3561601"/>
+            <a:ext cx="1357914" cy="2331070"/>
           </a:xfrm>
           <a:prstGeom prst="rect">
             <a:avLst/>
@@ -4524,7 +5802,7 @@
           <a:lstStyle/>
           <a:p>
             <a:pPr algn="ctr"/>
-            <a:endParaRPr kumimoji="1" lang="ko-KR" altLang="en-US"/>
+            <a:endParaRPr kumimoji="1" lang="ko-KR" altLang="en-US" sz="1151"/>
           </a:p>
         </p:txBody>
       </p:sp>
@@ -4542,8 +5820,8 @@
         </p:nvSpPr>
         <p:spPr>
           <a:xfrm>
-            <a:off x="677246" y="1254775"/>
-            <a:ext cx="5600199" cy="1073370"/>
+            <a:off x="507935" y="1798331"/>
+            <a:ext cx="4200149" cy="805028"/>
           </a:xfrm>
           <a:prstGeom prst="rect">
             <a:avLst/>
@@ -4580,7 +5858,7 @@
           <a:lstStyle/>
           <a:p>
             <a:pPr algn="ctr"/>
-            <a:endParaRPr kumimoji="1" lang="ko-KR" altLang="en-US"/>
+            <a:endParaRPr kumimoji="1" lang="ko-KR" altLang="en-US" sz="1151"/>
           </a:p>
         </p:txBody>
       </p:sp>
@@ -4598,8 +5876,8 @@
         </p:nvSpPr>
         <p:spPr>
           <a:xfrm>
-            <a:off x="0" y="250099"/>
-            <a:ext cx="6858000" cy="1073370"/>
+            <a:off x="0" y="1044824"/>
+            <a:ext cx="5143500" cy="805028"/>
           </a:xfrm>
           <a:prstGeom prst="rect">
             <a:avLst/>
@@ -4636,7 +5914,7 @@
           <a:lstStyle/>
           <a:p>
             <a:pPr algn="ctr"/>
-            <a:endParaRPr kumimoji="1" lang="ko-KR" altLang="en-US"/>
+            <a:endParaRPr kumimoji="1" lang="ko-KR" altLang="en-US" sz="1151"/>
           </a:p>
         </p:txBody>
       </p:sp>
@@ -4654,10 +5932,10 @@
         </p:nvGrpSpPr>
         <p:grpSpPr>
           <a:xfrm>
-            <a:off x="156091" y="386863"/>
-            <a:ext cx="6591996" cy="9267091"/>
-            <a:chOff x="156091" y="386863"/>
-            <a:chExt cx="6591996" cy="9267091"/>
+            <a:off x="63448" y="1147398"/>
+            <a:ext cx="5058374" cy="6950318"/>
+            <a:chOff x="84596" y="386863"/>
+            <a:chExt cx="6744498" cy="9267091"/>
           </a:xfrm>
         </p:grpSpPr>
         <p:sp>
@@ -4675,7 +5953,7 @@
           <p:spPr>
             <a:xfrm>
               <a:off x="2193726" y="386863"/>
-              <a:ext cx="2470548" cy="461665"/>
+              <a:ext cx="2843087" cy="492443"/>
             </a:xfrm>
             <a:prstGeom prst="rect">
               <a:avLst/>
@@ -4689,25 +5967,25 @@
             <a:lstStyle/>
             <a:p>
               <a:r>
-                <a:rPr kumimoji="1" lang="ko-KR" altLang="en-US" sz="2400" dirty="0">
+                <a:rPr kumimoji="1" lang="ko-KR" altLang="en-US" sz="1800" dirty="0">
                   <a:solidFill>
                     <a:schemeClr val="bg2">
                       <a:lumMod val="25000"/>
                     </a:schemeClr>
                   </a:solidFill>
-                  <a:latin typeface="BM JUA OTF" panose="02020603020101020101" pitchFamily="18" charset="-127"/>
-                  <a:ea typeface="BM JUA OTF" panose="02020603020101020101" pitchFamily="18" charset="-127"/>
+                  <a:latin typeface="나눔스퀘어 Bold" panose="020B0600000101010101" pitchFamily="50" charset="-127"/>
+                  <a:ea typeface="나눔스퀘어 Bold" panose="020B0600000101010101" pitchFamily="50" charset="-127"/>
                 </a:rPr>
                 <a:t>인천광역시 미추홀구</a:t>
               </a:r>
-              <a:endParaRPr kumimoji="1" lang="en-US" altLang="ko-KR" sz="2400" dirty="0">
+              <a:endParaRPr kumimoji="1" lang="en-US" altLang="ko-KR" sz="1800" dirty="0">
                 <a:solidFill>
                   <a:schemeClr val="bg2">
                     <a:lumMod val="25000"/>
                   </a:schemeClr>
                 </a:solidFill>
-                <a:latin typeface="BM JUA OTF" panose="02020603020101020101" pitchFamily="18" charset="-127"/>
-                <a:ea typeface="BM JUA OTF" panose="02020603020101020101" pitchFamily="18" charset="-127"/>
+                <a:latin typeface="나눔스퀘어 Bold" panose="020B0600000101010101" pitchFamily="50" charset="-127"/>
+                <a:ea typeface="나눔스퀘어 Bold" panose="020B0600000101010101" pitchFamily="50" charset="-127"/>
               </a:endParaRPr>
             </a:p>
           </p:txBody>
@@ -4727,7 +6005,7 @@
           <p:spPr>
             <a:xfrm>
               <a:off x="3051475" y="808890"/>
-              <a:ext cx="728084" cy="461665"/>
+              <a:ext cx="902384" cy="492443"/>
             </a:xfrm>
             <a:prstGeom prst="rect">
               <a:avLst/>
@@ -4741,26 +6019,26 @@
             <a:lstStyle/>
             <a:p>
               <a:r>
-                <a:rPr kumimoji="1" lang="en-US" altLang="ko-KR" sz="2400" dirty="0">
+                <a:rPr kumimoji="1" lang="en-US" altLang="ko-KR" sz="1800" dirty="0">
                   <a:solidFill>
                     <a:schemeClr val="bg2">
                       <a:lumMod val="25000"/>
                     </a:schemeClr>
                   </a:solidFill>
-                  <a:latin typeface="BM JUA OTF" panose="02020603020101020101" pitchFamily="18" charset="-127"/>
-                  <a:ea typeface="BM JUA OTF" panose="02020603020101020101" pitchFamily="18" charset="-127"/>
+                  <a:latin typeface="나눔스퀘어 Bold" panose="020B0600000101010101" pitchFamily="50" charset="-127"/>
+                  <a:ea typeface="나눔스퀘어 Bold" panose="020B0600000101010101" pitchFamily="50" charset="-127"/>
                 </a:rPr>
                 <a:t>17</a:t>
               </a:r>
               <a:r>
-                <a:rPr kumimoji="1" lang="ko-KR" altLang="en-US" sz="2400" dirty="0">
+                <a:rPr kumimoji="1" lang="ko-KR" altLang="en-US" sz="1800" dirty="0">
                   <a:solidFill>
                     <a:schemeClr val="bg2">
                       <a:lumMod val="25000"/>
                     </a:schemeClr>
                   </a:solidFill>
-                  <a:latin typeface="BM JUA OTF" panose="02020603020101020101" pitchFamily="18" charset="-127"/>
-                  <a:ea typeface="BM JUA OTF" panose="02020603020101020101" pitchFamily="18" charset="-127"/>
+                  <a:latin typeface="나눔스퀘어 Bold" panose="020B0600000101010101" pitchFamily="50" charset="-127"/>
+                  <a:ea typeface="나눔스퀘어 Bold" panose="020B0600000101010101" pitchFamily="50" charset="-127"/>
                 </a:rPr>
                 <a:t>시</a:t>
               </a:r>
@@ -4824,7 +6102,7 @@
             <a:lstStyle/>
             <a:p>
               <a:pPr algn="ctr"/>
-              <a:endParaRPr kumimoji="1" lang="ko-KR" altLang="en-US" dirty="0"/>
+              <a:endParaRPr kumimoji="1" lang="ko-KR" altLang="en-US" sz="1151" dirty="0"/>
             </a:p>
           </p:txBody>
         </p:sp>
@@ -4887,7 +6165,7 @@
             <a:lstStyle/>
             <a:p>
               <a:pPr algn="ctr"/>
-              <a:endParaRPr kumimoji="1" lang="ko-KR" altLang="en-US" dirty="0"/>
+              <a:endParaRPr kumimoji="1" lang="ko-KR" altLang="en-US" sz="1151" dirty="0"/>
             </a:p>
           </p:txBody>
         </p:sp>
@@ -4906,7 +6184,7 @@
           <p:spPr>
             <a:xfrm>
               <a:off x="2231874" y="1553432"/>
-              <a:ext cx="986167" cy="400110"/>
+              <a:ext cx="1073372" cy="430887"/>
             </a:xfrm>
             <a:prstGeom prst="rect">
               <a:avLst/>
@@ -4920,49 +6198,49 @@
             <a:lstStyle/>
             <a:p>
               <a:r>
-                <a:rPr kumimoji="1" lang="en-US" altLang="ko-KR" sz="2000" dirty="0">
+                <a:rPr kumimoji="1" lang="en-US" altLang="ko-KR" sz="1500" dirty="0">
                   <a:solidFill>
                     <a:schemeClr val="bg2">
                       <a:lumMod val="25000"/>
                     </a:schemeClr>
                   </a:solidFill>
-                  <a:latin typeface="BM JUA OTF" panose="02020603020101020101" pitchFamily="18" charset="-127"/>
-                  <a:ea typeface="BM JUA OTF" panose="02020603020101020101" pitchFamily="18" charset="-127"/>
+                  <a:latin typeface="나눔스퀘어 Bold" panose="020B0600000101010101" pitchFamily="50" charset="-127"/>
+                  <a:ea typeface="나눔스퀘어 Bold" panose="020B0600000101010101" pitchFamily="50" charset="-127"/>
                 </a:rPr>
                 <a:t>3/5(</a:t>
               </a:r>
               <a:r>
-                <a:rPr kumimoji="1" lang="ko-KR" altLang="en-US" sz="2000" dirty="0">
+                <a:rPr kumimoji="1" lang="ko-KR" altLang="en-US" sz="1500" dirty="0">
                   <a:solidFill>
                     <a:schemeClr val="bg2">
                       <a:lumMod val="25000"/>
                     </a:schemeClr>
                   </a:solidFill>
-                  <a:latin typeface="BM JUA OTF" panose="02020603020101020101" pitchFamily="18" charset="-127"/>
-                  <a:ea typeface="BM JUA OTF" panose="02020603020101020101" pitchFamily="18" charset="-127"/>
+                  <a:latin typeface="나눔스퀘어 Bold" panose="020B0600000101010101" pitchFamily="50" charset="-127"/>
+                  <a:ea typeface="나눔스퀘어 Bold" panose="020B0600000101010101" pitchFamily="50" charset="-127"/>
                 </a:rPr>
                 <a:t>일</a:t>
               </a:r>
               <a:r>
-                <a:rPr kumimoji="1" lang="en-US" altLang="ko-KR" sz="2000" dirty="0">
+                <a:rPr kumimoji="1" lang="en-US" altLang="ko-KR" sz="1500" dirty="0">
                   <a:solidFill>
                     <a:schemeClr val="bg2">
                       <a:lumMod val="25000"/>
                     </a:schemeClr>
                   </a:solidFill>
-                  <a:latin typeface="BM JUA OTF" panose="02020603020101020101" pitchFamily="18" charset="-127"/>
-                  <a:ea typeface="BM JUA OTF" panose="02020603020101020101" pitchFamily="18" charset="-127"/>
+                  <a:latin typeface="나눔스퀘어 Bold" panose="020B0600000101010101" pitchFamily="50" charset="-127"/>
+                  <a:ea typeface="나눔스퀘어 Bold" panose="020B0600000101010101" pitchFamily="50" charset="-127"/>
                 </a:rPr>
                 <a:t>)</a:t>
               </a:r>
-              <a:endParaRPr kumimoji="1" lang="ko-KR" altLang="en-US" sz="2000" dirty="0">
+              <a:endParaRPr kumimoji="1" lang="ko-KR" altLang="en-US" sz="1500" dirty="0">
                 <a:solidFill>
                   <a:schemeClr val="bg2">
                     <a:lumMod val="25000"/>
                   </a:schemeClr>
                 </a:solidFill>
-                <a:latin typeface="BM JUA OTF" panose="02020603020101020101" pitchFamily="18" charset="-127"/>
-                <a:ea typeface="BM JUA OTF" panose="02020603020101020101" pitchFamily="18" charset="-127"/>
+                <a:latin typeface="나눔스퀘어 Bold" panose="020B0600000101010101" pitchFamily="50" charset="-127"/>
+                <a:ea typeface="나눔스퀘어 Bold" panose="020B0600000101010101" pitchFamily="50" charset="-127"/>
               </a:endParaRPr>
             </a:p>
           </p:txBody>
@@ -5018,9 +6296,9 @@
             <a:p>
               <a:pPr algn="ctr"/>
               <a:r>
-                <a:rPr kumimoji="1" lang="ko-KR" altLang="en-US" dirty="0">
-                  <a:latin typeface="BM JUA OTF" panose="02020603020101020101" pitchFamily="18" charset="-127"/>
-                  <a:ea typeface="BM JUA OTF" panose="02020603020101020101" pitchFamily="18" charset="-127"/>
+                <a:rPr kumimoji="1" lang="ko-KR" altLang="en-US" sz="1151" dirty="0">
+                  <a:latin typeface="나눔스퀘어 Bold" panose="020B0600000101010101" pitchFamily="50" charset="-127"/>
+                  <a:ea typeface="나눔스퀘어 Bold" panose="020B0600000101010101" pitchFamily="50" charset="-127"/>
                 </a:rPr>
                 <a:t>오늘</a:t>
               </a:r>
@@ -5042,7 +6320,7 @@
           <p:spPr>
             <a:xfrm>
               <a:off x="4624335" y="1553432"/>
-              <a:ext cx="997389" cy="400110"/>
+              <a:ext cx="1073372" cy="430887"/>
             </a:xfrm>
             <a:prstGeom prst="rect">
               <a:avLst/>
@@ -5056,49 +6334,49 @@
             <a:lstStyle/>
             <a:p>
               <a:r>
-                <a:rPr kumimoji="1" lang="en-US" altLang="ko-KR" sz="2000" dirty="0">
+                <a:rPr kumimoji="1" lang="en-US" altLang="ko-KR" sz="1500" dirty="0">
                   <a:solidFill>
                     <a:schemeClr val="bg2">
                       <a:lumMod val="25000"/>
                     </a:schemeClr>
                   </a:solidFill>
-                  <a:latin typeface="BM JUA OTF" panose="02020603020101020101" pitchFamily="18" charset="-127"/>
-                  <a:ea typeface="BM JUA OTF" panose="02020603020101020101" pitchFamily="18" charset="-127"/>
+                  <a:latin typeface="나눔스퀘어 Bold" panose="020B0600000101010101" pitchFamily="50" charset="-127"/>
+                  <a:ea typeface="나눔스퀘어 Bold" panose="020B0600000101010101" pitchFamily="50" charset="-127"/>
                 </a:rPr>
                 <a:t>3/6(</a:t>
               </a:r>
               <a:r>
-                <a:rPr kumimoji="1" lang="ko-KR" altLang="en-US" sz="2000" dirty="0">
+                <a:rPr kumimoji="1" lang="ko-KR" altLang="en-US" sz="1500" dirty="0">
                   <a:solidFill>
                     <a:schemeClr val="bg2">
                       <a:lumMod val="25000"/>
                     </a:schemeClr>
                   </a:solidFill>
-                  <a:latin typeface="BM JUA OTF" panose="02020603020101020101" pitchFamily="18" charset="-127"/>
-                  <a:ea typeface="BM JUA OTF" panose="02020603020101020101" pitchFamily="18" charset="-127"/>
+                  <a:latin typeface="나눔스퀘어 Bold" panose="020B0600000101010101" pitchFamily="50" charset="-127"/>
+                  <a:ea typeface="나눔스퀘어 Bold" panose="020B0600000101010101" pitchFamily="50" charset="-127"/>
                 </a:rPr>
                 <a:t>월</a:t>
               </a:r>
               <a:r>
-                <a:rPr kumimoji="1" lang="en-US" altLang="ko-KR" sz="2000" dirty="0">
+                <a:rPr kumimoji="1" lang="en-US" altLang="ko-KR" sz="1500" dirty="0">
                   <a:solidFill>
                     <a:schemeClr val="bg2">
                       <a:lumMod val="25000"/>
                     </a:schemeClr>
                   </a:solidFill>
-                  <a:latin typeface="BM JUA OTF" panose="02020603020101020101" pitchFamily="18" charset="-127"/>
-                  <a:ea typeface="BM JUA OTF" panose="02020603020101020101" pitchFamily="18" charset="-127"/>
+                  <a:latin typeface="나눔스퀘어 Bold" panose="020B0600000101010101" pitchFamily="50" charset="-127"/>
+                  <a:ea typeface="나눔스퀘어 Bold" panose="020B0600000101010101" pitchFamily="50" charset="-127"/>
                 </a:rPr>
                 <a:t>)</a:t>
               </a:r>
-              <a:endParaRPr kumimoji="1" lang="ko-KR" altLang="en-US" sz="2000" dirty="0">
+              <a:endParaRPr kumimoji="1" lang="ko-KR" altLang="en-US" sz="1500" dirty="0">
                 <a:solidFill>
                   <a:schemeClr val="bg2">
                     <a:lumMod val="25000"/>
                   </a:schemeClr>
                 </a:solidFill>
-                <a:latin typeface="BM JUA OTF" panose="02020603020101020101" pitchFamily="18" charset="-127"/>
-                <a:ea typeface="BM JUA OTF" panose="02020603020101020101" pitchFamily="18" charset="-127"/>
+                <a:latin typeface="나눔스퀘어 Bold" panose="020B0600000101010101" pitchFamily="50" charset="-127"/>
+                <a:ea typeface="나눔스퀘어 Bold" panose="020B0600000101010101" pitchFamily="50" charset="-127"/>
               </a:endParaRPr>
             </a:p>
           </p:txBody>
@@ -5154,9 +6432,9 @@
             <a:p>
               <a:pPr algn="ctr"/>
               <a:r>
-                <a:rPr kumimoji="1" lang="ko-KR" altLang="en-US" dirty="0">
-                  <a:latin typeface="BM JUA OTF" panose="02020603020101020101" pitchFamily="18" charset="-127"/>
-                  <a:ea typeface="BM JUA OTF" panose="02020603020101020101" pitchFamily="18" charset="-127"/>
+                <a:rPr kumimoji="1" lang="ko-KR" altLang="en-US" sz="1151" dirty="0">
+                  <a:latin typeface="나눔스퀘어 Bold" panose="020B0600000101010101" pitchFamily="50" charset="-127"/>
+                  <a:ea typeface="나눔스퀘어 Bold" panose="020B0600000101010101" pitchFamily="50" charset="-127"/>
                 </a:rPr>
                 <a:t>내일</a:t>
               </a:r>
@@ -5244,26 +6522,26 @@
             <a:p>
               <a:pPr algn="ctr"/>
               <a:r>
-                <a:rPr kumimoji="1" lang="ko-KR" altLang="en-US" sz="2000" dirty="0">
+                <a:rPr kumimoji="1" lang="ko-KR" altLang="en-US" sz="1500" dirty="0">
                   <a:solidFill>
                     <a:schemeClr val="bg2">
                       <a:lumMod val="25000"/>
                     </a:schemeClr>
                   </a:solidFill>
-                  <a:latin typeface="BM JUA OTF" panose="02020603020101020101" pitchFamily="18" charset="-127"/>
-                  <a:ea typeface="BM JUA OTF" panose="02020603020101020101" pitchFamily="18" charset="-127"/>
+                  <a:latin typeface="나눔스퀘어 Bold" panose="020B0600000101010101" pitchFamily="50" charset="-127"/>
+                  <a:ea typeface="나눔스퀘어 Bold" panose="020B0600000101010101" pitchFamily="50" charset="-127"/>
                 </a:rPr>
                 <a:t>일교차가 크니 외투를 챙기자 </a:t>
               </a:r>
               <a:r>
-                <a:rPr kumimoji="1" lang="en-US" altLang="ko-KR" sz="2000" dirty="0">
+                <a:rPr kumimoji="1" lang="en-US" altLang="ko-KR" sz="1500" dirty="0">
                   <a:solidFill>
                     <a:schemeClr val="bg2">
                       <a:lumMod val="25000"/>
                     </a:schemeClr>
                   </a:solidFill>
-                  <a:latin typeface="BM JUA OTF" panose="02020603020101020101" pitchFamily="18" charset="-127"/>
-                  <a:ea typeface="BM JUA OTF" panose="02020603020101020101" pitchFamily="18" charset="-127"/>
+                  <a:latin typeface="나눔스퀘어 Bold" panose="020B0600000101010101" pitchFamily="50" charset="-127"/>
+                  <a:ea typeface="나눔스퀘어 Bold" panose="020B0600000101010101" pitchFamily="50" charset="-127"/>
                 </a:rPr>
                 <a:t>!</a:t>
               </a:r>
@@ -5271,37 +6549,37 @@
             <a:p>
               <a:pPr algn="ctr"/>
               <a:r>
-                <a:rPr kumimoji="1" lang="ko-KR" altLang="en-US" sz="2000" dirty="0">
+                <a:rPr kumimoji="1" lang="ko-KR" altLang="en-US" sz="1500" dirty="0">
                   <a:solidFill>
                     <a:schemeClr val="bg2">
                       <a:lumMod val="25000"/>
                     </a:schemeClr>
                   </a:solidFill>
-                  <a:latin typeface="BM JUA OTF" panose="02020603020101020101" pitchFamily="18" charset="-127"/>
-                  <a:ea typeface="BM JUA OTF" panose="02020603020101020101" pitchFamily="18" charset="-127"/>
+                  <a:latin typeface="나눔스퀘어 Bold" panose="020B0600000101010101" pitchFamily="50" charset="-127"/>
+                  <a:ea typeface="나눔스퀘어 Bold" panose="020B0600000101010101" pitchFamily="50" charset="-127"/>
                 </a:rPr>
                 <a:t>비가 내릴 수 있으니 우산은 필수 </a:t>
               </a:r>
               <a:r>
-                <a:rPr kumimoji="1" lang="en-US" altLang="ko-KR" sz="2000" dirty="0">
+                <a:rPr kumimoji="1" lang="en-US" altLang="ko-KR" sz="1500" dirty="0">
                   <a:solidFill>
                     <a:schemeClr val="bg2">
                       <a:lumMod val="25000"/>
                     </a:schemeClr>
                   </a:solidFill>
-                  <a:latin typeface="BM JUA OTF" panose="02020603020101020101" pitchFamily="18" charset="-127"/>
-                  <a:ea typeface="BM JUA OTF" panose="02020603020101020101" pitchFamily="18" charset="-127"/>
+                  <a:latin typeface="나눔스퀘어 Bold" panose="020B0600000101010101" pitchFamily="50" charset="-127"/>
+                  <a:ea typeface="나눔스퀘어 Bold" panose="020B0600000101010101" pitchFamily="50" charset="-127"/>
                 </a:rPr>
                 <a:t>~</a:t>
               </a:r>
-              <a:endParaRPr kumimoji="1" lang="ko-KR" altLang="en-US" sz="2000" dirty="0">
+              <a:endParaRPr kumimoji="1" lang="ko-KR" altLang="en-US" sz="1500" dirty="0">
                 <a:solidFill>
                   <a:schemeClr val="bg2">
                     <a:lumMod val="25000"/>
                   </a:schemeClr>
                 </a:solidFill>
-                <a:latin typeface="BM JUA OTF" panose="02020603020101020101" pitchFamily="18" charset="-127"/>
-                <a:ea typeface="BM JUA OTF" panose="02020603020101020101" pitchFamily="18" charset="-127"/>
+                <a:latin typeface="나눔스퀘어 Bold" panose="020B0600000101010101" pitchFamily="50" charset="-127"/>
+                <a:ea typeface="나눔스퀘어 Bold" panose="020B0600000101010101" pitchFamily="50" charset="-127"/>
               </a:endParaRPr>
             </a:p>
           </p:txBody>
@@ -5320,8 +6598,8 @@
           </p:nvSpPr>
           <p:spPr>
             <a:xfrm>
-              <a:off x="168304" y="3892733"/>
-              <a:ext cx="1463862" cy="461665"/>
+              <a:off x="168304" y="3892732"/>
+              <a:ext cx="1626941" cy="492443"/>
             </a:xfrm>
             <a:prstGeom prst="rect">
               <a:avLst/>
@@ -5335,38 +6613,38 @@
             <a:lstStyle/>
             <a:p>
               <a:r>
-                <a:rPr kumimoji="1" lang="en-US" altLang="ko-KR" sz="2400" dirty="0">
+                <a:rPr kumimoji="1" lang="en-US" altLang="ko-KR" sz="1800" dirty="0">
                   <a:solidFill>
                     <a:srgbClr val="D35D5D"/>
                   </a:solidFill>
-                  <a:latin typeface="BM JUA OTF" panose="02020603020101020101" pitchFamily="18" charset="-127"/>
-                  <a:ea typeface="BM JUA OTF" panose="02020603020101020101" pitchFamily="18" charset="-127"/>
+                  <a:latin typeface="나눔스퀘어 Bold" panose="020B0600000101010101" pitchFamily="50" charset="-127"/>
+                  <a:ea typeface="나눔스퀘어 Bold" panose="020B0600000101010101" pitchFamily="50" charset="-127"/>
                 </a:rPr>
                 <a:t>AM</a:t>
               </a:r>
               <a:r>
-                <a:rPr kumimoji="1" lang="en-US" altLang="ko-KR" sz="2400" dirty="0">
-                  <a:latin typeface="BM JUA OTF" panose="02020603020101020101" pitchFamily="18" charset="-127"/>
-                  <a:ea typeface="BM JUA OTF" panose="02020603020101020101" pitchFamily="18" charset="-127"/>
+                <a:rPr kumimoji="1" lang="en-US" altLang="ko-KR" sz="1800" dirty="0">
+                  <a:latin typeface="나눔스퀘어 Bold" panose="020B0600000101010101" pitchFamily="50" charset="-127"/>
+                  <a:ea typeface="나눔스퀘어 Bold" panose="020B0600000101010101" pitchFamily="50" charset="-127"/>
                 </a:rPr>
                 <a:t>      </a:t>
               </a:r>
               <a:r>
-                <a:rPr kumimoji="1" lang="en-US" altLang="ko-KR" sz="2400" dirty="0">
+                <a:rPr kumimoji="1" lang="en-US" altLang="ko-KR" sz="1800" dirty="0">
                   <a:solidFill>
                     <a:schemeClr val="accent1"/>
                   </a:solidFill>
-                  <a:latin typeface="BM JUA OTF" panose="02020603020101020101" pitchFamily="18" charset="-127"/>
-                  <a:ea typeface="BM JUA OTF" panose="02020603020101020101" pitchFamily="18" charset="-127"/>
+                  <a:latin typeface="나눔스퀘어 Bold" panose="020B0600000101010101" pitchFamily="50" charset="-127"/>
+                  <a:ea typeface="나눔스퀘어 Bold" panose="020B0600000101010101" pitchFamily="50" charset="-127"/>
                 </a:rPr>
                 <a:t>PM</a:t>
               </a:r>
-              <a:endParaRPr kumimoji="1" lang="ko-KR" altLang="en-US" sz="2400" dirty="0">
+              <a:endParaRPr kumimoji="1" lang="ko-KR" altLang="en-US" sz="1800" dirty="0">
                 <a:solidFill>
                   <a:schemeClr val="accent1"/>
                 </a:solidFill>
-                <a:latin typeface="BM JUA OTF" panose="02020603020101020101" pitchFamily="18" charset="-127"/>
-                <a:ea typeface="BM JUA OTF" panose="02020603020101020101" pitchFamily="18" charset="-127"/>
+                <a:latin typeface="나눔스퀘어 Bold" panose="020B0600000101010101" pitchFamily="50" charset="-127"/>
+                <a:ea typeface="나눔스퀘어 Bold" panose="020B0600000101010101" pitchFamily="50" charset="-127"/>
               </a:endParaRPr>
             </a:p>
           </p:txBody>
@@ -5387,9 +6665,9 @@
             <p:nvPr/>
           </p:nvCxnSpPr>
           <p:spPr>
-            <a:xfrm>
-              <a:off x="900235" y="4354398"/>
-              <a:ext cx="22957" cy="1174027"/>
+            <a:xfrm flipH="1">
+              <a:off x="923194" y="4385175"/>
+              <a:ext cx="58581" cy="1143249"/>
             </a:xfrm>
             <a:prstGeom prst="line">
               <a:avLst/>
@@ -5485,7 +6763,7 @@
           <p:spPr>
             <a:xfrm>
               <a:off x="156091" y="5031429"/>
-              <a:ext cx="1545616" cy="738664"/>
+              <a:ext cx="1806477" cy="728576"/>
             </a:xfrm>
             <a:prstGeom prst="rect">
               <a:avLst/>
@@ -5499,47 +6777,47 @@
             <a:lstStyle/>
             <a:p>
               <a:r>
-                <a:rPr kumimoji="1" lang="en-US" altLang="ko-KR" sz="2400" dirty="0">
+                <a:rPr kumimoji="1" lang="en-US" altLang="ko-KR" sz="1800" dirty="0">
                   <a:solidFill>
                     <a:srgbClr val="D35D5D"/>
                   </a:solidFill>
-                  <a:latin typeface="BM JUA OTF" panose="02020603020101020101" pitchFamily="18" charset="-127"/>
-                  <a:ea typeface="BM JUA OTF" panose="02020603020101020101" pitchFamily="18" charset="-127"/>
+                  <a:latin typeface="나눔스퀘어 Bold" panose="020B0600000101010101" pitchFamily="50" charset="-127"/>
+                  <a:ea typeface="나눔스퀘어 Bold" panose="020B0600000101010101" pitchFamily="50" charset="-127"/>
                 </a:rPr>
                 <a:t>11.C      </a:t>
               </a:r>
               <a:r>
-                <a:rPr kumimoji="1" lang="en-US" altLang="ko-KR" sz="2400" dirty="0">
+                <a:rPr kumimoji="1" lang="en-US" altLang="ko-KR" sz="1800" dirty="0">
                   <a:solidFill>
                     <a:schemeClr val="accent1"/>
                   </a:solidFill>
-                  <a:latin typeface="BM JUA OTF" panose="02020603020101020101" pitchFamily="18" charset="-127"/>
-                  <a:ea typeface="BM JUA OTF" panose="02020603020101020101" pitchFamily="18" charset="-127"/>
+                  <a:latin typeface="나눔스퀘어 Bold" panose="020B0600000101010101" pitchFamily="50" charset="-127"/>
+                  <a:ea typeface="나눔스퀘어 Bold" panose="020B0600000101010101" pitchFamily="50" charset="-127"/>
                 </a:rPr>
                 <a:t>6.c</a:t>
               </a:r>
             </a:p>
             <a:p>
               <a:r>
-                <a:rPr kumimoji="1" lang="en-US" altLang="ko-KR" dirty="0">
+                <a:rPr kumimoji="1" lang="en-US" altLang="ko-KR" sz="1151" dirty="0">
                   <a:solidFill>
                     <a:schemeClr val="bg1">
                       <a:lumMod val="75000"/>
                     </a:schemeClr>
                   </a:solidFill>
-                  <a:latin typeface="BM JUA OTF" panose="02020603020101020101" pitchFamily="18" charset="-127"/>
-                  <a:ea typeface="BM JUA OTF" panose="02020603020101020101" pitchFamily="18" charset="-127"/>
+                  <a:latin typeface="나눔스퀘어 Bold" panose="020B0600000101010101" pitchFamily="50" charset="-127"/>
+                  <a:ea typeface="나눔스퀘어 Bold" panose="020B0600000101010101" pitchFamily="50" charset="-127"/>
                 </a:rPr>
                 <a:t>-4.c         -1.c</a:t>
               </a:r>
-              <a:endParaRPr kumimoji="1" lang="ko-KR" altLang="en-US" dirty="0">
+              <a:endParaRPr kumimoji="1" lang="ko-KR" altLang="en-US" sz="1151" dirty="0">
                 <a:solidFill>
                   <a:schemeClr val="bg1">
                     <a:lumMod val="75000"/>
                   </a:schemeClr>
                 </a:solidFill>
-                <a:latin typeface="BM JUA OTF" panose="02020603020101020101" pitchFamily="18" charset="-127"/>
-                <a:ea typeface="BM JUA OTF" panose="02020603020101020101" pitchFamily="18" charset="-127"/>
+                <a:latin typeface="나눔스퀘어 Bold" panose="020B0600000101010101" pitchFamily="50" charset="-127"/>
+                <a:ea typeface="나눔스퀘어 Bold" panose="020B0600000101010101" pitchFamily="50" charset="-127"/>
               </a:endParaRPr>
             </a:p>
           </p:txBody>
@@ -5558,8 +6836,8 @@
           </p:nvSpPr>
           <p:spPr>
             <a:xfrm>
-              <a:off x="204340" y="5778909"/>
-              <a:ext cx="1532792" cy="707886"/>
+              <a:off x="84596" y="5778909"/>
+              <a:ext cx="1772281" cy="738664"/>
             </a:xfrm>
             <a:prstGeom prst="rect">
               <a:avLst/>
@@ -5574,53 +6852,53 @@
             <a:p>
               <a:pPr algn="ctr"/>
               <a:r>
-                <a:rPr kumimoji="1" lang="ko-KR" altLang="en-US" sz="2000" dirty="0">
+                <a:rPr kumimoji="1" lang="ko-KR" altLang="en-US" sz="1500" dirty="0">
                   <a:solidFill>
                     <a:schemeClr val="tx1">
                       <a:lumMod val="50000"/>
                       <a:lumOff val="50000"/>
                     </a:schemeClr>
                   </a:solidFill>
-                  <a:latin typeface="BM JUA OTF" panose="02020603020101020101" pitchFamily="18" charset="-127"/>
-                  <a:ea typeface="BM JUA OTF" panose="02020603020101020101" pitchFamily="18" charset="-127"/>
+                  <a:latin typeface="나눔스퀘어 Bold" panose="020B0600000101010101" pitchFamily="50" charset="-127"/>
+                  <a:ea typeface="나눔스퀘어 Bold" panose="020B0600000101010101" pitchFamily="50" charset="-127"/>
                 </a:rPr>
                 <a:t>흐림 뒤 비내림</a:t>
               </a:r>
-              <a:endParaRPr kumimoji="1" lang="en-US" altLang="ko-KR" sz="2000" dirty="0">
+              <a:endParaRPr kumimoji="1" lang="en-US" altLang="ko-KR" sz="1500" dirty="0">
                 <a:solidFill>
                   <a:schemeClr val="tx1">
                     <a:lumMod val="50000"/>
                     <a:lumOff val="50000"/>
                   </a:schemeClr>
                 </a:solidFill>
-                <a:latin typeface="BM JUA OTF" panose="02020603020101020101" pitchFamily="18" charset="-127"/>
-                <a:ea typeface="BM JUA OTF" panose="02020603020101020101" pitchFamily="18" charset="-127"/>
+                <a:latin typeface="나눔스퀘어 Bold" panose="020B0600000101010101" pitchFamily="50" charset="-127"/>
+                <a:ea typeface="나눔스퀘어 Bold" panose="020B0600000101010101" pitchFamily="50" charset="-127"/>
               </a:endParaRPr>
             </a:p>
             <a:p>
               <a:pPr algn="ctr"/>
               <a:r>
-                <a:rPr kumimoji="1" lang="ko-KR" altLang="en-US" sz="2000" dirty="0">
+                <a:rPr kumimoji="1" lang="ko-KR" altLang="en-US" sz="1500" dirty="0">
                   <a:solidFill>
                     <a:schemeClr val="tx1">
                       <a:lumMod val="50000"/>
                       <a:lumOff val="50000"/>
                     </a:schemeClr>
                   </a:solidFill>
-                  <a:latin typeface="BM JUA OTF" panose="02020603020101020101" pitchFamily="18" charset="-127"/>
-                  <a:ea typeface="BM JUA OTF" panose="02020603020101020101" pitchFamily="18" charset="-127"/>
+                  <a:latin typeface="나눔스퀘어 Bold" panose="020B0600000101010101" pitchFamily="50" charset="-127"/>
+                  <a:ea typeface="나눔스퀘어 Bold" panose="020B0600000101010101" pitchFamily="50" charset="-127"/>
                 </a:rPr>
                 <a:t>일교차 높음</a:t>
               </a:r>
-              <a:endParaRPr kumimoji="1" lang="en-US" altLang="ko-KR" sz="2000" dirty="0">
+              <a:endParaRPr kumimoji="1" lang="en-US" altLang="ko-KR" sz="1500" dirty="0">
                 <a:solidFill>
                   <a:schemeClr val="tx1">
                     <a:lumMod val="50000"/>
                     <a:lumOff val="50000"/>
                   </a:schemeClr>
                 </a:solidFill>
-                <a:latin typeface="BM JUA OTF" panose="02020603020101020101" pitchFamily="18" charset="-127"/>
-                <a:ea typeface="BM JUA OTF" panose="02020603020101020101" pitchFamily="18" charset="-127"/>
+                <a:latin typeface="나눔스퀘어 Bold" panose="020B0600000101010101" pitchFamily="50" charset="-127"/>
+                <a:ea typeface="나눔스퀘어 Bold" panose="020B0600000101010101" pitchFamily="50" charset="-127"/>
               </a:endParaRPr>
             </a:p>
           </p:txBody>
@@ -5669,8 +6947,8 @@
           </p:nvSpPr>
           <p:spPr>
             <a:xfrm>
-              <a:off x="5542676" y="2742330"/>
-              <a:ext cx="599844" cy="400110"/>
+              <a:off x="5486517" y="2742330"/>
+              <a:ext cx="712161" cy="430887"/>
             </a:xfrm>
             <a:prstGeom prst="rect">
               <a:avLst/>
@@ -5685,27 +6963,27 @@
             <a:p>
               <a:pPr algn="ctr"/>
               <a:r>
-                <a:rPr kumimoji="1" lang="ko-KR" altLang="en-US" sz="2000" dirty="0">
+                <a:rPr kumimoji="1" lang="ko-KR" altLang="en-US" sz="1500" dirty="0">
                   <a:solidFill>
                     <a:schemeClr val="tx1">
                       <a:lumMod val="50000"/>
                       <a:lumOff val="50000"/>
                     </a:schemeClr>
                   </a:solidFill>
-                  <a:latin typeface="BM JUA OTF" panose="02020603020101020101" pitchFamily="18" charset="-127"/>
-                  <a:ea typeface="BM JUA OTF" panose="02020603020101020101" pitchFamily="18" charset="-127"/>
+                  <a:latin typeface="나눔스퀘어 Bold" panose="020B0600000101010101" pitchFamily="50" charset="-127"/>
+                  <a:ea typeface="나눔스퀘어 Bold" panose="020B0600000101010101" pitchFamily="50" charset="-127"/>
                 </a:rPr>
                 <a:t>습도</a:t>
               </a:r>
-              <a:endParaRPr kumimoji="1" lang="en-US" altLang="ko-KR" sz="2000" dirty="0">
+              <a:endParaRPr kumimoji="1" lang="en-US" altLang="ko-KR" sz="1500" dirty="0">
                 <a:solidFill>
                   <a:schemeClr val="tx1">
                     <a:lumMod val="50000"/>
                     <a:lumOff val="50000"/>
                   </a:schemeClr>
                 </a:solidFill>
-                <a:latin typeface="BM JUA OTF" panose="02020603020101020101" pitchFamily="18" charset="-127"/>
-                <a:ea typeface="BM JUA OTF" panose="02020603020101020101" pitchFamily="18" charset="-127"/>
+                <a:latin typeface="나눔스퀘어 Bold" panose="020B0600000101010101" pitchFamily="50" charset="-127"/>
+                <a:ea typeface="나눔스퀘어 Bold" panose="020B0600000101010101" pitchFamily="50" charset="-127"/>
               </a:endParaRPr>
             </a:p>
           </p:txBody>
@@ -5724,8 +7002,8 @@
           </p:nvSpPr>
           <p:spPr>
             <a:xfrm>
-              <a:off x="5788448" y="3224381"/>
-              <a:ext cx="699230" cy="400110"/>
+              <a:off x="5744580" y="3224380"/>
+              <a:ext cx="786968" cy="430887"/>
             </a:xfrm>
             <a:prstGeom prst="rect">
               <a:avLst/>
@@ -5740,15 +7018,15 @@
             <a:p>
               <a:pPr algn="ctr"/>
               <a:r>
-                <a:rPr kumimoji="1" lang="en-US" altLang="ko-KR" sz="2000" dirty="0">
+                <a:rPr kumimoji="1" lang="en-US" altLang="ko-KR" sz="1500" dirty="0">
                   <a:solidFill>
                     <a:schemeClr val="tx1">
                       <a:lumMod val="50000"/>
                       <a:lumOff val="50000"/>
                     </a:schemeClr>
                   </a:solidFill>
-                  <a:latin typeface="BM JUA OTF" panose="02020603020101020101" pitchFamily="18" charset="-127"/>
-                  <a:ea typeface="BM JUA OTF" panose="02020603020101020101" pitchFamily="18" charset="-127"/>
+                  <a:latin typeface="나눔스퀘어 Bold" panose="020B0600000101010101" pitchFamily="50" charset="-127"/>
+                  <a:ea typeface="나눔스퀘어 Bold" panose="020B0600000101010101" pitchFamily="50" charset="-127"/>
                 </a:rPr>
                 <a:t>60%</a:t>
               </a:r>
@@ -5769,8 +7047,8 @@
           </p:nvSpPr>
           <p:spPr>
             <a:xfrm>
-              <a:off x="5855142" y="3540360"/>
-              <a:ext cx="545341" cy="369332"/>
+              <a:off x="5825167" y="3540360"/>
+              <a:ext cx="605293" cy="359244"/>
             </a:xfrm>
             <a:prstGeom prst="rect">
               <a:avLst/>
@@ -5785,27 +7063,27 @@
             <a:p>
               <a:pPr algn="ctr"/>
               <a:r>
-                <a:rPr kumimoji="1" lang="ko-KR" altLang="en-US" dirty="0">
+                <a:rPr kumimoji="1" lang="ko-KR" altLang="en-US" sz="1151" dirty="0">
                   <a:solidFill>
                     <a:schemeClr val="tx1">
                       <a:lumMod val="50000"/>
                       <a:lumOff val="50000"/>
                     </a:schemeClr>
                   </a:solidFill>
-                  <a:latin typeface="BM JUA OTF" panose="02020603020101020101" pitchFamily="18" charset="-127"/>
-                  <a:ea typeface="BM JUA OTF" panose="02020603020101020101" pitchFamily="18" charset="-127"/>
+                  <a:latin typeface="나눔스퀘어 Bold" panose="020B0600000101010101" pitchFamily="50" charset="-127"/>
+                  <a:ea typeface="나눔스퀘어 Bold" panose="020B0600000101010101" pitchFamily="50" charset="-127"/>
                 </a:rPr>
                 <a:t>높음</a:t>
               </a:r>
-              <a:endParaRPr kumimoji="1" lang="en-US" altLang="ko-KR" dirty="0">
+              <a:endParaRPr kumimoji="1" lang="en-US" altLang="ko-KR" sz="1151" dirty="0">
                 <a:solidFill>
                   <a:schemeClr val="tx1">
                     <a:lumMod val="50000"/>
                     <a:lumOff val="50000"/>
                   </a:schemeClr>
                 </a:solidFill>
-                <a:latin typeface="BM JUA OTF" panose="02020603020101020101" pitchFamily="18" charset="-127"/>
-                <a:ea typeface="BM JUA OTF" panose="02020603020101020101" pitchFamily="18" charset="-127"/>
+                <a:latin typeface="나눔스퀘어 Bold" panose="020B0600000101010101" pitchFamily="50" charset="-127"/>
+                <a:ea typeface="나눔스퀘어 Bold" panose="020B0600000101010101" pitchFamily="50" charset="-127"/>
               </a:endParaRPr>
             </a:p>
           </p:txBody>
@@ -5824,8 +7102,8 @@
           </p:nvSpPr>
           <p:spPr>
             <a:xfrm>
-              <a:off x="5590126" y="4442993"/>
-              <a:ext cx="607859" cy="400110"/>
+              <a:off x="5537975" y="4442992"/>
+              <a:ext cx="712161" cy="430887"/>
             </a:xfrm>
             <a:prstGeom prst="rect">
               <a:avLst/>
@@ -5840,27 +7118,27 @@
             <a:p>
               <a:pPr algn="ctr"/>
               <a:r>
-                <a:rPr kumimoji="1" lang="ko-KR" altLang="en-US" sz="2000" dirty="0">
+                <a:rPr kumimoji="1" lang="ko-KR" altLang="en-US" sz="1500" dirty="0">
                   <a:solidFill>
                     <a:schemeClr val="tx1">
                       <a:lumMod val="50000"/>
                       <a:lumOff val="50000"/>
                     </a:schemeClr>
                   </a:solidFill>
-                  <a:latin typeface="BM JUA OTF" panose="02020603020101020101" pitchFamily="18" charset="-127"/>
-                  <a:ea typeface="BM JUA OTF" panose="02020603020101020101" pitchFamily="18" charset="-127"/>
+                  <a:latin typeface="나눔스퀘어 Bold" panose="020B0600000101010101" pitchFamily="50" charset="-127"/>
+                  <a:ea typeface="나눔스퀘어 Bold" panose="020B0600000101010101" pitchFamily="50" charset="-127"/>
                 </a:rPr>
                 <a:t>풍속</a:t>
               </a:r>
-              <a:endParaRPr kumimoji="1" lang="en-US" altLang="ko-KR" sz="2000" dirty="0">
+              <a:endParaRPr kumimoji="1" lang="en-US" altLang="ko-KR" sz="1500" dirty="0">
                 <a:solidFill>
                   <a:schemeClr val="tx1">
                     <a:lumMod val="50000"/>
                     <a:lumOff val="50000"/>
                   </a:schemeClr>
                 </a:solidFill>
-                <a:latin typeface="BM JUA OTF" panose="02020603020101020101" pitchFamily="18" charset="-127"/>
-                <a:ea typeface="BM JUA OTF" panose="02020603020101020101" pitchFamily="18" charset="-127"/>
+                <a:latin typeface="나눔스퀘어 Bold" panose="020B0600000101010101" pitchFamily="50" charset="-127"/>
+                <a:ea typeface="나눔스퀘어 Bold" panose="020B0600000101010101" pitchFamily="50" charset="-127"/>
               </a:endParaRPr>
             </a:p>
           </p:txBody>
@@ -5879,8 +7157,8 @@
           </p:nvSpPr>
           <p:spPr>
             <a:xfrm>
-              <a:off x="5806804" y="4925044"/>
-              <a:ext cx="941283" cy="400110"/>
+              <a:off x="5725799" y="4925044"/>
+              <a:ext cx="1103295" cy="430887"/>
             </a:xfrm>
             <a:prstGeom prst="rect">
               <a:avLst/>
@@ -5895,15 +7173,15 @@
             <a:p>
               <a:pPr algn="ctr"/>
               <a:r>
-                <a:rPr kumimoji="1" lang="en-US" altLang="ko-KR" sz="2000" dirty="0">
+                <a:rPr kumimoji="1" lang="en-US" altLang="ko-KR" sz="1500" dirty="0">
                   <a:solidFill>
                     <a:schemeClr val="tx1">
                       <a:lumMod val="50000"/>
                       <a:lumOff val="50000"/>
                     </a:schemeClr>
                   </a:solidFill>
-                  <a:latin typeface="BM JUA OTF" panose="02020603020101020101" pitchFamily="18" charset="-127"/>
-                  <a:ea typeface="BM JUA OTF" panose="02020603020101020101" pitchFamily="18" charset="-127"/>
+                  <a:latin typeface="나눔스퀘어 Bold" panose="020B0600000101010101" pitchFamily="50" charset="-127"/>
+                  <a:ea typeface="나눔스퀘어 Bold" panose="020B0600000101010101" pitchFamily="50" charset="-127"/>
                 </a:rPr>
                 <a:t>5.0m/s</a:t>
               </a:r>
@@ -5924,8 +7202,8 @@
           </p:nvSpPr>
           <p:spPr>
             <a:xfrm>
-              <a:off x="5987308" y="5241023"/>
-              <a:ext cx="559770" cy="369332"/>
+              <a:off x="5964546" y="5241023"/>
+              <a:ext cx="605293" cy="359244"/>
             </a:xfrm>
             <a:prstGeom prst="rect">
               <a:avLst/>
@@ -5940,27 +7218,27 @@
             <a:p>
               <a:pPr algn="ctr"/>
               <a:r>
-                <a:rPr kumimoji="1" lang="ko-KR" altLang="en-US" dirty="0">
+                <a:rPr kumimoji="1" lang="ko-KR" altLang="en-US" sz="1151" dirty="0">
                   <a:solidFill>
                     <a:schemeClr val="tx1">
                       <a:lumMod val="50000"/>
                       <a:lumOff val="50000"/>
                     </a:schemeClr>
                   </a:solidFill>
-                  <a:latin typeface="BM JUA OTF" panose="02020603020101020101" pitchFamily="18" charset="-127"/>
-                  <a:ea typeface="BM JUA OTF" panose="02020603020101020101" pitchFamily="18" charset="-127"/>
+                  <a:latin typeface="나눔스퀘어 Bold" panose="020B0600000101010101" pitchFamily="50" charset="-127"/>
+                  <a:ea typeface="나눔스퀘어 Bold" panose="020B0600000101010101" pitchFamily="50" charset="-127"/>
                 </a:rPr>
                 <a:t>보통</a:t>
               </a:r>
-              <a:endParaRPr kumimoji="1" lang="en-US" altLang="ko-KR" dirty="0">
+              <a:endParaRPr kumimoji="1" lang="en-US" altLang="ko-KR" sz="1151" dirty="0">
                 <a:solidFill>
                   <a:schemeClr val="tx1">
                     <a:lumMod val="50000"/>
                     <a:lumOff val="50000"/>
                   </a:schemeClr>
                 </a:solidFill>
-                <a:latin typeface="BM JUA OTF" panose="02020603020101020101" pitchFamily="18" charset="-127"/>
-                <a:ea typeface="BM JUA OTF" panose="02020603020101020101" pitchFamily="18" charset="-127"/>
+                <a:latin typeface="나눔스퀘어 Bold" panose="020B0600000101010101" pitchFamily="50" charset="-127"/>
+                <a:ea typeface="나눔스퀘어 Bold" panose="020B0600000101010101" pitchFamily="50" charset="-127"/>
               </a:endParaRPr>
             </a:p>
           </p:txBody>
@@ -6038,8 +7316,8 @@
           </p:nvSpPr>
           <p:spPr>
             <a:xfrm>
-              <a:off x="5415862" y="6372623"/>
-              <a:ext cx="816250" cy="400110"/>
+              <a:off x="5351422" y="6372623"/>
+              <a:ext cx="945131" cy="430887"/>
             </a:xfrm>
             <a:prstGeom prst="rect">
               <a:avLst/>
@@ -6054,27 +7332,27 @@
             <a:p>
               <a:pPr algn="ctr"/>
               <a:r>
-                <a:rPr kumimoji="1" lang="ko-KR" altLang="en-US" sz="2000" dirty="0">
+                <a:rPr kumimoji="1" lang="ko-KR" altLang="en-US" sz="1500" dirty="0">
                   <a:solidFill>
                     <a:schemeClr val="tx1">
                       <a:lumMod val="50000"/>
                       <a:lumOff val="50000"/>
                     </a:schemeClr>
                   </a:solidFill>
-                  <a:latin typeface="BM JUA OTF" panose="02020603020101020101" pitchFamily="18" charset="-127"/>
-                  <a:ea typeface="BM JUA OTF" panose="02020603020101020101" pitchFamily="18" charset="-127"/>
+                  <a:latin typeface="나눔스퀘어 Bold" panose="020B0600000101010101" pitchFamily="50" charset="-127"/>
+                  <a:ea typeface="나눔스퀘어 Bold" panose="020B0600000101010101" pitchFamily="50" charset="-127"/>
                 </a:rPr>
                 <a:t>자외선</a:t>
               </a:r>
-              <a:endParaRPr kumimoji="1" lang="en-US" altLang="ko-KR" sz="2000" dirty="0">
+              <a:endParaRPr kumimoji="1" lang="en-US" altLang="ko-KR" sz="1500" dirty="0">
                 <a:solidFill>
                   <a:schemeClr val="tx1">
                     <a:lumMod val="50000"/>
                     <a:lumOff val="50000"/>
                   </a:schemeClr>
                 </a:solidFill>
-                <a:latin typeface="BM JUA OTF" panose="02020603020101020101" pitchFamily="18" charset="-127"/>
-                <a:ea typeface="BM JUA OTF" panose="02020603020101020101" pitchFamily="18" charset="-127"/>
+                <a:latin typeface="나눔스퀘어 Bold" panose="020B0600000101010101" pitchFamily="50" charset="-127"/>
+                <a:ea typeface="나눔스퀘어 Bold" panose="020B0600000101010101" pitchFamily="50" charset="-127"/>
               </a:endParaRPr>
             </a:p>
           </p:txBody>
@@ -6093,8 +7371,8 @@
           </p:nvSpPr>
           <p:spPr>
             <a:xfrm>
-              <a:off x="5909223" y="7023724"/>
-              <a:ext cx="583814" cy="369332"/>
+              <a:off x="5898483" y="7023725"/>
+              <a:ext cx="605293" cy="359244"/>
             </a:xfrm>
             <a:prstGeom prst="rect">
               <a:avLst/>
@@ -6109,27 +7387,27 @@
             <a:p>
               <a:pPr algn="ctr"/>
               <a:r>
-                <a:rPr kumimoji="1" lang="ko-KR" altLang="en-US" dirty="0">
+                <a:rPr kumimoji="1" lang="ko-KR" altLang="en-US" sz="1151" dirty="0">
                   <a:solidFill>
                     <a:schemeClr val="tx1">
                       <a:lumMod val="50000"/>
                       <a:lumOff val="50000"/>
                     </a:schemeClr>
                   </a:solidFill>
-                  <a:latin typeface="BM JUA OTF" panose="02020603020101020101" pitchFamily="18" charset="-127"/>
-                  <a:ea typeface="BM JUA OTF" panose="02020603020101020101" pitchFamily="18" charset="-127"/>
+                  <a:latin typeface="나눔스퀘어 Bold" panose="020B0600000101010101" pitchFamily="50" charset="-127"/>
+                  <a:ea typeface="나눔스퀘어 Bold" panose="020B0600000101010101" pitchFamily="50" charset="-127"/>
                 </a:rPr>
                 <a:t>강함</a:t>
               </a:r>
-              <a:endParaRPr kumimoji="1" lang="en-US" altLang="ko-KR" dirty="0">
+              <a:endParaRPr kumimoji="1" lang="en-US" altLang="ko-KR" sz="1151" dirty="0">
                 <a:solidFill>
                   <a:schemeClr val="tx1">
                     <a:lumMod val="50000"/>
                     <a:lumOff val="50000"/>
                   </a:schemeClr>
                 </a:solidFill>
-                <a:latin typeface="BM JUA OTF" panose="02020603020101020101" pitchFamily="18" charset="-127"/>
-                <a:ea typeface="BM JUA OTF" panose="02020603020101020101" pitchFamily="18" charset="-127"/>
+                <a:latin typeface="나눔스퀘어 Bold" panose="020B0600000101010101" pitchFamily="50" charset="-127"/>
+                <a:ea typeface="나눔스퀘어 Bold" panose="020B0600000101010101" pitchFamily="50" charset="-127"/>
               </a:endParaRPr>
             </a:p>
           </p:txBody>
@@ -6149,8 +7427,8 @@
         </p:nvSpPr>
         <p:spPr>
           <a:xfrm>
-            <a:off x="-252657" y="475122"/>
-            <a:ext cx="667535" cy="667535"/>
+            <a:off x="-189492" y="1213592"/>
+            <a:ext cx="500651" cy="500651"/>
           </a:xfrm>
           <a:prstGeom prst="ellipse">
             <a:avLst/>
@@ -6187,21 +7465,21 @@
           <a:p>
             <a:pPr algn="ctr"/>
             <a:r>
-              <a:rPr kumimoji="1" lang="en-US" altLang="ko-KR" sz="2400" dirty="0">
+              <a:rPr kumimoji="1" lang="en-US" altLang="ko-KR" sz="1800" dirty="0">
                 <a:solidFill>
                   <a:schemeClr val="bg1"/>
                 </a:solidFill>
-                <a:latin typeface="BM JUA OTF" panose="02020603020101020101" pitchFamily="18" charset="-127"/>
-                <a:ea typeface="BM JUA OTF" panose="02020603020101020101" pitchFamily="18" charset="-127"/>
+                <a:latin typeface="나눔스퀘어 Bold" panose="020B0600000101010101" pitchFamily="50" charset="-127"/>
+                <a:ea typeface="나눔스퀘어 Bold" panose="020B0600000101010101" pitchFamily="50" charset="-127"/>
               </a:rPr>
               <a:t>1</a:t>
             </a:r>
-            <a:endParaRPr kumimoji="1" lang="ko-KR" altLang="en-US" sz="2400" dirty="0">
+            <a:endParaRPr kumimoji="1" lang="ko-KR" altLang="en-US" sz="1800" dirty="0">
               <a:solidFill>
                 <a:schemeClr val="bg1"/>
               </a:solidFill>
-              <a:latin typeface="BM JUA OTF" panose="02020603020101020101" pitchFamily="18" charset="-127"/>
-              <a:ea typeface="BM JUA OTF" panose="02020603020101020101" pitchFamily="18" charset="-127"/>
+              <a:latin typeface="나눔스퀘어 Bold" panose="020B0600000101010101" pitchFamily="50" charset="-127"/>
+              <a:ea typeface="나눔스퀘어 Bold" panose="020B0600000101010101" pitchFamily="50" charset="-127"/>
             </a:endParaRPr>
           </a:p>
         </p:txBody>
@@ -6220,8 +7498,8 @@
         </p:nvSpPr>
         <p:spPr>
           <a:xfrm>
-            <a:off x="255657" y="1534035"/>
-            <a:ext cx="667535" cy="667535"/>
+            <a:off x="191743" y="2007777"/>
+            <a:ext cx="500651" cy="500651"/>
           </a:xfrm>
           <a:prstGeom prst="ellipse">
             <a:avLst/>
@@ -6258,21 +7536,21 @@
           <a:p>
             <a:pPr algn="ctr"/>
             <a:r>
-              <a:rPr kumimoji="1" lang="en-US" altLang="ko-KR" sz="2400" dirty="0">
+              <a:rPr kumimoji="1" lang="en-US" altLang="ko-KR" sz="1800" dirty="0">
                 <a:solidFill>
                   <a:schemeClr val="bg1"/>
                 </a:solidFill>
-                <a:latin typeface="BM JUA OTF" panose="02020603020101020101" pitchFamily="18" charset="-127"/>
-                <a:ea typeface="BM JUA OTF" panose="02020603020101020101" pitchFamily="18" charset="-127"/>
+                <a:latin typeface="나눔스퀘어 Bold" panose="020B0600000101010101" pitchFamily="50" charset="-127"/>
+                <a:ea typeface="나눔스퀘어 Bold" panose="020B0600000101010101" pitchFamily="50" charset="-127"/>
               </a:rPr>
               <a:t>2</a:t>
             </a:r>
-            <a:endParaRPr kumimoji="1" lang="ko-KR" altLang="en-US" sz="2400" dirty="0">
+            <a:endParaRPr kumimoji="1" lang="ko-KR" altLang="en-US" sz="1800" dirty="0">
               <a:solidFill>
                 <a:schemeClr val="bg1"/>
               </a:solidFill>
-              <a:latin typeface="BM JUA OTF" panose="02020603020101020101" pitchFamily="18" charset="-127"/>
-              <a:ea typeface="BM JUA OTF" panose="02020603020101020101" pitchFamily="18" charset="-127"/>
+              <a:latin typeface="나눔스퀘어 Bold" panose="020B0600000101010101" pitchFamily="50" charset="-127"/>
+              <a:ea typeface="나눔스퀘어 Bold" panose="020B0600000101010101" pitchFamily="50" charset="-127"/>
             </a:endParaRPr>
           </a:p>
         </p:txBody>
@@ -6291,8 +7569,8 @@
         </p:nvSpPr>
         <p:spPr>
           <a:xfrm>
-            <a:off x="566467" y="3104620"/>
-            <a:ext cx="667535" cy="667535"/>
+            <a:off x="424851" y="3185716"/>
+            <a:ext cx="500651" cy="500651"/>
           </a:xfrm>
           <a:prstGeom prst="ellipse">
             <a:avLst/>
@@ -6329,21 +7607,21 @@
           <a:p>
             <a:pPr algn="ctr"/>
             <a:r>
-              <a:rPr kumimoji="1" lang="en-US" altLang="ko-KR" sz="2400" dirty="0">
+              <a:rPr kumimoji="1" lang="en-US" altLang="ko-KR" sz="1800" dirty="0">
                 <a:solidFill>
                   <a:schemeClr val="bg1"/>
                 </a:solidFill>
-                <a:latin typeface="BM JUA OTF" panose="02020603020101020101" pitchFamily="18" charset="-127"/>
-                <a:ea typeface="BM JUA OTF" panose="02020603020101020101" pitchFamily="18" charset="-127"/>
+                <a:latin typeface="나눔스퀘어 Bold" panose="020B0600000101010101" pitchFamily="50" charset="-127"/>
+                <a:ea typeface="나눔스퀘어 Bold" panose="020B0600000101010101" pitchFamily="50" charset="-127"/>
               </a:rPr>
               <a:t>3</a:t>
             </a:r>
-            <a:endParaRPr kumimoji="1" lang="ko-KR" altLang="en-US" sz="2400" dirty="0">
+            <a:endParaRPr kumimoji="1" lang="ko-KR" altLang="en-US" sz="1800" dirty="0">
               <a:solidFill>
                 <a:schemeClr val="bg1"/>
               </a:solidFill>
-              <a:latin typeface="BM JUA OTF" panose="02020603020101020101" pitchFamily="18" charset="-127"/>
-              <a:ea typeface="BM JUA OTF" panose="02020603020101020101" pitchFamily="18" charset="-127"/>
+              <a:latin typeface="나눔스퀘어 Bold" panose="020B0600000101010101" pitchFamily="50" charset="-127"/>
+              <a:ea typeface="나눔스퀘어 Bold" panose="020B0600000101010101" pitchFamily="50" charset="-127"/>
             </a:endParaRPr>
           </a:p>
         </p:txBody>
@@ -6362,8 +7640,8 @@
         </p:nvSpPr>
         <p:spPr>
           <a:xfrm>
-            <a:off x="6160021" y="2287232"/>
-            <a:ext cx="667535" cy="667535"/>
+            <a:off x="4620016" y="2572675"/>
+            <a:ext cx="500651" cy="500651"/>
           </a:xfrm>
           <a:prstGeom prst="ellipse">
             <a:avLst/>
@@ -6400,21 +7678,21 @@
           <a:p>
             <a:pPr algn="ctr"/>
             <a:r>
-              <a:rPr kumimoji="1" lang="en-US" altLang="ko-KR" sz="2400" dirty="0">
+              <a:rPr kumimoji="1" lang="en-US" altLang="ko-KR" sz="1800" dirty="0">
                 <a:solidFill>
                   <a:schemeClr val="bg1"/>
                 </a:solidFill>
-                <a:latin typeface="BM JUA OTF" panose="02020603020101020101" pitchFamily="18" charset="-127"/>
-                <a:ea typeface="BM JUA OTF" panose="02020603020101020101" pitchFamily="18" charset="-127"/>
+                <a:latin typeface="나눔스퀘어 Bold" panose="020B0600000101010101" pitchFamily="50" charset="-127"/>
+                <a:ea typeface="나눔스퀘어 Bold" panose="020B0600000101010101" pitchFamily="50" charset="-127"/>
               </a:rPr>
               <a:t>4</a:t>
             </a:r>
-            <a:endParaRPr kumimoji="1" lang="ko-KR" altLang="en-US" sz="2400" dirty="0">
+            <a:endParaRPr kumimoji="1" lang="ko-KR" altLang="en-US" sz="1800" dirty="0">
               <a:solidFill>
                 <a:schemeClr val="bg1"/>
               </a:solidFill>
-              <a:latin typeface="BM JUA OTF" panose="02020603020101020101" pitchFamily="18" charset="-127"/>
-              <a:ea typeface="BM JUA OTF" panose="02020603020101020101" pitchFamily="18" charset="-127"/>
+              <a:latin typeface="나눔스퀘어 Bold" panose="020B0600000101010101" pitchFamily="50" charset="-127"/>
+              <a:ea typeface="나눔스퀘어 Bold" panose="020B0600000101010101" pitchFamily="50" charset="-127"/>
             </a:endParaRPr>
           </a:p>
         </p:txBody>
@@ -6433,8 +7711,8 @@
         </p:nvSpPr>
         <p:spPr>
           <a:xfrm>
-            <a:off x="81110" y="7918445"/>
-            <a:ext cx="667535" cy="667535"/>
+            <a:off x="60833" y="6796084"/>
+            <a:ext cx="500651" cy="500651"/>
           </a:xfrm>
           <a:prstGeom prst="ellipse">
             <a:avLst/>
@@ -6471,21 +7749,21 @@
           <a:p>
             <a:pPr algn="ctr"/>
             <a:r>
-              <a:rPr kumimoji="1" lang="en-US" altLang="ko-KR" sz="2400" dirty="0">
+              <a:rPr kumimoji="1" lang="en-US" altLang="ko-KR" sz="1800" dirty="0">
                 <a:solidFill>
                   <a:schemeClr val="bg1"/>
                 </a:solidFill>
-                <a:latin typeface="BM JUA OTF" panose="02020603020101020101" pitchFamily="18" charset="-127"/>
-                <a:ea typeface="BM JUA OTF" panose="02020603020101020101" pitchFamily="18" charset="-127"/>
+                <a:latin typeface="나눔스퀘어 Bold" panose="020B0600000101010101" pitchFamily="50" charset="-127"/>
+                <a:ea typeface="나눔스퀘어 Bold" panose="020B0600000101010101" pitchFamily="50" charset="-127"/>
               </a:rPr>
               <a:t>5</a:t>
             </a:r>
-            <a:endParaRPr kumimoji="1" lang="ko-KR" altLang="en-US" sz="2400" dirty="0">
+            <a:endParaRPr kumimoji="1" lang="ko-KR" altLang="en-US" sz="1800" dirty="0">
               <a:solidFill>
                 <a:schemeClr val="bg1"/>
               </a:solidFill>
-              <a:latin typeface="BM JUA OTF" panose="02020603020101020101" pitchFamily="18" charset="-127"/>
-              <a:ea typeface="BM JUA OTF" panose="02020603020101020101" pitchFamily="18" charset="-127"/>
+              <a:latin typeface="나눔스퀘어 Bold" panose="020B0600000101010101" pitchFamily="50" charset="-127"/>
+              <a:ea typeface="나눔스퀘어 Bold" panose="020B0600000101010101" pitchFamily="50" charset="-127"/>
             </a:endParaRPr>
           </a:p>
         </p:txBody>
@@ -6504,8 +7782,8 @@
         </p:nvSpPr>
         <p:spPr>
           <a:xfrm>
-            <a:off x="1859958" y="2419075"/>
-            <a:ext cx="667535" cy="667535"/>
+            <a:off x="1394969" y="2671557"/>
+            <a:ext cx="500651" cy="500651"/>
           </a:xfrm>
           <a:prstGeom prst="ellipse">
             <a:avLst/>
@@ -6542,21 +7820,21 @@
           <a:p>
             <a:pPr algn="ctr"/>
             <a:r>
-              <a:rPr kumimoji="1" lang="en-US" altLang="ko-KR" sz="2400" dirty="0">
+              <a:rPr kumimoji="1" lang="en-US" altLang="ko-KR" sz="1800" dirty="0">
                 <a:solidFill>
                   <a:schemeClr val="bg1"/>
                 </a:solidFill>
-                <a:latin typeface="BM JUA OTF" panose="02020603020101020101" pitchFamily="18" charset="-127"/>
-                <a:ea typeface="BM JUA OTF" panose="02020603020101020101" pitchFamily="18" charset="-127"/>
+                <a:latin typeface="나눔스퀘어 Bold" panose="020B0600000101010101" pitchFamily="50" charset="-127"/>
+                <a:ea typeface="나눔스퀘어 Bold" panose="020B0600000101010101" pitchFamily="50" charset="-127"/>
               </a:rPr>
               <a:t>6</a:t>
             </a:r>
-            <a:endParaRPr kumimoji="1" lang="ko-KR" altLang="en-US" sz="2400" dirty="0">
+            <a:endParaRPr kumimoji="1" lang="ko-KR" altLang="en-US" sz="1800" dirty="0">
               <a:solidFill>
                 <a:schemeClr val="bg1"/>
               </a:solidFill>
-              <a:latin typeface="BM JUA OTF" panose="02020603020101020101" pitchFamily="18" charset="-127"/>
-              <a:ea typeface="BM JUA OTF" panose="02020603020101020101" pitchFamily="18" charset="-127"/>
+              <a:latin typeface="나눔스퀘어 Bold" panose="020B0600000101010101" pitchFamily="50" charset="-127"/>
+              <a:ea typeface="나눔스퀘어 Bold" panose="020B0600000101010101" pitchFamily="50" charset="-127"/>
             </a:endParaRPr>
           </a:p>
         </p:txBody>
@@ -6571,6 +7849,13 @@
   <p:clrMapOvr>
     <a:masterClrMapping/>
   </p:clrMapOvr>
+  <p:timing>
+    <p:tnLst>
+      <p:par>
+        <p:cTn id="1" dur="indefinite" restart="never" nodeType="tmRoot"/>
+      </p:par>
+    </p:tnLst>
+  </p:timing>
 </p:sld>
 </file>
 
@@ -6591,7 +7876,7 @@
         <a:srgbClr val="E7E6E6"/>
       </a:lt2>
       <a:accent1>
-        <a:srgbClr val="4472C4"/>
+        <a:srgbClr val="5B9BD5"/>
       </a:accent1>
       <a:accent2>
         <a:srgbClr val="ED7D31"/>
@@ -6603,7 +7888,7 @@
         <a:srgbClr val="FFC000"/>
       </a:accent4>
       <a:accent5>
-        <a:srgbClr val="5B9BD5"/>
+        <a:srgbClr val="4472C4"/>
       </a:accent5>
       <a:accent6>
         <a:srgbClr val="70AD47"/>
@@ -6829,7 +8114,7 @@
   <a:extraClrSchemeLst/>
   <a:extLst>
     <a:ext uri="{05A4C25C-085E-4340-85A3-A5531E510DB2}">
-      <thm15:themeFamily xmlns:thm15="http://schemas.microsoft.com/office/thememl/2012/main" name="Office Theme 2013 - 2022" id="{62F939B6-93AF-4DB8-9C6B-D6C7DFDC589F}" vid="{4A3C46E8-61CC-4603-A589-7422A47A8E4A}"/>
+      <thm15:themeFamily xmlns:thm15="http://schemas.microsoft.com/office/thememl/2012/main" name="Office Theme" id="{62F939B6-93AF-4DB8-9C6B-D6C7DFDC589F}" vid="{4A3C46E8-61CC-4603-A589-7422A47A8E4A}"/>
     </a:ext>
   </a:extLst>
 </a:theme>
